--- a/Diplom/10_10/Prezent.pptx
+++ b/Diplom/10_10/Prezent.pptx
@@ -31,30 +31,30 @@
     <p:sldId id="343" r:id="rId22"/>
     <p:sldId id="350" r:id="rId23"/>
     <p:sldId id="344" r:id="rId24"/>
-    <p:sldId id="298" r:id="rId25"/>
-    <p:sldId id="347" r:id="rId26"/>
-    <p:sldId id="348" r:id="rId27"/>
+    <p:sldId id="351" r:id="rId25"/>
+    <p:sldId id="298" r:id="rId26"/>
+    <p:sldId id="347" r:id="rId27"/>
   </p:sldIdLst>
   <p:sldSz cx="18288000" cy="10287000"/>
   <p:notesSz cx="6858000" cy="9144000"/>
   <p:embeddedFontLst>
     <p:embeddedFont>
-      <p:font typeface="Proxima Nova" panose="020B0604020202020204" charset="0"/>
+      <p:font typeface="Golos Text Medium" panose="020B0604020202020204" charset="-52"/>
       <p:regular r:id="rId29"/>
-      <p:bold r:id="rId30"/>
-      <p:italic r:id="rId31"/>
-      <p:boldItalic r:id="rId32"/>
     </p:embeddedFont>
     <p:embeddedFont>
-      <p:font typeface="Calibri" panose="020F0502020204030204" pitchFamily="34" charset="0"/>
-      <p:regular r:id="rId33"/>
-      <p:bold r:id="rId34"/>
-      <p:italic r:id="rId35"/>
-      <p:boldItalic r:id="rId36"/>
+      <p:font typeface="Proxima Nova" panose="020B0604020202020204" charset="0"/>
+      <p:regular r:id="rId30"/>
+      <p:bold r:id="rId31"/>
+      <p:italic r:id="rId32"/>
+      <p:boldItalic r:id="rId33"/>
     </p:embeddedFont>
     <p:embeddedFont>
-      <p:font typeface="Golos Text Medium" panose="020B0604020202020204" charset="-52"/>
-      <p:regular r:id="rId37"/>
+      <p:font typeface="Proxima Nova Semibold" panose="02000506030000020004" charset="0"/>
+      <p:regular r:id="rId34"/>
+      <p:bold r:id="rId35"/>
+      <p:italic r:id="rId36"/>
+      <p:boldItalic r:id="rId37"/>
     </p:embeddedFont>
     <p:embeddedFont>
       <p:font typeface="Golos Text" panose="020B0604020202020204" charset="-52"/>
@@ -62,7 +62,7 @@
       <p:bold r:id="rId39"/>
     </p:embeddedFont>
     <p:embeddedFont>
-      <p:font typeface="Proxima Nova Semibold" panose="02000506030000020004" charset="0"/>
+      <p:font typeface="Calibri" panose="020F0502020204030204" pitchFamily="34" charset="0"/>
       <p:regular r:id="rId40"/>
       <p:bold r:id="rId41"/>
       <p:italic r:id="rId42"/>
@@ -2512,7 +2512,7 @@
   <p:cSld>
     <p:spTree>
       <p:nvGrpSpPr>
-        <p:cNvPr id="1" name="Shape 1017"/>
+        <p:cNvPr id="1" name="Shape 808"/>
         <p:cNvGrpSpPr/>
         <p:nvPr/>
       </p:nvGrpSpPr>
@@ -2526,7 +2526,7 @@
       </p:grpSpPr>
       <p:sp>
         <p:nvSpPr>
-          <p:cNvPr id="1018" name="Google Shape;1018;g86f911c6f3_2_2212:notes"/>
+          <p:cNvPr id="809" name="Google Shape;809;g872e1aa851_6_185:notes"/>
           <p:cNvSpPr>
             <a:spLocks noGrp="1" noRot="1" noChangeAspect="1"/>
           </p:cNvSpPr>
@@ -2567,7 +2567,7 @@
       </p:sp>
       <p:sp>
         <p:nvSpPr>
-          <p:cNvPr id="1019" name="Google Shape;1019;g86f911c6f3_2_2212:notes"/>
+          <p:cNvPr id="810" name="Google Shape;810;g872e1aa851_6_185:notes"/>
           <p:cNvSpPr txBox="1">
             <a:spLocks noGrp="1"/>
           </p:cNvSpPr>
@@ -2599,14 +2599,14 @@
               </a:spcAft>
               <a:buNone/>
             </a:pPr>
-            <a:endParaRPr/>
+            <a:endParaRPr dirty="0"/>
           </a:p>
         </p:txBody>
       </p:sp>
     </p:spTree>
     <p:extLst>
       <p:ext uri="{BB962C8B-B14F-4D97-AF65-F5344CB8AC3E}">
-        <p14:creationId xmlns:p14="http://schemas.microsoft.com/office/powerpoint/2010/main" val="3892559454"/>
+        <p14:creationId xmlns:p14="http://schemas.microsoft.com/office/powerpoint/2010/main" val="677804989"/>
       </p:ext>
     </p:extLst>
   </p:cSld>
@@ -2715,7 +2715,7 @@
     </p:spTree>
     <p:extLst>
       <p:ext uri="{BB962C8B-B14F-4D97-AF65-F5344CB8AC3E}">
-        <p14:creationId xmlns:p14="http://schemas.microsoft.com/office/powerpoint/2010/main" val="3465751233"/>
+        <p14:creationId xmlns:p14="http://schemas.microsoft.com/office/powerpoint/2010/main" val="3892559454"/>
       </p:ext>
     </p:extLst>
   </p:cSld>
@@ -2824,7 +2824,7 @@
     </p:spTree>
     <p:extLst>
       <p:ext uri="{BB962C8B-B14F-4D97-AF65-F5344CB8AC3E}">
-        <p14:creationId xmlns:p14="http://schemas.microsoft.com/office/powerpoint/2010/main" val="4289355906"/>
+        <p14:creationId xmlns:p14="http://schemas.microsoft.com/office/powerpoint/2010/main" val="3465751233"/>
       </p:ext>
     </p:extLst>
   </p:cSld>
@@ -12803,8 +12803,8 @@
         </p:nvSpPr>
         <p:spPr>
           <a:xfrm>
-            <a:off x="17042801" y="8100874"/>
-            <a:ext cx="899456" cy="620403"/>
+            <a:off x="17247685" y="9136775"/>
+            <a:ext cx="858715" cy="687422"/>
           </a:xfrm>
           <a:prstGeom prst="rect">
             <a:avLst/>
@@ -12826,14 +12826,20 @@
               </a:lnSpc>
             </a:pPr>
             <a:r>
-              <a:rPr lang="ru-RU" sz="4000" dirty="0">
+              <a:rPr lang="ru-RU" sz="3000" dirty="0" smtClean="0">
                 <a:latin typeface="Golos Text Medium" panose="020B0604020202020204" charset="-52"/>
                 <a:ea typeface="Proxima Nova"/>
                 <a:cs typeface="Golos Text Medium" panose="020B0604020202020204" charset="-52"/>
                 <a:sym typeface="Proxima Nova"/>
               </a:rPr>
-              <a:t>3</a:t>
+              <a:t>10</a:t>
             </a:r>
+            <a:endParaRPr lang="ru-RU" sz="3000" dirty="0">
+              <a:latin typeface="Golos Text Medium" panose="020B0604020202020204" charset="-52"/>
+              <a:ea typeface="Proxima Nova"/>
+              <a:cs typeface="Golos Text Medium" panose="020B0604020202020204" charset="-52"/>
+              <a:sym typeface="Proxima Nova"/>
+            </a:endParaRPr>
           </a:p>
         </p:txBody>
       </p:sp>
@@ -12863,14 +12869,14 @@
                 <a:gridCol w="6878126">
                   <a:extLst>
                     <a:ext uri="{9D8B030D-6E8A-4147-A177-3AD203B41FA5}">
-                      <a16:colId xmlns="" xmlns:a16="http://schemas.microsoft.com/office/drawing/2014/main" val="20000"/>
+                      <a16:colId xmlns:a16="http://schemas.microsoft.com/office/drawing/2014/main" val="20000"/>
                     </a:ext>
                   </a:extLst>
                 </a:gridCol>
                 <a:gridCol w="5790775">
                   <a:extLst>
                     <a:ext uri="{9D8B030D-6E8A-4147-A177-3AD203B41FA5}">
-                      <a16:colId xmlns="" xmlns:a16="http://schemas.microsoft.com/office/drawing/2014/main" val="20001"/>
+                      <a16:colId xmlns:a16="http://schemas.microsoft.com/office/drawing/2014/main" val="20001"/>
                     </a:ext>
                   </a:extLst>
                 </a:gridCol>
@@ -12992,7 +12998,7 @@
                 </a:tc>
                 <a:extLst>
                   <a:ext uri="{0D108BD9-81ED-4DB2-BD59-A6C34878D82A}">
-                    <a16:rowId xmlns="" xmlns:a16="http://schemas.microsoft.com/office/drawing/2014/main" val="10000"/>
+                    <a16:rowId xmlns:a16="http://schemas.microsoft.com/office/drawing/2014/main" val="10000"/>
                   </a:ext>
                 </a:extLst>
               </a:tr>
@@ -13113,7 +13119,7 @@
                 </a:tc>
                 <a:extLst>
                   <a:ext uri="{0D108BD9-81ED-4DB2-BD59-A6C34878D82A}">
-                    <a16:rowId xmlns="" xmlns:a16="http://schemas.microsoft.com/office/drawing/2014/main" val="10001"/>
+                    <a16:rowId xmlns:a16="http://schemas.microsoft.com/office/drawing/2014/main" val="10001"/>
                   </a:ext>
                 </a:extLst>
               </a:tr>
@@ -13234,7 +13240,7 @@
                 </a:tc>
                 <a:extLst>
                   <a:ext uri="{0D108BD9-81ED-4DB2-BD59-A6C34878D82A}">
-                    <a16:rowId xmlns="" xmlns:a16="http://schemas.microsoft.com/office/drawing/2014/main" val="10002"/>
+                    <a16:rowId xmlns:a16="http://schemas.microsoft.com/office/drawing/2014/main" val="10002"/>
                   </a:ext>
                 </a:extLst>
               </a:tr>
@@ -13355,7 +13361,7 @@
                 </a:tc>
                 <a:extLst>
                   <a:ext uri="{0D108BD9-81ED-4DB2-BD59-A6C34878D82A}">
-                    <a16:rowId xmlns="" xmlns:a16="http://schemas.microsoft.com/office/drawing/2014/main" val="10003"/>
+                    <a16:rowId xmlns:a16="http://schemas.microsoft.com/office/drawing/2014/main" val="10003"/>
                   </a:ext>
                 </a:extLst>
               </a:tr>
@@ -13476,7 +13482,7 @@
                 </a:tc>
                 <a:extLst>
                   <a:ext uri="{0D108BD9-81ED-4DB2-BD59-A6C34878D82A}">
-                    <a16:rowId xmlns="" xmlns:a16="http://schemas.microsoft.com/office/drawing/2014/main" val="10004"/>
+                    <a16:rowId xmlns:a16="http://schemas.microsoft.com/office/drawing/2014/main" val="10004"/>
                   </a:ext>
                 </a:extLst>
               </a:tr>
@@ -13597,7 +13603,7 @@
                 </a:tc>
                 <a:extLst>
                   <a:ext uri="{0D108BD9-81ED-4DB2-BD59-A6C34878D82A}">
-                    <a16:rowId xmlns="" xmlns:a16="http://schemas.microsoft.com/office/drawing/2014/main" val="10005"/>
+                    <a16:rowId xmlns:a16="http://schemas.microsoft.com/office/drawing/2014/main" val="10005"/>
                   </a:ext>
                 </a:extLst>
               </a:tr>
@@ -13718,7 +13724,7 @@
                 </a:tc>
                 <a:extLst>
                   <a:ext uri="{0D108BD9-81ED-4DB2-BD59-A6C34878D82A}">
-                    <a16:rowId xmlns="" xmlns:a16="http://schemas.microsoft.com/office/drawing/2014/main" val="10006"/>
+                    <a16:rowId xmlns:a16="http://schemas.microsoft.com/office/drawing/2014/main" val="10006"/>
                   </a:ext>
                 </a:extLst>
               </a:tr>
@@ -13797,7 +13803,7 @@
                 </a:tc>
                 <a:extLst>
                   <a:ext uri="{0D108BD9-81ED-4DB2-BD59-A6C34878D82A}">
-                    <a16:rowId xmlns="" xmlns:a16="http://schemas.microsoft.com/office/drawing/2014/main" val="10007"/>
+                    <a16:rowId xmlns:a16="http://schemas.microsoft.com/office/drawing/2014/main" val="10007"/>
                   </a:ext>
                 </a:extLst>
               </a:tr>
@@ -14680,8 +14686,8 @@
         </p:nvSpPr>
         <p:spPr>
           <a:xfrm>
-            <a:off x="17037538" y="8567388"/>
-            <a:ext cx="489236" cy="707886"/>
+            <a:off x="17393952" y="9205285"/>
+            <a:ext cx="566181" cy="553998"/>
           </a:xfrm>
           <a:prstGeom prst="rect">
             <a:avLst/>
@@ -14694,12 +14700,16 @@
           <a:lstStyle/>
           <a:p>
             <a:r>
-              <a:rPr lang="ru-RU" sz="4000" dirty="0">
+              <a:rPr lang="ru-RU" sz="3000" dirty="0" smtClean="0">
                 <a:latin typeface="Golos Text Medium" panose="020B0604020202020204" charset="-52"/>
                 <a:cs typeface="Golos Text Medium" panose="020B0604020202020204" charset="-52"/>
               </a:rPr>
-              <a:t>3</a:t>
+              <a:t>11</a:t>
             </a:r>
+            <a:endParaRPr lang="ru-RU" sz="3000" dirty="0">
+              <a:latin typeface="Golos Text Medium" panose="020B0604020202020204" charset="-52"/>
+              <a:cs typeface="Golos Text Medium" panose="020B0604020202020204" charset="-52"/>
+            </a:endParaRPr>
           </a:p>
         </p:txBody>
       </p:sp>
@@ -15007,36 +15017,6 @@
           </a:p>
         </p:txBody>
       </p:sp>
-      <p:pic>
-        <p:nvPicPr>
-          <p:cNvPr id="2" name="Рисунок 1"/>
-          <p:cNvPicPr>
-            <a:picLocks noChangeAspect="1"/>
-          </p:cNvPicPr>
-          <p:nvPr/>
-        </p:nvPicPr>
-        <p:blipFill>
-          <a:blip r:embed="rId3">
-            <a:extLst>
-              <a:ext uri="{28A0092B-C50C-407E-A947-70E740481C1C}">
-                <a14:useLocalDpi xmlns:a14="http://schemas.microsoft.com/office/drawing/2010/main" val="0"/>
-              </a:ext>
-            </a:extLst>
-          </a:blip>
-          <a:stretch>
-            <a:fillRect/>
-          </a:stretch>
-        </p:blipFill>
-        <p:spPr>
-          <a:xfrm>
-            <a:off x="-1" y="1811686"/>
-            <a:ext cx="17325858" cy="6993889"/>
-          </a:xfrm>
-          <a:prstGeom prst="rect">
-            <a:avLst/>
-          </a:prstGeom>
-        </p:spPr>
-      </p:pic>
       <p:sp>
         <p:nvSpPr>
           <p:cNvPr id="3" name="Прямоугольник 2"/>
@@ -15101,8 +15081,8 @@
         </p:nvSpPr>
         <p:spPr>
           <a:xfrm>
-            <a:off x="17320246" y="7533980"/>
-            <a:ext cx="500458" cy="707886"/>
+            <a:off x="17491363" y="8605550"/>
+            <a:ext cx="603050" cy="553998"/>
           </a:xfrm>
           <a:prstGeom prst="rect">
             <a:avLst/>
@@ -15115,19 +15095,43 @@
           <a:lstStyle/>
           <a:p>
             <a:r>
-              <a:rPr lang="ru-RU" sz="4000" dirty="0" smtClean="0">
+              <a:rPr lang="ru-RU" sz="3000" dirty="0" smtClean="0">
                 <a:latin typeface="Golos Text Medium" panose="020B0604020202020204" charset="-52"/>
                 <a:cs typeface="Golos Text Medium" panose="020B0604020202020204" charset="-52"/>
               </a:rPr>
-              <a:t>4</a:t>
+              <a:t>12</a:t>
             </a:r>
-            <a:endParaRPr lang="ru-RU" sz="4000" dirty="0">
+            <a:endParaRPr lang="ru-RU" sz="3000" dirty="0">
               <a:latin typeface="Golos Text Medium" panose="020B0604020202020204" charset="-52"/>
               <a:cs typeface="Golos Text Medium" panose="020B0604020202020204" charset="-52"/>
             </a:endParaRPr>
           </a:p>
         </p:txBody>
       </p:sp>
+      <p:pic>
+        <p:nvPicPr>
+          <p:cNvPr id="5" name="Рисунок 4"/>
+          <p:cNvPicPr>
+            <a:picLocks noChangeAspect="1"/>
+          </p:cNvPicPr>
+          <p:nvPr/>
+        </p:nvPicPr>
+        <p:blipFill>
+          <a:blip r:embed="rId3"/>
+          <a:stretch>
+            <a:fillRect/>
+          </a:stretch>
+        </p:blipFill>
+        <p:spPr>
+          <a:xfrm>
+            <a:off x="710600" y="1712485"/>
+            <a:ext cx="16429084" cy="6693040"/>
+          </a:xfrm>
+          <a:prstGeom prst="rect">
+            <a:avLst/>
+          </a:prstGeom>
+        </p:spPr>
+      </p:pic>
     </p:spTree>
     <p:extLst>
       <p:ext uri="{BB962C8B-B14F-4D97-AF65-F5344CB8AC3E}">
@@ -15545,30 +15549,37 @@
           </a:prstGeom>
         </p:spPr>
       </p:pic>
-      <p:pic>
-        <p:nvPicPr>
-          <p:cNvPr id="2" name="Рисунок 1"/>
-          <p:cNvPicPr>
-            <a:picLocks noChangeAspect="1"/>
-          </p:cNvPicPr>
+      <p:sp>
+        <p:nvSpPr>
+          <p:cNvPr id="3" name="Прямоугольник 2"/>
+          <p:cNvSpPr/>
           <p:nvPr/>
-        </p:nvPicPr>
-        <p:blipFill>
-          <a:blip r:embed="rId4"/>
-          <a:stretch>
-            <a:fillRect/>
-          </a:stretch>
-        </p:blipFill>
+        </p:nvSpPr>
         <p:spPr>
           <a:xfrm>
-            <a:off x="16886023" y="7310708"/>
-            <a:ext cx="890093" cy="1066892"/>
+            <a:off x="17404513" y="7874566"/>
+            <a:ext cx="603050" cy="553998"/>
           </a:xfrm>
           <a:prstGeom prst="rect">
             <a:avLst/>
           </a:prstGeom>
         </p:spPr>
-      </p:pic>
+        <p:txBody>
+          <a:bodyPr wrap="none">
+            <a:spAutoFit/>
+          </a:bodyPr>
+          <a:lstStyle/>
+          <a:p>
+            <a:r>
+              <a:rPr lang="ru-RU" sz="3000" dirty="0">
+                <a:latin typeface="Golos Text Medium" panose="020B0604020202020204" charset="-52"/>
+                <a:cs typeface="Golos Text Medium" panose="020B0604020202020204" charset="-52"/>
+              </a:rPr>
+              <a:t>12</a:t>
+            </a:r>
+          </a:p>
+        </p:txBody>
+      </p:sp>
     </p:spTree>
     <p:extLst>
       <p:ext uri="{BB962C8B-B14F-4D97-AF65-F5344CB8AC3E}">
@@ -15948,7 +15959,7 @@
         </p:blipFill>
         <p:spPr>
           <a:xfrm>
-            <a:off x="310313" y="1935695"/>
+            <a:off x="117130" y="1935695"/>
             <a:ext cx="16824703" cy="6469831"/>
           </a:xfrm>
           <a:prstGeom prst="rect">
@@ -15956,30 +15967,41 @@
           </a:prstGeom>
         </p:spPr>
       </p:pic>
-      <p:pic>
-        <p:nvPicPr>
-          <p:cNvPr id="4" name="Рисунок 3"/>
-          <p:cNvPicPr>
-            <a:picLocks noChangeAspect="1"/>
-          </p:cNvPicPr>
+      <p:sp>
+        <p:nvSpPr>
+          <p:cNvPr id="3" name="Прямоугольник 2"/>
+          <p:cNvSpPr/>
           <p:nvPr/>
-        </p:nvPicPr>
-        <p:blipFill>
-          <a:blip r:embed="rId4"/>
-          <a:stretch>
-            <a:fillRect/>
-          </a:stretch>
-        </p:blipFill>
+        </p:nvSpPr>
         <p:spPr>
           <a:xfrm>
-            <a:off x="17002758" y="7481509"/>
-            <a:ext cx="890093" cy="1066892"/>
+            <a:off x="17174158" y="7674541"/>
+            <a:ext cx="604653" cy="553998"/>
           </a:xfrm>
           <a:prstGeom prst="rect">
             <a:avLst/>
           </a:prstGeom>
         </p:spPr>
-      </p:pic>
+        <p:txBody>
+          <a:bodyPr wrap="none">
+            <a:spAutoFit/>
+          </a:bodyPr>
+          <a:lstStyle/>
+          <a:p>
+            <a:r>
+              <a:rPr lang="ru-RU" sz="3000" dirty="0" smtClean="0">
+                <a:latin typeface="Golos Text Medium" panose="020B0604020202020204" charset="-52"/>
+                <a:cs typeface="Golos Text Medium" panose="020B0604020202020204" charset="-52"/>
+              </a:rPr>
+              <a:t>13</a:t>
+            </a:r>
+            <a:endParaRPr lang="ru-RU" sz="3000" dirty="0">
+              <a:latin typeface="Golos Text Medium" panose="020B0604020202020204" charset="-52"/>
+              <a:cs typeface="Golos Text Medium" panose="020B0604020202020204" charset="-52"/>
+            </a:endParaRPr>
+          </a:p>
+        </p:txBody>
+      </p:sp>
     </p:spTree>
     <p:extLst>
       <p:ext uri="{BB962C8B-B14F-4D97-AF65-F5344CB8AC3E}">
@@ -16397,30 +16419,37 @@
           </a:prstGeom>
         </p:spPr>
       </p:pic>
-      <p:pic>
-        <p:nvPicPr>
-          <p:cNvPr id="5" name="Рисунок 4"/>
-          <p:cNvPicPr>
-            <a:picLocks noChangeAspect="1"/>
-          </p:cNvPicPr>
+      <p:sp>
+        <p:nvSpPr>
+          <p:cNvPr id="2" name="Прямоугольник 1"/>
+          <p:cNvSpPr/>
           <p:nvPr/>
-        </p:nvPicPr>
-        <p:blipFill>
-          <a:blip r:embed="rId4"/>
-          <a:stretch>
-            <a:fillRect/>
-          </a:stretch>
-        </p:blipFill>
+        </p:nvSpPr>
         <p:spPr>
           <a:xfrm>
-            <a:off x="17125428" y="7322804"/>
-            <a:ext cx="890093" cy="1098182"/>
+            <a:off x="17534847" y="8570549"/>
+            <a:ext cx="604653" cy="553998"/>
           </a:xfrm>
           <a:prstGeom prst="rect">
             <a:avLst/>
           </a:prstGeom>
         </p:spPr>
-      </p:pic>
+        <p:txBody>
+          <a:bodyPr wrap="none">
+            <a:spAutoFit/>
+          </a:bodyPr>
+          <a:lstStyle/>
+          <a:p>
+            <a:r>
+              <a:rPr lang="ru-RU" sz="3000" dirty="0">
+                <a:latin typeface="Golos Text Medium" panose="020B0604020202020204" charset="-52"/>
+                <a:cs typeface="Golos Text Medium" panose="020B0604020202020204" charset="-52"/>
+              </a:rPr>
+              <a:t>13</a:t>
+            </a:r>
+          </a:p>
+        </p:txBody>
+      </p:sp>
     </p:spTree>
     <p:extLst>
       <p:ext uri="{BB962C8B-B14F-4D97-AF65-F5344CB8AC3E}">
@@ -16894,7 +16923,7 @@
         </p:blipFill>
         <p:spPr>
           <a:xfrm>
-            <a:off x="-273952" y="1992830"/>
+            <a:off x="-106526" y="1992830"/>
             <a:ext cx="17498696" cy="6487826"/>
           </a:xfrm>
           <a:prstGeom prst="rect">
@@ -16902,30 +16931,37 @@
           </a:prstGeom>
         </p:spPr>
       </p:pic>
-      <p:pic>
-        <p:nvPicPr>
-          <p:cNvPr id="5" name="Рисунок 4"/>
-          <p:cNvPicPr>
-            <a:picLocks noChangeAspect="1"/>
-          </p:cNvPicPr>
+      <p:sp>
+        <p:nvSpPr>
+          <p:cNvPr id="3" name="Прямоугольник 2"/>
+          <p:cNvSpPr/>
           <p:nvPr/>
-        </p:nvPicPr>
-        <p:blipFill>
-          <a:blip r:embed="rId4"/>
-          <a:stretch>
-            <a:fillRect/>
-          </a:stretch>
-        </p:blipFill>
+        </p:nvSpPr>
         <p:spPr>
           <a:xfrm>
-            <a:off x="16907288" y="7407954"/>
-            <a:ext cx="890093" cy="1066892"/>
+            <a:off x="17563287" y="8730445"/>
+            <a:ext cx="611065" cy="553998"/>
           </a:xfrm>
           <a:prstGeom prst="rect">
             <a:avLst/>
           </a:prstGeom>
         </p:spPr>
-      </p:pic>
+        <p:txBody>
+          <a:bodyPr wrap="none">
+            <a:spAutoFit/>
+          </a:bodyPr>
+          <a:lstStyle/>
+          <a:p>
+            <a:r>
+              <a:rPr lang="ru-RU" sz="3000" dirty="0">
+                <a:latin typeface="Golos Text Medium" panose="020B0604020202020204" charset="-52"/>
+                <a:cs typeface="Golos Text Medium" panose="020B0604020202020204" charset="-52"/>
+              </a:rPr>
+              <a:t>13</a:t>
+            </a:r>
+          </a:p>
+        </p:txBody>
+      </p:sp>
     </p:spTree>
     <p:extLst>
       <p:ext uri="{BB962C8B-B14F-4D97-AF65-F5344CB8AC3E}">
@@ -17389,30 +17425,41 @@
           </a:prstGeom>
         </p:spPr>
       </p:pic>
-      <p:pic>
-        <p:nvPicPr>
-          <p:cNvPr id="5" name="Рисунок 4"/>
-          <p:cNvPicPr>
-            <a:picLocks noChangeAspect="1"/>
-          </p:cNvPicPr>
+      <p:sp>
+        <p:nvSpPr>
+          <p:cNvPr id="2" name="Прямоугольник 1"/>
+          <p:cNvSpPr/>
           <p:nvPr/>
-        </p:nvPicPr>
-        <p:blipFill>
-          <a:blip r:embed="rId4"/>
-          <a:stretch>
-            <a:fillRect/>
-          </a:stretch>
-        </p:blipFill>
+        </p:nvSpPr>
         <p:spPr>
           <a:xfrm>
-            <a:off x="17125428" y="7338634"/>
-            <a:ext cx="890093" cy="1066892"/>
+            <a:off x="17373600" y="8691275"/>
+            <a:ext cx="612668" cy="553998"/>
           </a:xfrm>
           <a:prstGeom prst="rect">
             <a:avLst/>
           </a:prstGeom>
         </p:spPr>
-      </p:pic>
+        <p:txBody>
+          <a:bodyPr wrap="none">
+            <a:spAutoFit/>
+          </a:bodyPr>
+          <a:lstStyle/>
+          <a:p>
+            <a:r>
+              <a:rPr lang="ru-RU" sz="3000" dirty="0" smtClean="0">
+                <a:latin typeface="Golos Text Medium" panose="020B0604020202020204" charset="-52"/>
+                <a:cs typeface="Golos Text Medium" panose="020B0604020202020204" charset="-52"/>
+              </a:rPr>
+              <a:t>14</a:t>
+            </a:r>
+            <a:endParaRPr lang="ru-RU" sz="3000" dirty="0">
+              <a:latin typeface="Golos Text Medium" panose="020B0604020202020204" charset="-52"/>
+              <a:cs typeface="Golos Text Medium" panose="020B0604020202020204" charset="-52"/>
+            </a:endParaRPr>
+          </a:p>
+        </p:txBody>
+      </p:sp>
     </p:spTree>
     <p:extLst>
       <p:ext uri="{BB962C8B-B14F-4D97-AF65-F5344CB8AC3E}">
@@ -17876,30 +17923,41 @@
           </a:prstGeom>
         </p:spPr>
       </p:pic>
-      <p:pic>
-        <p:nvPicPr>
-          <p:cNvPr id="5" name="Рисунок 4"/>
-          <p:cNvPicPr>
-            <a:picLocks noChangeAspect="1"/>
-          </p:cNvPicPr>
+      <p:sp>
+        <p:nvSpPr>
+          <p:cNvPr id="3" name="Прямоугольник 2"/>
+          <p:cNvSpPr/>
           <p:nvPr/>
-        </p:nvPicPr>
-        <p:blipFill>
-          <a:blip r:embed="rId4"/>
-          <a:stretch>
-            <a:fillRect/>
-          </a:stretch>
-        </p:blipFill>
+        </p:nvSpPr>
         <p:spPr>
           <a:xfrm>
-            <a:off x="17125428" y="7240239"/>
-            <a:ext cx="890093" cy="1066892"/>
+            <a:off x="17373600" y="8706182"/>
+            <a:ext cx="603050" cy="553998"/>
           </a:xfrm>
           <a:prstGeom prst="rect">
             <a:avLst/>
           </a:prstGeom>
         </p:spPr>
-      </p:pic>
+        <p:txBody>
+          <a:bodyPr wrap="none">
+            <a:spAutoFit/>
+          </a:bodyPr>
+          <a:lstStyle/>
+          <a:p>
+            <a:r>
+              <a:rPr lang="ru-RU" sz="3000" dirty="0" smtClean="0">
+                <a:latin typeface="Golos Text Medium" panose="020B0604020202020204" charset="-52"/>
+                <a:cs typeface="Golos Text Medium" panose="020B0604020202020204" charset="-52"/>
+              </a:rPr>
+              <a:t>15</a:t>
+            </a:r>
+            <a:endParaRPr lang="ru-RU" sz="3000" dirty="0">
+              <a:latin typeface="Golos Text Medium" panose="020B0604020202020204" charset="-52"/>
+              <a:cs typeface="Golos Text Medium" panose="020B0604020202020204" charset="-52"/>
+            </a:endParaRPr>
+          </a:p>
+        </p:txBody>
+      </p:sp>
     </p:spTree>
     <p:extLst>
       <p:ext uri="{BB962C8B-B14F-4D97-AF65-F5344CB8AC3E}">
@@ -18309,7 +18367,7 @@
         </p:blipFill>
         <p:spPr>
           <a:xfrm>
-            <a:off x="-260694" y="2569391"/>
+            <a:off x="191122" y="2198519"/>
             <a:ext cx="17265675" cy="5836135"/>
           </a:xfrm>
           <a:prstGeom prst="rect">
@@ -18317,30 +18375,41 @@
           </a:prstGeom>
         </p:spPr>
       </p:pic>
-      <p:pic>
-        <p:nvPicPr>
-          <p:cNvPr id="5" name="Рисунок 4"/>
-          <p:cNvPicPr>
-            <a:picLocks noChangeAspect="1"/>
-          </p:cNvPicPr>
+      <p:sp>
+        <p:nvSpPr>
+          <p:cNvPr id="2" name="Прямоугольник 1"/>
+          <p:cNvSpPr/>
           <p:nvPr/>
-        </p:nvPicPr>
-        <p:blipFill>
-          <a:blip r:embed="rId4"/>
-          <a:stretch>
-            <a:fillRect/>
-          </a:stretch>
-        </p:blipFill>
+        </p:nvSpPr>
         <p:spPr>
           <a:xfrm>
-            <a:off x="17125428" y="7105225"/>
-            <a:ext cx="890093" cy="1066892"/>
+            <a:off x="17456797" y="8639001"/>
+            <a:ext cx="612668" cy="553998"/>
           </a:xfrm>
           <a:prstGeom prst="rect">
             <a:avLst/>
           </a:prstGeom>
         </p:spPr>
-      </p:pic>
+        <p:txBody>
+          <a:bodyPr wrap="none">
+            <a:spAutoFit/>
+          </a:bodyPr>
+          <a:lstStyle/>
+          <a:p>
+            <a:r>
+              <a:rPr lang="ru-RU" sz="3000" dirty="0" smtClean="0">
+                <a:latin typeface="Golos Text Medium" panose="020B0604020202020204" charset="-52"/>
+                <a:cs typeface="Golos Text Medium" panose="020B0604020202020204" charset="-52"/>
+              </a:rPr>
+              <a:t>16</a:t>
+            </a:r>
+            <a:endParaRPr lang="ru-RU" sz="3000" dirty="0">
+              <a:latin typeface="Golos Text Medium" panose="020B0604020202020204" charset="-52"/>
+              <a:cs typeface="Golos Text Medium" panose="020B0604020202020204" charset="-52"/>
+            </a:endParaRPr>
+          </a:p>
+        </p:txBody>
+      </p:sp>
     </p:spTree>
     <p:extLst>
       <p:ext uri="{BB962C8B-B14F-4D97-AF65-F5344CB8AC3E}">
@@ -18502,7 +18571,7 @@
                   <a:cs typeface="Golos Text" panose="020B0503020202020204" pitchFamily="34" charset="0"/>
                   <a:sym typeface="Proxima Nova Semibold"/>
                 </a:rPr>
-                <a:t>2</a:t>
+                <a:t>3</a:t>
               </a:r>
               <a:endParaRPr sz="3200" dirty="0">
                 <a:latin typeface="Golos Text" panose="020B0503020202020204" pitchFamily="34" charset="0"/>
@@ -18760,25 +18829,7 @@
                 <a:cs typeface="Golos Text" panose="020B0503020202020204" pitchFamily="34" charset="0"/>
                 <a:sym typeface="Proxima Nova"/>
               </a:rPr>
-              <a:t>Построение модели </a:t>
-            </a:r>
-            <a:r>
-              <a:rPr lang="ru-RU" sz="2400" dirty="0" smtClean="0">
-                <a:latin typeface="Golos Text" panose="020B0503020202020204" pitchFamily="34" charset="0"/>
-                <a:ea typeface="Proxima Nova"/>
-                <a:cs typeface="Golos Text" panose="020B0503020202020204" pitchFamily="34" charset="0"/>
-                <a:sym typeface="Proxima Nova"/>
-              </a:rPr>
-              <a:t>- </a:t>
-            </a:r>
-            <a:r>
-              <a:rPr lang="ru-RU" sz="2400" dirty="0" smtClean="0">
-                <a:latin typeface="Golos Text" panose="020B0503020202020204" pitchFamily="34" charset="0"/>
-                <a:ea typeface="Proxima Nova"/>
-                <a:cs typeface="Golos Text" panose="020B0503020202020204" pitchFamily="34" charset="0"/>
-                <a:sym typeface="Proxima Nova"/>
-              </a:rPr>
-              <a:t>Логистическая регрессия, Деревья решений </a:t>
+              <a:t>Построение модели - Логистическая регрессия, Деревья решений </a:t>
             </a:r>
             <a:endParaRPr sz="2400" dirty="0">
               <a:latin typeface="Golos Text" panose="020B0503020202020204" pitchFamily="34" charset="0"/>
@@ -18995,7 +19046,7 @@
                   <a:cs typeface="Golos Text" panose="020B0503020202020204" pitchFamily="34" charset="0"/>
                   <a:sym typeface="Proxima Nova Semibold"/>
                 </a:rPr>
-                <a:t>3</a:t>
+                <a:t>8</a:t>
               </a:r>
               <a:endParaRPr sz="3200" dirty="0">
                 <a:latin typeface="Golos Text" panose="020B0503020202020204" pitchFamily="34" charset="0"/>
@@ -19106,13 +19157,13 @@
                 <a:buNone/>
               </a:pPr>
               <a:r>
-                <a:rPr lang="ru" sz="3200" dirty="0">
+                <a:rPr lang="ru" sz="3200" dirty="0" smtClean="0">
                   <a:latin typeface="Golos Text" panose="020B0503020202020204" pitchFamily="34" charset="0"/>
                   <a:ea typeface="Proxima Nova Semibold"/>
                   <a:cs typeface="Golos Text" panose="020B0503020202020204" pitchFamily="34" charset="0"/>
                   <a:sym typeface="Proxima Nova Semibold"/>
                 </a:rPr>
-                <a:t>4</a:t>
+                <a:t>12</a:t>
               </a:r>
               <a:endParaRPr sz="3200" dirty="0">
                 <a:latin typeface="Golos Text" panose="020B0503020202020204" pitchFamily="34" charset="0"/>
@@ -19223,13 +19274,13 @@
                 <a:buNone/>
               </a:pPr>
               <a:r>
-                <a:rPr lang="ru" sz="3200" dirty="0">
+                <a:rPr lang="ru" sz="3200" dirty="0" smtClean="0">
                   <a:latin typeface="Golos Text" panose="020B0503020202020204" pitchFamily="34" charset="0"/>
                   <a:ea typeface="Proxima Nova Semibold"/>
                   <a:cs typeface="Golos Text" panose="020B0503020202020204" pitchFamily="34" charset="0"/>
                   <a:sym typeface="Proxima Nova Semibold"/>
                 </a:rPr>
-                <a:t>5</a:t>
+                <a:t>18</a:t>
               </a:r>
               <a:endParaRPr sz="3200" dirty="0">
                 <a:latin typeface="Golos Text" panose="020B0503020202020204" pitchFamily="34" charset="0"/>
@@ -19340,13 +19391,13 @@
                 <a:buNone/>
               </a:pPr>
               <a:r>
-                <a:rPr lang="ru" sz="3200" dirty="0">
+                <a:rPr lang="ru" sz="3200" dirty="0" smtClean="0">
                   <a:latin typeface="Golos Text" panose="020B0503020202020204" pitchFamily="34" charset="0"/>
                   <a:ea typeface="Proxima Nova Semibold"/>
                   <a:cs typeface="Golos Text" panose="020B0503020202020204" pitchFamily="34" charset="0"/>
                   <a:sym typeface="Proxima Nova Semibold"/>
                 </a:rPr>
-                <a:t>6</a:t>
+                <a:t>22</a:t>
               </a:r>
               <a:endParaRPr sz="3200" dirty="0">
                 <a:latin typeface="Golos Text" panose="020B0503020202020204" pitchFamily="34" charset="0"/>
@@ -19363,7 +19414,7 @@
           <p:cNvPr id="35" name="Google Shape;634;p35">
             <a:extLst>
               <a:ext uri="{FF2B5EF4-FFF2-40B4-BE49-F238E27FC236}">
-                <a16:creationId xmlns="" xmlns:a16="http://schemas.microsoft.com/office/drawing/2014/main" id="{0F01FBFA-A5C2-2C4C-86D6-DCD3B1E07244}"/>
+                <a16:creationId xmlns:a16="http://schemas.microsoft.com/office/drawing/2014/main" id="{0F01FBFA-A5C2-2C4C-86D6-DCD3B1E07244}"/>
               </a:ext>
             </a:extLst>
           </p:cNvPr>
@@ -19523,8 +19574,8 @@
         </p:nvSpPr>
         <p:spPr>
           <a:xfrm>
-            <a:off x="17082719" y="8545689"/>
-            <a:ext cx="437940" cy="707886"/>
+            <a:off x="17263023" y="9154967"/>
+            <a:ext cx="412292" cy="553998"/>
           </a:xfrm>
           <a:prstGeom prst="rect">
             <a:avLst/>
@@ -19537,11 +19588,11 @@
           <a:lstStyle/>
           <a:p>
             <a:r>
-              <a:rPr lang="ru-RU" sz="4000" dirty="0">
+              <a:rPr lang="ru-RU" sz="3000" dirty="0">
                 <a:latin typeface="Golos Text Medium" panose="020B0604020202020204" charset="-52"/>
                 <a:cs typeface="Golos Text Medium" panose="020B0604020202020204" charset="-52"/>
               </a:rPr>
-              <a:t>1</a:t>
+              <a:t>2</a:t>
             </a:r>
           </a:p>
         </p:txBody>
@@ -20004,30 +20055,41 @@
           </a:prstGeom>
         </p:spPr>
       </p:pic>
-      <p:pic>
-        <p:nvPicPr>
-          <p:cNvPr id="5" name="Рисунок 4"/>
-          <p:cNvPicPr>
-            <a:picLocks noChangeAspect="1"/>
-          </p:cNvPicPr>
+      <p:sp>
+        <p:nvSpPr>
+          <p:cNvPr id="3" name="Прямоугольник 2"/>
+          <p:cNvSpPr/>
           <p:nvPr/>
-        </p:nvPicPr>
-        <p:blipFill>
-          <a:blip r:embed="rId4"/>
-          <a:stretch>
-            <a:fillRect/>
-          </a:stretch>
-        </p:blipFill>
+        </p:nvSpPr>
         <p:spPr>
           <a:xfrm>
-            <a:off x="17125428" y="7218808"/>
-            <a:ext cx="890093" cy="1066892"/>
+            <a:off x="17458449" y="8648413"/>
+            <a:ext cx="580608" cy="553998"/>
           </a:xfrm>
           <a:prstGeom prst="rect">
             <a:avLst/>
           </a:prstGeom>
         </p:spPr>
-      </p:pic>
+        <p:txBody>
+          <a:bodyPr wrap="none">
+            <a:spAutoFit/>
+          </a:bodyPr>
+          <a:lstStyle/>
+          <a:p>
+            <a:r>
+              <a:rPr lang="ru-RU" sz="3000" dirty="0" smtClean="0">
+                <a:latin typeface="Golos Text Medium" panose="020B0604020202020204" charset="-52"/>
+                <a:cs typeface="Golos Text Medium" panose="020B0604020202020204" charset="-52"/>
+              </a:rPr>
+              <a:t>17</a:t>
+            </a:r>
+            <a:endParaRPr lang="ru-RU" sz="3000" dirty="0">
+              <a:latin typeface="Golos Text Medium" panose="020B0604020202020204" charset="-52"/>
+              <a:cs typeface="Golos Text Medium" panose="020B0604020202020204" charset="-52"/>
+            </a:endParaRPr>
+          </a:p>
+        </p:txBody>
+      </p:sp>
     </p:spTree>
     <p:extLst>
       <p:ext uri="{BB962C8B-B14F-4D97-AF65-F5344CB8AC3E}">
@@ -20337,22 +20399,13 @@
               </a:lnSpc>
             </a:pPr>
             <a:r>
-              <a:rPr lang="en-US" sz="4000" dirty="0" err="1" smtClean="0">
-                <a:latin typeface="Golos Text Medium" panose="020B0503020202020204" pitchFamily="34" charset="0"/>
-                <a:ea typeface="Proxima Nova Semibold"/>
-                <a:cs typeface="Golos Text Medium" panose="020B0503020202020204" pitchFamily="34" charset="0"/>
-                <a:sym typeface="Proxima Nova Semibold"/>
-              </a:rPr>
-              <a:t>DecisionTreeRegressor</a:t>
-            </a:r>
-            <a:r>
               <a:rPr lang="en-US" sz="4000" dirty="0" smtClean="0">
                 <a:latin typeface="Golos Text Medium" panose="020B0503020202020204" pitchFamily="34" charset="0"/>
                 <a:ea typeface="Proxima Nova Semibold"/>
                 <a:cs typeface="Golos Text Medium" panose="020B0503020202020204" pitchFamily="34" charset="0"/>
                 <a:sym typeface="Proxima Nova Semibold"/>
               </a:rPr>
-              <a:t>(max</a:t>
+              <a:t>DecisionTreeRegressor(max</a:t>
             </a:r>
             <a:r>
               <a:rPr lang="ru-RU" sz="4000" dirty="0" smtClean="0">
@@ -20456,8 +20509,8 @@
         </p:nvSpPr>
         <p:spPr>
           <a:xfrm>
-            <a:off x="892491" y="3858135"/>
-            <a:ext cx="13365480" cy="1378608"/>
+            <a:off x="892491" y="2994902"/>
+            <a:ext cx="15694300" cy="4249219"/>
           </a:xfrm>
           <a:prstGeom prst="rect">
             <a:avLst/>
@@ -20479,6 +20532,234 @@
               </a:lnSpc>
             </a:pPr>
             <a:r>
+              <a:rPr lang="en-US" sz="2800" dirty="0" err="1">
+                <a:solidFill>
+                  <a:schemeClr val="tx1"/>
+                </a:solidFill>
+                <a:latin typeface="Golos Text Medium" panose="020B0503020202020204" pitchFamily="34" charset="0"/>
+                <a:ea typeface="Proxima Nova Semibold"/>
+                <a:cs typeface="Golos Text Medium" panose="020B0503020202020204" pitchFamily="34" charset="0"/>
+                <a:sym typeface="Proxima Nova Semibold"/>
+              </a:rPr>
+              <a:t>X_train</a:t>
+            </a:r>
+            <a:r>
+              <a:rPr lang="en-US" sz="2800" dirty="0">
+                <a:solidFill>
+                  <a:schemeClr val="tx1"/>
+                </a:solidFill>
+                <a:latin typeface="Golos Text Medium" panose="020B0503020202020204" pitchFamily="34" charset="0"/>
+                <a:ea typeface="Proxima Nova Semibold"/>
+                <a:cs typeface="Golos Text Medium" panose="020B0503020202020204" pitchFamily="34" charset="0"/>
+                <a:sym typeface="Proxima Nova Semibold"/>
+              </a:rPr>
+              <a:t>, </a:t>
+            </a:r>
+            <a:r>
+              <a:rPr lang="en-US" sz="2800" dirty="0" err="1">
+                <a:solidFill>
+                  <a:schemeClr val="tx1"/>
+                </a:solidFill>
+                <a:latin typeface="Golos Text Medium" panose="020B0503020202020204" pitchFamily="34" charset="0"/>
+                <a:ea typeface="Proxima Nova Semibold"/>
+                <a:cs typeface="Golos Text Medium" panose="020B0503020202020204" pitchFamily="34" charset="0"/>
+                <a:sym typeface="Proxima Nova Semibold"/>
+              </a:rPr>
+              <a:t>X_test</a:t>
+            </a:r>
+            <a:r>
+              <a:rPr lang="en-US" sz="2800" dirty="0">
+                <a:solidFill>
+                  <a:schemeClr val="tx1"/>
+                </a:solidFill>
+                <a:latin typeface="Golos Text Medium" panose="020B0503020202020204" pitchFamily="34" charset="0"/>
+                <a:ea typeface="Proxima Nova Semibold"/>
+                <a:cs typeface="Golos Text Medium" panose="020B0503020202020204" pitchFamily="34" charset="0"/>
+                <a:sym typeface="Proxima Nova Semibold"/>
+              </a:rPr>
+              <a:t>, </a:t>
+            </a:r>
+            <a:r>
+              <a:rPr lang="en-US" sz="2800" dirty="0" err="1">
+                <a:solidFill>
+                  <a:schemeClr val="tx1"/>
+                </a:solidFill>
+                <a:latin typeface="Golos Text Medium" panose="020B0503020202020204" pitchFamily="34" charset="0"/>
+                <a:ea typeface="Proxima Nova Semibold"/>
+                <a:cs typeface="Golos Text Medium" panose="020B0503020202020204" pitchFamily="34" charset="0"/>
+                <a:sym typeface="Proxima Nova Semibold"/>
+              </a:rPr>
+              <a:t>y_train</a:t>
+            </a:r>
+            <a:r>
+              <a:rPr lang="en-US" sz="2800" dirty="0">
+                <a:solidFill>
+                  <a:schemeClr val="tx1"/>
+                </a:solidFill>
+                <a:latin typeface="Golos Text Medium" panose="020B0503020202020204" pitchFamily="34" charset="0"/>
+                <a:ea typeface="Proxima Nova Semibold"/>
+                <a:cs typeface="Golos Text Medium" panose="020B0503020202020204" pitchFamily="34" charset="0"/>
+                <a:sym typeface="Proxima Nova Semibold"/>
+              </a:rPr>
+              <a:t>, </a:t>
+            </a:r>
+            <a:r>
+              <a:rPr lang="en-US" sz="2800" dirty="0" err="1">
+                <a:solidFill>
+                  <a:schemeClr val="tx1"/>
+                </a:solidFill>
+                <a:latin typeface="Golos Text Medium" panose="020B0503020202020204" pitchFamily="34" charset="0"/>
+                <a:ea typeface="Proxima Nova Semibold"/>
+                <a:cs typeface="Golos Text Medium" panose="020B0503020202020204" pitchFamily="34" charset="0"/>
+                <a:sym typeface="Proxima Nova Semibold"/>
+              </a:rPr>
+              <a:t>y_test</a:t>
+            </a:r>
+            <a:r>
+              <a:rPr lang="en-US" sz="2800" dirty="0">
+                <a:solidFill>
+                  <a:schemeClr val="tx1"/>
+                </a:solidFill>
+                <a:latin typeface="Golos Text Medium" panose="020B0503020202020204" pitchFamily="34" charset="0"/>
+                <a:ea typeface="Proxima Nova Semibold"/>
+                <a:cs typeface="Golos Text Medium" panose="020B0503020202020204" pitchFamily="34" charset="0"/>
+                <a:sym typeface="Proxima Nova Semibold"/>
+              </a:rPr>
+              <a:t> = </a:t>
+            </a:r>
+            <a:r>
+              <a:rPr lang="en-US" sz="2800" dirty="0" err="1">
+                <a:solidFill>
+                  <a:schemeClr val="tx1"/>
+                </a:solidFill>
+                <a:latin typeface="Golos Text Medium" panose="020B0503020202020204" pitchFamily="34" charset="0"/>
+                <a:ea typeface="Proxima Nova Semibold"/>
+                <a:cs typeface="Golos Text Medium" panose="020B0503020202020204" pitchFamily="34" charset="0"/>
+                <a:sym typeface="Proxima Nova Semibold"/>
+              </a:rPr>
+              <a:t>train_test_split</a:t>
+            </a:r>
+            <a:r>
+              <a:rPr lang="en-US" sz="2800" dirty="0">
+                <a:solidFill>
+                  <a:schemeClr val="tx1"/>
+                </a:solidFill>
+                <a:latin typeface="Golos Text Medium" panose="020B0503020202020204" pitchFamily="34" charset="0"/>
+                <a:ea typeface="Proxima Nova Semibold"/>
+                <a:cs typeface="Golos Text Medium" panose="020B0503020202020204" pitchFamily="34" charset="0"/>
+                <a:sym typeface="Proxima Nova Semibold"/>
+              </a:rPr>
+              <a:t> (X, y, </a:t>
+            </a:r>
+            <a:r>
+              <a:rPr lang="en-US" sz="2800" dirty="0" err="1">
+                <a:solidFill>
+                  <a:schemeClr val="tx1"/>
+                </a:solidFill>
+                <a:latin typeface="Golos Text Medium" panose="020B0503020202020204" pitchFamily="34" charset="0"/>
+                <a:ea typeface="Proxima Nova Semibold"/>
+                <a:cs typeface="Golos Text Medium" panose="020B0503020202020204" pitchFamily="34" charset="0"/>
+                <a:sym typeface="Proxima Nova Semibold"/>
+              </a:rPr>
+              <a:t>test_size</a:t>
+            </a:r>
+            <a:r>
+              <a:rPr lang="en-US" sz="2800" dirty="0">
+                <a:solidFill>
+                  <a:schemeClr val="tx1"/>
+                </a:solidFill>
+                <a:latin typeface="Golos Text Medium" panose="020B0503020202020204" pitchFamily="34" charset="0"/>
+                <a:ea typeface="Proxima Nova Semibold"/>
+                <a:cs typeface="Golos Text Medium" panose="020B0503020202020204" pitchFamily="34" charset="0"/>
+                <a:sym typeface="Proxima Nova Semibold"/>
+              </a:rPr>
+              <a:t>=0.3, </a:t>
+            </a:r>
+            <a:r>
+              <a:rPr lang="en-US" sz="2800" dirty="0" err="1">
+                <a:solidFill>
+                  <a:schemeClr val="tx1"/>
+                </a:solidFill>
+                <a:latin typeface="Golos Text Medium" panose="020B0503020202020204" pitchFamily="34" charset="0"/>
+                <a:ea typeface="Proxima Nova Semibold"/>
+                <a:cs typeface="Golos Text Medium" panose="020B0503020202020204" pitchFamily="34" charset="0"/>
+                <a:sym typeface="Proxima Nova Semibold"/>
+              </a:rPr>
+              <a:t>random_state</a:t>
+            </a:r>
+            <a:r>
+              <a:rPr lang="en-US" sz="2800" dirty="0">
+                <a:solidFill>
+                  <a:schemeClr val="tx1"/>
+                </a:solidFill>
+                <a:latin typeface="Golos Text Medium" panose="020B0503020202020204" pitchFamily="34" charset="0"/>
+                <a:ea typeface="Proxima Nova Semibold"/>
+                <a:cs typeface="Golos Text Medium" panose="020B0503020202020204" pitchFamily="34" charset="0"/>
+                <a:sym typeface="Proxima Nova Semibold"/>
+              </a:rPr>
+              <a:t> = 20)</a:t>
+            </a:r>
+            <a:endParaRPr lang="en-US" sz="2800" dirty="0" smtClean="0">
+              <a:solidFill>
+                <a:schemeClr val="tx1"/>
+              </a:solidFill>
+              <a:latin typeface="Golos Text Medium" panose="020B0503020202020204" pitchFamily="34" charset="0"/>
+              <a:ea typeface="Proxima Nova Semibold"/>
+              <a:cs typeface="Golos Text Medium" panose="020B0503020202020204" pitchFamily="34" charset="0"/>
+              <a:sym typeface="Proxima Nova Semibold"/>
+            </a:endParaRPr>
+          </a:p>
+          <a:p>
+            <a:pPr lvl="0">
+              <a:lnSpc>
+                <a:spcPct val="80000"/>
+              </a:lnSpc>
+            </a:pPr>
+            <a:endParaRPr lang="en-US" sz="2800" dirty="0">
+              <a:solidFill>
+                <a:schemeClr val="tx1"/>
+              </a:solidFill>
+              <a:latin typeface="Golos Text Medium" panose="020B0503020202020204" pitchFamily="34" charset="0"/>
+              <a:ea typeface="Proxima Nova Semibold"/>
+              <a:cs typeface="Golos Text Medium" panose="020B0503020202020204" pitchFamily="34" charset="0"/>
+              <a:sym typeface="Proxima Nova Semibold"/>
+            </a:endParaRPr>
+          </a:p>
+          <a:p>
+            <a:pPr lvl="0">
+              <a:lnSpc>
+                <a:spcPct val="80000"/>
+              </a:lnSpc>
+            </a:pPr>
+            <a:endParaRPr lang="en-US" sz="2800" dirty="0" smtClean="0">
+              <a:solidFill>
+                <a:schemeClr val="tx1"/>
+              </a:solidFill>
+              <a:latin typeface="Golos Text Medium" panose="020B0503020202020204" pitchFamily="34" charset="0"/>
+              <a:ea typeface="Proxima Nova Semibold"/>
+              <a:cs typeface="Golos Text Medium" panose="020B0503020202020204" pitchFamily="34" charset="0"/>
+              <a:sym typeface="Proxima Nova Semibold"/>
+            </a:endParaRPr>
+          </a:p>
+          <a:p>
+            <a:pPr lvl="0">
+              <a:lnSpc>
+                <a:spcPct val="80000"/>
+              </a:lnSpc>
+            </a:pPr>
+            <a:r>
+              <a:rPr lang="en-US" sz="2800" dirty="0" err="1" smtClean="0">
+                <a:solidFill>
+                  <a:schemeClr val="tx1"/>
+                </a:solidFill>
+                <a:latin typeface="Golos Text Medium" panose="020B0503020202020204" pitchFamily="34" charset="0"/>
+                <a:ea typeface="Proxima Nova Semibold"/>
+                <a:cs typeface="Golos Text Medium" panose="020B0503020202020204" pitchFamily="34" charset="0"/>
+                <a:sym typeface="Proxima Nova Semibold"/>
+              </a:rPr>
+              <a:t>clf.score</a:t>
+            </a:r>
+            <a:r>
               <a:rPr lang="en-US" sz="2800" dirty="0" smtClean="0">
                 <a:solidFill>
                   <a:schemeClr val="tx1"/>
@@ -20488,7 +20769,7 @@
                 <a:cs typeface="Golos Text Medium" panose="020B0503020202020204" pitchFamily="34" charset="0"/>
                 <a:sym typeface="Proxima Nova Semibold"/>
               </a:rPr>
-              <a:t>clf.score(</a:t>
+              <a:t>(</a:t>
             </a:r>
             <a:r>
               <a:rPr lang="en-US" sz="2800" dirty="0" err="1" smtClean="0">
@@ -20580,8 +20861,247 @@
                 <a:cs typeface="Golos Text Medium" panose="020B0503020202020204" pitchFamily="34" charset="0"/>
                 <a:sym typeface="Proxima Nova Semibold"/>
               </a:rPr>
-              <a:t> 0.8939772185283651</a:t>
+              <a:t> </a:t>
             </a:r>
+            <a:r>
+              <a:rPr lang="en-US" sz="2800" dirty="0" smtClean="0">
+                <a:solidFill>
+                  <a:schemeClr val="tx1"/>
+                </a:solidFill>
+                <a:latin typeface="Golos Text Medium" panose="020B0503020202020204" pitchFamily="34" charset="0"/>
+                <a:ea typeface="Proxima Nova Semibold"/>
+                <a:cs typeface="Golos Text Medium" panose="020B0503020202020204" pitchFamily="34" charset="0"/>
+                <a:sym typeface="Proxima Nova Semibold"/>
+              </a:rPr>
+              <a:t>89</a:t>
+            </a:r>
+            <a:r>
+              <a:rPr lang="ru-RU" sz="2800" dirty="0" smtClean="0">
+                <a:solidFill>
+                  <a:schemeClr val="tx1"/>
+                </a:solidFill>
+                <a:latin typeface="Golos Text Medium" panose="020B0503020202020204" pitchFamily="34" charset="0"/>
+                <a:ea typeface="Proxima Nova Semibold"/>
+                <a:cs typeface="Golos Text Medium" panose="020B0503020202020204" pitchFamily="34" charset="0"/>
+                <a:sym typeface="Proxima Nova Semibold"/>
+              </a:rPr>
+              <a:t>,</a:t>
+            </a:r>
+            <a:r>
+              <a:rPr lang="en-US" sz="2800" dirty="0" smtClean="0">
+                <a:solidFill>
+                  <a:schemeClr val="tx1"/>
+                </a:solidFill>
+                <a:latin typeface="Golos Text Medium" panose="020B0503020202020204" pitchFamily="34" charset="0"/>
+                <a:ea typeface="Proxima Nova Semibold"/>
+                <a:cs typeface="Golos Text Medium" panose="020B0503020202020204" pitchFamily="34" charset="0"/>
+                <a:sym typeface="Proxima Nova Semibold"/>
+              </a:rPr>
+              <a:t>39</a:t>
+            </a:r>
+            <a:r>
+              <a:rPr lang="ru-RU" sz="2800" dirty="0" smtClean="0">
+                <a:solidFill>
+                  <a:schemeClr val="tx1"/>
+                </a:solidFill>
+                <a:latin typeface="Golos Text Medium" panose="020B0503020202020204" pitchFamily="34" charset="0"/>
+                <a:ea typeface="Proxima Nova Semibold"/>
+                <a:cs typeface="Golos Text Medium" panose="020B0503020202020204" pitchFamily="34" charset="0"/>
+                <a:sym typeface="Proxima Nova Semibold"/>
+              </a:rPr>
+              <a:t> %</a:t>
+            </a:r>
+          </a:p>
+          <a:p>
+            <a:pPr lvl="0">
+              <a:lnSpc>
+                <a:spcPct val="80000"/>
+              </a:lnSpc>
+            </a:pPr>
+            <a:endParaRPr lang="ru-RU" sz="2800" dirty="0">
+              <a:solidFill>
+                <a:schemeClr val="tx1"/>
+              </a:solidFill>
+              <a:latin typeface="Golos Text Medium" panose="020B0503020202020204" pitchFamily="34" charset="0"/>
+              <a:ea typeface="Proxima Nova Semibold"/>
+              <a:cs typeface="Golos Text Medium" panose="020B0503020202020204" pitchFamily="34" charset="0"/>
+              <a:sym typeface="Proxima Nova Semibold"/>
+            </a:endParaRPr>
+          </a:p>
+          <a:p>
+            <a:pPr lvl="0">
+              <a:lnSpc>
+                <a:spcPct val="80000"/>
+              </a:lnSpc>
+            </a:pPr>
+            <a:r>
+              <a:rPr lang="en-US" sz="2800" dirty="0" err="1">
+                <a:solidFill>
+                  <a:schemeClr val="tx1"/>
+                </a:solidFill>
+                <a:latin typeface="Golos Text Medium" panose="020B0503020202020204" pitchFamily="34" charset="0"/>
+                <a:ea typeface="Proxima Nova Semibold"/>
+                <a:cs typeface="Golos Text Medium" panose="020B0503020202020204" pitchFamily="34" charset="0"/>
+                <a:sym typeface="Proxima Nova Semibold"/>
+              </a:rPr>
+              <a:t>clf.score</a:t>
+            </a:r>
+            <a:r>
+              <a:rPr lang="en-US" sz="2800" dirty="0">
+                <a:solidFill>
+                  <a:schemeClr val="tx1"/>
+                </a:solidFill>
+                <a:latin typeface="Golos Text Medium" panose="020B0503020202020204" pitchFamily="34" charset="0"/>
+                <a:ea typeface="Proxima Nova Semibold"/>
+                <a:cs typeface="Golos Text Medium" panose="020B0503020202020204" pitchFamily="34" charset="0"/>
+                <a:sym typeface="Proxima Nova Semibold"/>
+              </a:rPr>
+              <a:t>(</a:t>
+            </a:r>
+            <a:r>
+              <a:rPr lang="en-US" sz="2800" dirty="0" err="1">
+                <a:solidFill>
+                  <a:schemeClr val="tx1"/>
+                </a:solidFill>
+                <a:latin typeface="Golos Text Medium" panose="020B0503020202020204" pitchFamily="34" charset="0"/>
+                <a:ea typeface="Proxima Nova Semibold"/>
+                <a:cs typeface="Golos Text Medium" panose="020B0503020202020204" pitchFamily="34" charset="0"/>
+                <a:sym typeface="Proxima Nova Semibold"/>
+              </a:rPr>
+              <a:t>X_train</a:t>
+            </a:r>
+            <a:r>
+              <a:rPr lang="en-US" sz="2800" dirty="0">
+                <a:solidFill>
+                  <a:schemeClr val="tx1"/>
+                </a:solidFill>
+                <a:latin typeface="Golos Text Medium" panose="020B0503020202020204" pitchFamily="34" charset="0"/>
+                <a:ea typeface="Proxima Nova Semibold"/>
+                <a:cs typeface="Golos Text Medium" panose="020B0503020202020204" pitchFamily="34" charset="0"/>
+                <a:sym typeface="Proxima Nova Semibold"/>
+              </a:rPr>
+              <a:t>, </a:t>
+            </a:r>
+            <a:r>
+              <a:rPr lang="en-US" sz="2800" dirty="0" err="1">
+                <a:solidFill>
+                  <a:schemeClr val="tx1"/>
+                </a:solidFill>
+                <a:latin typeface="Golos Text Medium" panose="020B0503020202020204" pitchFamily="34" charset="0"/>
+                <a:ea typeface="Proxima Nova Semibold"/>
+                <a:cs typeface="Golos Text Medium" panose="020B0503020202020204" pitchFamily="34" charset="0"/>
+                <a:sym typeface="Proxima Nova Semibold"/>
+              </a:rPr>
+              <a:t>y_train</a:t>
+            </a:r>
+            <a:r>
+              <a:rPr lang="en-US" sz="2800" dirty="0" smtClean="0">
+                <a:solidFill>
+                  <a:schemeClr val="tx1"/>
+                </a:solidFill>
+                <a:latin typeface="Golos Text Medium" panose="020B0503020202020204" pitchFamily="34" charset="0"/>
+                <a:ea typeface="Proxima Nova Semibold"/>
+                <a:cs typeface="Golos Text Medium" panose="020B0503020202020204" pitchFamily="34" charset="0"/>
+                <a:sym typeface="Proxima Nova Semibold"/>
+              </a:rPr>
+              <a:t>)</a:t>
+            </a:r>
+          </a:p>
+          <a:p>
+            <a:pPr lvl="0">
+              <a:lnSpc>
+                <a:spcPct val="80000"/>
+              </a:lnSpc>
+            </a:pPr>
+            <a:endParaRPr lang="en-US" sz="2800" dirty="0">
+              <a:solidFill>
+                <a:schemeClr val="tx1"/>
+              </a:solidFill>
+              <a:latin typeface="Golos Text Medium" panose="020B0503020202020204" pitchFamily="34" charset="0"/>
+              <a:ea typeface="Proxima Nova Semibold"/>
+              <a:cs typeface="Golos Text Medium" panose="020B0503020202020204" pitchFamily="34" charset="0"/>
+              <a:sym typeface="Proxima Nova Semibold"/>
+            </a:endParaRPr>
+          </a:p>
+          <a:p>
+            <a:pPr lvl="0">
+              <a:lnSpc>
+                <a:spcPct val="80000"/>
+              </a:lnSpc>
+            </a:pPr>
+            <a:r>
+              <a:rPr lang="ru-RU" sz="2800" dirty="0" smtClean="0">
+                <a:solidFill>
+                  <a:schemeClr val="tx1"/>
+                </a:solidFill>
+                <a:latin typeface="Golos Text Medium" panose="020B0503020202020204" pitchFamily="34" charset="0"/>
+                <a:ea typeface="Proxima Nova Semibold"/>
+                <a:cs typeface="Golos Text Medium" panose="020B0503020202020204" pitchFamily="34" charset="0"/>
+                <a:sym typeface="Proxima Nova Semibold"/>
+              </a:rPr>
+              <a:t>87</a:t>
+            </a:r>
+            <a:r>
+              <a:rPr lang="en-US" sz="2800" dirty="0" smtClean="0">
+                <a:solidFill>
+                  <a:schemeClr val="tx1"/>
+                </a:solidFill>
+                <a:latin typeface="Golos Text Medium" panose="020B0503020202020204" pitchFamily="34" charset="0"/>
+                <a:ea typeface="Proxima Nova Semibold"/>
+                <a:cs typeface="Golos Text Medium" panose="020B0503020202020204" pitchFamily="34" charset="0"/>
+                <a:sym typeface="Proxima Nova Semibold"/>
+              </a:rPr>
+              <a:t>,</a:t>
+            </a:r>
+            <a:r>
+              <a:rPr lang="ru-RU" sz="2800" dirty="0" smtClean="0">
+                <a:solidFill>
+                  <a:schemeClr val="tx1"/>
+                </a:solidFill>
+                <a:latin typeface="Golos Text Medium" panose="020B0503020202020204" pitchFamily="34" charset="0"/>
+                <a:ea typeface="Proxima Nova Semibold"/>
+                <a:cs typeface="Golos Text Medium" panose="020B0503020202020204" pitchFamily="34" charset="0"/>
+                <a:sym typeface="Proxima Nova Semibold"/>
+              </a:rPr>
+              <a:t>91</a:t>
+            </a:r>
+            <a:r>
+              <a:rPr lang="en-US" sz="2800" dirty="0" smtClean="0">
+                <a:solidFill>
+                  <a:schemeClr val="tx1"/>
+                </a:solidFill>
+                <a:latin typeface="Golos Text Medium" panose="020B0503020202020204" pitchFamily="34" charset="0"/>
+                <a:ea typeface="Proxima Nova Semibold"/>
+                <a:cs typeface="Golos Text Medium" panose="020B0503020202020204" pitchFamily="34" charset="0"/>
+                <a:sym typeface="Proxima Nova Semibold"/>
+              </a:rPr>
+              <a:t> %</a:t>
+            </a:r>
+            <a:endParaRPr lang="ru-RU" sz="2800" dirty="0" smtClean="0">
+              <a:solidFill>
+                <a:schemeClr val="tx1"/>
+              </a:solidFill>
+              <a:latin typeface="Golos Text Medium" panose="020B0503020202020204" pitchFamily="34" charset="0"/>
+              <a:ea typeface="Proxima Nova Semibold"/>
+              <a:cs typeface="Golos Text Medium" panose="020B0503020202020204" pitchFamily="34" charset="0"/>
+              <a:sym typeface="Proxima Nova Semibold"/>
+            </a:endParaRPr>
+          </a:p>
+          <a:p>
+            <a:pPr lvl="0">
+              <a:lnSpc>
+                <a:spcPct val="80000"/>
+              </a:lnSpc>
+            </a:pPr>
+            <a:endParaRPr lang="en-US" sz="2800" dirty="0">
+              <a:solidFill>
+                <a:schemeClr val="tx1"/>
+              </a:solidFill>
+              <a:latin typeface="Golos Text Medium" panose="020B0503020202020204" pitchFamily="34" charset="0"/>
+              <a:ea typeface="Proxima Nova Semibold"/>
+              <a:cs typeface="Golos Text Medium" panose="020B0503020202020204" pitchFamily="34" charset="0"/>
+              <a:sym typeface="Proxima Nova Semibold"/>
+            </a:endParaRPr>
           </a:p>
         </p:txBody>
       </p:sp>
@@ -20648,23 +21168,30 @@
         </p:nvSpPr>
         <p:spPr>
           <a:xfrm>
-            <a:off x="16850406" y="7159031"/>
-            <a:ext cx="470000" cy="707886"/>
+            <a:off x="17423405" y="8605550"/>
+            <a:ext cx="716095" cy="553998"/>
           </a:xfrm>
           <a:prstGeom prst="rect">
             <a:avLst/>
           </a:prstGeom>
         </p:spPr>
         <p:txBody>
-          <a:bodyPr wrap="none">
+          <a:bodyPr wrap="square">
             <a:spAutoFit/>
           </a:bodyPr>
           <a:lstStyle/>
           <a:p>
             <a:r>
-              <a:rPr lang="ru-RU" sz="4000" dirty="0"/>
-              <a:t>4</a:t>
+              <a:rPr lang="ru-RU" sz="3000" dirty="0" smtClean="0">
+                <a:latin typeface="Golos Text Medium" panose="020B0604020202020204" charset="-52"/>
+                <a:cs typeface="Golos Text Medium" panose="020B0604020202020204" charset="-52"/>
+              </a:rPr>
+              <a:t>18</a:t>
             </a:r>
+            <a:endParaRPr lang="ru-RU" sz="3000" dirty="0">
+              <a:latin typeface="Golos Text Medium" panose="020B0604020202020204" charset="-52"/>
+              <a:cs typeface="Golos Text Medium" panose="020B0604020202020204" charset="-52"/>
+            </a:endParaRPr>
           </a:p>
         </p:txBody>
       </p:sp>
@@ -20954,7 +21481,7 @@
         </p:nvSpPr>
         <p:spPr>
           <a:xfrm>
-            <a:off x="581024" y="887892"/>
+            <a:off x="1384976" y="965149"/>
             <a:ext cx="13988415" cy="979545"/>
           </a:xfrm>
           <a:prstGeom prst="rect">
@@ -20995,7 +21522,7 @@
               <a:t>model = </a:t>
             </a:r>
             <a:r>
-              <a:rPr lang="en-US" sz="4000" dirty="0" err="1" smtClean="0">
+              <a:rPr lang="en-US" sz="4000" dirty="0" smtClean="0">
                 <a:latin typeface="Golos Text Medium" panose="020B0503020202020204" pitchFamily="34" charset="0"/>
                 <a:ea typeface="Proxima Nova Semibold"/>
                 <a:cs typeface="Golos Text Medium" panose="020B0503020202020204" pitchFamily="34" charset="0"/>
@@ -21063,8 +21590,8 @@
         </p:nvSpPr>
         <p:spPr>
           <a:xfrm>
-            <a:off x="892491" y="3858135"/>
-            <a:ext cx="13365480" cy="857487"/>
+            <a:off x="892491" y="2909178"/>
+            <a:ext cx="16204662" cy="3853129"/>
           </a:xfrm>
           <a:prstGeom prst="rect">
             <a:avLst/>
@@ -21086,7 +21613,7 @@
               </a:lnSpc>
             </a:pPr>
             <a:r>
-              <a:rPr lang="en-US" sz="2800" dirty="0">
+              <a:rPr lang="en-US" sz="2800" dirty="0" smtClean="0">
                 <a:solidFill>
                   <a:schemeClr val="tx1"/>
                 </a:solidFill>
@@ -21095,7 +21622,19 @@
                 <a:cs typeface="Golos Text Medium" panose="020B0503020202020204" pitchFamily="34" charset="0"/>
                 <a:sym typeface="Proxima Nova Semibold"/>
               </a:rPr>
-              <a:t>Train score: </a:t>
+              <a:t>X</a:t>
+            </a:r>
+            <a:r>
+              <a:rPr lang="ru-RU" sz="2800" dirty="0" smtClean="0">
+                <a:solidFill>
+                  <a:schemeClr val="tx1"/>
+                </a:solidFill>
+                <a:latin typeface="Golos Text Medium" panose="020B0503020202020204" pitchFamily="34" charset="0"/>
+                <a:ea typeface="Proxima Nova Semibold"/>
+                <a:cs typeface="Golos Text Medium" panose="020B0503020202020204" pitchFamily="34" charset="0"/>
+                <a:sym typeface="Proxima Nova Semibold"/>
+              </a:rPr>
+              <a:t>_</a:t>
             </a:r>
             <a:r>
               <a:rPr lang="en-US" sz="2800" dirty="0" smtClean="0">
@@ -21107,7 +21646,199 @@
                 <a:cs typeface="Golos Text Medium" panose="020B0503020202020204" pitchFamily="34" charset="0"/>
                 <a:sym typeface="Proxima Nova Semibold"/>
               </a:rPr>
-              <a:t>0.8422416585681892</a:t>
+              <a:t>train</a:t>
+            </a:r>
+            <a:r>
+              <a:rPr lang="en-US" sz="2800" dirty="0">
+                <a:solidFill>
+                  <a:schemeClr val="tx1"/>
+                </a:solidFill>
+                <a:latin typeface="Golos Text Medium" panose="020B0503020202020204" pitchFamily="34" charset="0"/>
+                <a:ea typeface="Proxima Nova Semibold"/>
+                <a:cs typeface="Golos Text Medium" panose="020B0503020202020204" pitchFamily="34" charset="0"/>
+                <a:sym typeface="Proxima Nova Semibold"/>
+              </a:rPr>
+              <a:t>, </a:t>
+            </a:r>
+            <a:r>
+              <a:rPr lang="en-US" sz="2800" dirty="0" err="1">
+                <a:solidFill>
+                  <a:schemeClr val="tx1"/>
+                </a:solidFill>
+                <a:latin typeface="Golos Text Medium" panose="020B0503020202020204" pitchFamily="34" charset="0"/>
+                <a:ea typeface="Proxima Nova Semibold"/>
+                <a:cs typeface="Golos Text Medium" panose="020B0503020202020204" pitchFamily="34" charset="0"/>
+                <a:sym typeface="Proxima Nova Semibold"/>
+              </a:rPr>
+              <a:t>X_test</a:t>
+            </a:r>
+            <a:r>
+              <a:rPr lang="en-US" sz="2800" dirty="0">
+                <a:solidFill>
+                  <a:schemeClr val="tx1"/>
+                </a:solidFill>
+                <a:latin typeface="Golos Text Medium" panose="020B0503020202020204" pitchFamily="34" charset="0"/>
+                <a:ea typeface="Proxima Nova Semibold"/>
+                <a:cs typeface="Golos Text Medium" panose="020B0503020202020204" pitchFamily="34" charset="0"/>
+                <a:sym typeface="Proxima Nova Semibold"/>
+              </a:rPr>
+              <a:t>, </a:t>
+            </a:r>
+            <a:r>
+              <a:rPr lang="en-US" sz="2800" dirty="0" err="1">
+                <a:solidFill>
+                  <a:schemeClr val="tx1"/>
+                </a:solidFill>
+                <a:latin typeface="Golos Text Medium" panose="020B0503020202020204" pitchFamily="34" charset="0"/>
+                <a:ea typeface="Proxima Nova Semibold"/>
+                <a:cs typeface="Golos Text Medium" panose="020B0503020202020204" pitchFamily="34" charset="0"/>
+                <a:sym typeface="Proxima Nova Semibold"/>
+              </a:rPr>
+              <a:t>y_train</a:t>
+            </a:r>
+            <a:r>
+              <a:rPr lang="en-US" sz="2800" dirty="0">
+                <a:solidFill>
+                  <a:schemeClr val="tx1"/>
+                </a:solidFill>
+                <a:latin typeface="Golos Text Medium" panose="020B0503020202020204" pitchFamily="34" charset="0"/>
+                <a:ea typeface="Proxima Nova Semibold"/>
+                <a:cs typeface="Golos Text Medium" panose="020B0503020202020204" pitchFamily="34" charset="0"/>
+                <a:sym typeface="Proxima Nova Semibold"/>
+              </a:rPr>
+              <a:t>, </a:t>
+            </a:r>
+            <a:r>
+              <a:rPr lang="en-US" sz="2800" dirty="0" err="1">
+                <a:solidFill>
+                  <a:schemeClr val="tx1"/>
+                </a:solidFill>
+                <a:latin typeface="Golos Text Medium" panose="020B0503020202020204" pitchFamily="34" charset="0"/>
+                <a:ea typeface="Proxima Nova Semibold"/>
+                <a:cs typeface="Golos Text Medium" panose="020B0503020202020204" pitchFamily="34" charset="0"/>
+                <a:sym typeface="Proxima Nova Semibold"/>
+              </a:rPr>
+              <a:t>y_test</a:t>
+            </a:r>
+            <a:r>
+              <a:rPr lang="en-US" sz="2800" dirty="0">
+                <a:solidFill>
+                  <a:schemeClr val="tx1"/>
+                </a:solidFill>
+                <a:latin typeface="Golos Text Medium" panose="020B0503020202020204" pitchFamily="34" charset="0"/>
+                <a:ea typeface="Proxima Nova Semibold"/>
+                <a:cs typeface="Golos Text Medium" panose="020B0503020202020204" pitchFamily="34" charset="0"/>
+                <a:sym typeface="Proxima Nova Semibold"/>
+              </a:rPr>
+              <a:t> = </a:t>
+            </a:r>
+            <a:r>
+              <a:rPr lang="en-US" sz="2800" dirty="0" err="1">
+                <a:solidFill>
+                  <a:schemeClr val="tx1"/>
+                </a:solidFill>
+                <a:latin typeface="Golos Text Medium" panose="020B0503020202020204" pitchFamily="34" charset="0"/>
+                <a:ea typeface="Proxima Nova Semibold"/>
+                <a:cs typeface="Golos Text Medium" panose="020B0503020202020204" pitchFamily="34" charset="0"/>
+                <a:sym typeface="Proxima Nova Semibold"/>
+              </a:rPr>
+              <a:t>train_test_split</a:t>
+            </a:r>
+            <a:r>
+              <a:rPr lang="en-US" sz="2800" dirty="0">
+                <a:solidFill>
+                  <a:schemeClr val="tx1"/>
+                </a:solidFill>
+                <a:latin typeface="Golos Text Medium" panose="020B0503020202020204" pitchFamily="34" charset="0"/>
+                <a:ea typeface="Proxima Nova Semibold"/>
+                <a:cs typeface="Golos Text Medium" panose="020B0503020202020204" pitchFamily="34" charset="0"/>
+                <a:sym typeface="Proxima Nova Semibold"/>
+              </a:rPr>
+              <a:t> (X, y, </a:t>
+            </a:r>
+            <a:r>
+              <a:rPr lang="en-US" sz="2800" dirty="0" err="1">
+                <a:solidFill>
+                  <a:schemeClr val="tx1"/>
+                </a:solidFill>
+                <a:latin typeface="Golos Text Medium" panose="020B0503020202020204" pitchFamily="34" charset="0"/>
+                <a:ea typeface="Proxima Nova Semibold"/>
+                <a:cs typeface="Golos Text Medium" panose="020B0503020202020204" pitchFamily="34" charset="0"/>
+                <a:sym typeface="Proxima Nova Semibold"/>
+              </a:rPr>
+              <a:t>test_size</a:t>
+            </a:r>
+            <a:r>
+              <a:rPr lang="en-US" sz="2800" dirty="0">
+                <a:solidFill>
+                  <a:schemeClr val="tx1"/>
+                </a:solidFill>
+                <a:latin typeface="Golos Text Medium" panose="020B0503020202020204" pitchFamily="34" charset="0"/>
+                <a:ea typeface="Proxima Nova Semibold"/>
+                <a:cs typeface="Golos Text Medium" panose="020B0503020202020204" pitchFamily="34" charset="0"/>
+                <a:sym typeface="Proxima Nova Semibold"/>
+              </a:rPr>
+              <a:t>=0.3, </a:t>
+            </a:r>
+            <a:r>
+              <a:rPr lang="en-US" sz="2800" dirty="0" err="1">
+                <a:solidFill>
+                  <a:schemeClr val="tx1"/>
+                </a:solidFill>
+                <a:latin typeface="Golos Text Medium" panose="020B0503020202020204" pitchFamily="34" charset="0"/>
+                <a:ea typeface="Proxima Nova Semibold"/>
+                <a:cs typeface="Golos Text Medium" panose="020B0503020202020204" pitchFamily="34" charset="0"/>
+                <a:sym typeface="Proxima Nova Semibold"/>
+              </a:rPr>
+              <a:t>r</a:t>
+            </a:r>
+            <a:r>
+              <a:rPr lang="en-US" sz="2800" dirty="0" err="1" smtClean="0">
+                <a:solidFill>
+                  <a:schemeClr val="tx1"/>
+                </a:solidFill>
+                <a:latin typeface="Golos Text Medium" panose="020B0503020202020204" pitchFamily="34" charset="0"/>
+                <a:ea typeface="Proxima Nova Semibold"/>
+                <a:cs typeface="Golos Text Medium" panose="020B0503020202020204" pitchFamily="34" charset="0"/>
+                <a:sym typeface="Proxima Nova Semibold"/>
+              </a:rPr>
+              <a:t>andom_state</a:t>
+            </a:r>
+            <a:r>
+              <a:rPr lang="en-US" sz="2800" dirty="0" smtClean="0">
+                <a:solidFill>
+                  <a:schemeClr val="tx1"/>
+                </a:solidFill>
+                <a:latin typeface="Golos Text Medium" panose="020B0503020202020204" pitchFamily="34" charset="0"/>
+                <a:ea typeface="Proxima Nova Semibold"/>
+                <a:cs typeface="Golos Text Medium" panose="020B0503020202020204" pitchFamily="34" charset="0"/>
+                <a:sym typeface="Proxima Nova Semibold"/>
+              </a:rPr>
+              <a:t> </a:t>
+            </a:r>
+            <a:r>
+              <a:rPr lang="en-US" sz="2800" dirty="0">
+                <a:solidFill>
+                  <a:schemeClr val="tx1"/>
+                </a:solidFill>
+                <a:latin typeface="Golos Text Medium" panose="020B0503020202020204" pitchFamily="34" charset="0"/>
+                <a:ea typeface="Proxima Nova Semibold"/>
+                <a:cs typeface="Golos Text Medium" panose="020B0503020202020204" pitchFamily="34" charset="0"/>
+                <a:sym typeface="Proxima Nova Semibold"/>
+              </a:rPr>
+              <a:t>= 20</a:t>
+            </a:r>
+            <a:r>
+              <a:rPr lang="en-US" sz="2800" dirty="0" smtClean="0">
+                <a:solidFill>
+                  <a:schemeClr val="tx1"/>
+                </a:solidFill>
+                <a:latin typeface="Golos Text Medium" panose="020B0503020202020204" pitchFamily="34" charset="0"/>
+                <a:ea typeface="Proxima Nova Semibold"/>
+                <a:cs typeface="Golos Text Medium" panose="020B0503020202020204" pitchFamily="34" charset="0"/>
+                <a:sym typeface="Proxima Nova Semibold"/>
+              </a:rPr>
+              <a:t>)</a:t>
             </a:r>
             <a:endParaRPr lang="ru-RU" sz="2800" dirty="0" smtClean="0">
               <a:solidFill>
@@ -21142,6 +21873,18 @@
               </a:lnSpc>
             </a:pPr>
             <a:r>
+              <a:rPr lang="en-US" sz="2800" dirty="0" err="1">
+                <a:solidFill>
+                  <a:schemeClr val="tx1"/>
+                </a:solidFill>
+                <a:latin typeface="Golos Text Medium" panose="020B0503020202020204" pitchFamily="34" charset="0"/>
+                <a:ea typeface="Proxima Nova Semibold"/>
+                <a:cs typeface="Golos Text Medium" panose="020B0503020202020204" pitchFamily="34" charset="0"/>
+                <a:sym typeface="Proxima Nova Semibold"/>
+              </a:rPr>
+              <a:t>model.fit</a:t>
+            </a:r>
+            <a:r>
               <a:rPr lang="en-US" sz="2800" dirty="0">
                 <a:solidFill>
                   <a:schemeClr val="tx1"/>
@@ -21151,8 +21894,292 @@
                 <a:cs typeface="Golos Text Medium" panose="020B0503020202020204" pitchFamily="34" charset="0"/>
                 <a:sym typeface="Proxima Nova Semibold"/>
               </a:rPr>
-              <a:t>Test score: 0.8306878306878307</a:t>
+              <a:t>( </a:t>
             </a:r>
+            <a:r>
+              <a:rPr lang="en-US" sz="2800" dirty="0" err="1">
+                <a:solidFill>
+                  <a:schemeClr val="tx1"/>
+                </a:solidFill>
+                <a:latin typeface="Golos Text Medium" panose="020B0503020202020204" pitchFamily="34" charset="0"/>
+                <a:ea typeface="Proxima Nova Semibold"/>
+                <a:cs typeface="Golos Text Medium" panose="020B0503020202020204" pitchFamily="34" charset="0"/>
+                <a:sym typeface="Proxima Nova Semibold"/>
+              </a:rPr>
+              <a:t>X_train</a:t>
+            </a:r>
+            <a:r>
+              <a:rPr lang="en-US" sz="2800" dirty="0">
+                <a:solidFill>
+                  <a:schemeClr val="tx1"/>
+                </a:solidFill>
+                <a:latin typeface="Golos Text Medium" panose="020B0503020202020204" pitchFamily="34" charset="0"/>
+                <a:ea typeface="Proxima Nova Semibold"/>
+                <a:cs typeface="Golos Text Medium" panose="020B0503020202020204" pitchFamily="34" charset="0"/>
+                <a:sym typeface="Proxima Nova Semibold"/>
+              </a:rPr>
+              <a:t>, </a:t>
+            </a:r>
+            <a:r>
+              <a:rPr lang="en-US" sz="2800" dirty="0" err="1">
+                <a:solidFill>
+                  <a:schemeClr val="tx1"/>
+                </a:solidFill>
+                <a:latin typeface="Golos Text Medium" panose="020B0503020202020204" pitchFamily="34" charset="0"/>
+                <a:ea typeface="Proxima Nova Semibold"/>
+                <a:cs typeface="Golos Text Medium" panose="020B0503020202020204" pitchFamily="34" charset="0"/>
+                <a:sym typeface="Proxima Nova Semibold"/>
+              </a:rPr>
+              <a:t>y_train</a:t>
+            </a:r>
+            <a:r>
+              <a:rPr lang="en-US" sz="2800" dirty="0">
+                <a:solidFill>
+                  <a:schemeClr val="tx1"/>
+                </a:solidFill>
+                <a:latin typeface="Golos Text Medium" panose="020B0503020202020204" pitchFamily="34" charset="0"/>
+                <a:ea typeface="Proxima Nova Semibold"/>
+                <a:cs typeface="Golos Text Medium" panose="020B0503020202020204" pitchFamily="34" charset="0"/>
+                <a:sym typeface="Proxima Nova Semibold"/>
+              </a:rPr>
+              <a:t> )</a:t>
+            </a:r>
+            <a:endParaRPr lang="ru-RU" sz="2800" dirty="0" smtClean="0">
+              <a:solidFill>
+                <a:schemeClr val="tx1"/>
+              </a:solidFill>
+              <a:latin typeface="Golos Text Medium" panose="020B0503020202020204" pitchFamily="34" charset="0"/>
+              <a:ea typeface="Proxima Nova Semibold"/>
+              <a:cs typeface="Golos Text Medium" panose="020B0503020202020204" pitchFamily="34" charset="0"/>
+              <a:sym typeface="Proxima Nova Semibold"/>
+            </a:endParaRPr>
+          </a:p>
+          <a:p>
+            <a:pPr lvl="0">
+              <a:lnSpc>
+                <a:spcPct val="80000"/>
+              </a:lnSpc>
+            </a:pPr>
+            <a:endParaRPr lang="ru-RU" sz="2800" dirty="0">
+              <a:solidFill>
+                <a:schemeClr val="tx1"/>
+              </a:solidFill>
+              <a:latin typeface="Golos Text Medium" panose="020B0503020202020204" pitchFamily="34" charset="0"/>
+              <a:ea typeface="Proxima Nova Semibold"/>
+              <a:cs typeface="Golos Text Medium" panose="020B0503020202020204" pitchFamily="34" charset="0"/>
+              <a:sym typeface="Proxima Nova Semibold"/>
+            </a:endParaRPr>
+          </a:p>
+          <a:p>
+            <a:pPr lvl="0">
+              <a:lnSpc>
+                <a:spcPct val="80000"/>
+              </a:lnSpc>
+            </a:pPr>
+            <a:endParaRPr lang="ru-RU" sz="2800" dirty="0" smtClean="0">
+              <a:solidFill>
+                <a:schemeClr val="tx1"/>
+              </a:solidFill>
+              <a:latin typeface="Golos Text Medium" panose="020B0503020202020204" pitchFamily="34" charset="0"/>
+              <a:ea typeface="Proxima Nova Semibold"/>
+              <a:cs typeface="Golos Text Medium" panose="020B0503020202020204" pitchFamily="34" charset="0"/>
+              <a:sym typeface="Proxima Nova Semibold"/>
+            </a:endParaRPr>
+          </a:p>
+          <a:p>
+            <a:pPr lvl="0">
+              <a:lnSpc>
+                <a:spcPct val="80000"/>
+              </a:lnSpc>
+            </a:pPr>
+            <a:r>
+              <a:rPr lang="en-US" sz="2800" dirty="0" smtClean="0">
+                <a:solidFill>
+                  <a:schemeClr val="tx1"/>
+                </a:solidFill>
+                <a:latin typeface="Golos Text Medium" panose="020B0503020202020204" pitchFamily="34" charset="0"/>
+                <a:ea typeface="Proxima Nova Semibold"/>
+                <a:cs typeface="Golos Text Medium" panose="020B0503020202020204" pitchFamily="34" charset="0"/>
+                <a:sym typeface="Proxima Nova Semibold"/>
+              </a:rPr>
+              <a:t>Train </a:t>
+            </a:r>
+            <a:r>
+              <a:rPr lang="en-US" sz="2800" dirty="0">
+                <a:solidFill>
+                  <a:schemeClr val="tx1"/>
+                </a:solidFill>
+                <a:latin typeface="Golos Text Medium" panose="020B0503020202020204" pitchFamily="34" charset="0"/>
+                <a:ea typeface="Proxima Nova Semibold"/>
+                <a:cs typeface="Golos Text Medium" panose="020B0503020202020204" pitchFamily="34" charset="0"/>
+                <a:sym typeface="Proxima Nova Semibold"/>
+              </a:rPr>
+              <a:t>score: </a:t>
+            </a:r>
+            <a:r>
+              <a:rPr lang="en-US" sz="2800" dirty="0" smtClean="0">
+                <a:solidFill>
+                  <a:schemeClr val="tx1"/>
+                </a:solidFill>
+                <a:latin typeface="Golos Text Medium" panose="020B0503020202020204" pitchFamily="34" charset="0"/>
+                <a:ea typeface="Proxima Nova Semibold"/>
+                <a:cs typeface="Golos Text Medium" panose="020B0503020202020204" pitchFamily="34" charset="0"/>
+                <a:sym typeface="Proxima Nova Semibold"/>
+              </a:rPr>
+              <a:t>84</a:t>
+            </a:r>
+            <a:r>
+              <a:rPr lang="ru-RU" sz="2800" dirty="0" smtClean="0">
+                <a:solidFill>
+                  <a:schemeClr val="tx1"/>
+                </a:solidFill>
+                <a:latin typeface="Golos Text Medium" panose="020B0503020202020204" pitchFamily="34" charset="0"/>
+                <a:ea typeface="Proxima Nova Semibold"/>
+                <a:cs typeface="Golos Text Medium" panose="020B0503020202020204" pitchFamily="34" charset="0"/>
+                <a:sym typeface="Proxima Nova Semibold"/>
+              </a:rPr>
+              <a:t>,</a:t>
+            </a:r>
+            <a:r>
+              <a:rPr lang="en-US" sz="2800" dirty="0" smtClean="0">
+                <a:solidFill>
+                  <a:schemeClr val="tx1"/>
+                </a:solidFill>
+                <a:latin typeface="Golos Text Medium" panose="020B0503020202020204" pitchFamily="34" charset="0"/>
+                <a:ea typeface="Proxima Nova Semibold"/>
+                <a:cs typeface="Golos Text Medium" panose="020B0503020202020204" pitchFamily="34" charset="0"/>
+                <a:sym typeface="Proxima Nova Semibold"/>
+              </a:rPr>
+              <a:t>22</a:t>
+            </a:r>
+            <a:r>
+              <a:rPr lang="ru-RU" sz="2800" dirty="0" smtClean="0">
+                <a:solidFill>
+                  <a:schemeClr val="tx1"/>
+                </a:solidFill>
+                <a:latin typeface="Golos Text Medium" panose="020B0503020202020204" pitchFamily="34" charset="0"/>
+                <a:ea typeface="Proxima Nova Semibold"/>
+                <a:cs typeface="Golos Text Medium" panose="020B0503020202020204" pitchFamily="34" charset="0"/>
+                <a:sym typeface="Proxima Nova Semibold"/>
+              </a:rPr>
+              <a:t> %</a:t>
+            </a:r>
+          </a:p>
+          <a:p>
+            <a:pPr lvl="0">
+              <a:lnSpc>
+                <a:spcPct val="80000"/>
+              </a:lnSpc>
+            </a:pPr>
+            <a:endParaRPr lang="en-US" sz="2800" dirty="0" smtClean="0">
+              <a:solidFill>
+                <a:schemeClr val="tx1"/>
+              </a:solidFill>
+              <a:latin typeface="Golos Text Medium" panose="020B0503020202020204" pitchFamily="34" charset="0"/>
+              <a:ea typeface="Proxima Nova Semibold"/>
+              <a:cs typeface="Golos Text Medium" panose="020B0503020202020204" pitchFamily="34" charset="0"/>
+              <a:sym typeface="Proxima Nova Semibold"/>
+            </a:endParaRPr>
+          </a:p>
+          <a:p>
+            <a:pPr lvl="0">
+              <a:lnSpc>
+                <a:spcPct val="80000"/>
+              </a:lnSpc>
+            </a:pPr>
+            <a:r>
+              <a:rPr lang="en-US" sz="2800" dirty="0" smtClean="0">
+                <a:solidFill>
+                  <a:schemeClr val="tx1"/>
+                </a:solidFill>
+                <a:latin typeface="Golos Text Medium" panose="020B0503020202020204" pitchFamily="34" charset="0"/>
+                <a:ea typeface="Proxima Nova Semibold"/>
+                <a:cs typeface="Golos Text Medium" panose="020B0503020202020204" pitchFamily="34" charset="0"/>
+                <a:sym typeface="Proxima Nova Semibold"/>
+              </a:rPr>
+              <a:t>Test </a:t>
+            </a:r>
+            <a:r>
+              <a:rPr lang="en-US" sz="2800" dirty="0">
+                <a:solidFill>
+                  <a:schemeClr val="tx1"/>
+                </a:solidFill>
+                <a:latin typeface="Golos Text Medium" panose="020B0503020202020204" pitchFamily="34" charset="0"/>
+                <a:ea typeface="Proxima Nova Semibold"/>
+                <a:cs typeface="Golos Text Medium" panose="020B0503020202020204" pitchFamily="34" charset="0"/>
+                <a:sym typeface="Proxima Nova Semibold"/>
+              </a:rPr>
+              <a:t>score: </a:t>
+            </a:r>
+            <a:r>
+              <a:rPr lang="ru-RU" sz="2800" dirty="0">
+                <a:solidFill>
+                  <a:schemeClr val="tx1"/>
+                </a:solidFill>
+                <a:latin typeface="Golos Text Medium" panose="020B0503020202020204" pitchFamily="34" charset="0"/>
+                <a:ea typeface="Proxima Nova Semibold"/>
+                <a:cs typeface="Golos Text Medium" panose="020B0503020202020204" pitchFamily="34" charset="0"/>
+                <a:sym typeface="Proxima Nova Semibold"/>
+              </a:rPr>
+              <a:t> </a:t>
+            </a:r>
+            <a:r>
+              <a:rPr lang="en-US" sz="2800" dirty="0" smtClean="0">
+                <a:solidFill>
+                  <a:schemeClr val="tx1"/>
+                </a:solidFill>
+                <a:latin typeface="Golos Text Medium" panose="020B0503020202020204" pitchFamily="34" charset="0"/>
+                <a:ea typeface="Proxima Nova Semibold"/>
+                <a:cs typeface="Golos Text Medium" panose="020B0503020202020204" pitchFamily="34" charset="0"/>
+                <a:sym typeface="Proxima Nova Semibold"/>
+              </a:rPr>
+              <a:t>83</a:t>
+            </a:r>
+            <a:r>
+              <a:rPr lang="ru-RU" sz="2800" dirty="0" smtClean="0">
+                <a:solidFill>
+                  <a:schemeClr val="tx1"/>
+                </a:solidFill>
+                <a:latin typeface="Golos Text Medium" panose="020B0503020202020204" pitchFamily="34" charset="0"/>
+                <a:ea typeface="Proxima Nova Semibold"/>
+                <a:cs typeface="Golos Text Medium" panose="020B0503020202020204" pitchFamily="34" charset="0"/>
+                <a:sym typeface="Proxima Nova Semibold"/>
+              </a:rPr>
+              <a:t>,</a:t>
+            </a:r>
+            <a:r>
+              <a:rPr lang="en-US" sz="2800" dirty="0" smtClean="0">
+                <a:solidFill>
+                  <a:schemeClr val="tx1"/>
+                </a:solidFill>
+                <a:latin typeface="Golos Text Medium" panose="020B0503020202020204" pitchFamily="34" charset="0"/>
+                <a:ea typeface="Proxima Nova Semibold"/>
+                <a:cs typeface="Golos Text Medium" panose="020B0503020202020204" pitchFamily="34" charset="0"/>
+                <a:sym typeface="Proxima Nova Semibold"/>
+              </a:rPr>
+              <a:t>06</a:t>
+            </a:r>
+            <a:r>
+              <a:rPr lang="ru-RU" sz="2800" dirty="0" smtClean="0">
+                <a:solidFill>
+                  <a:schemeClr val="tx1"/>
+                </a:solidFill>
+                <a:latin typeface="Golos Text Medium" panose="020B0503020202020204" pitchFamily="34" charset="0"/>
+                <a:ea typeface="Proxima Nova Semibold"/>
+                <a:cs typeface="Golos Text Medium" panose="020B0503020202020204" pitchFamily="34" charset="0"/>
+                <a:sym typeface="Proxima Nova Semibold"/>
+              </a:rPr>
+              <a:t> %</a:t>
+            </a:r>
+            <a:endParaRPr lang="en-US" sz="2800" dirty="0">
+              <a:solidFill>
+                <a:schemeClr val="tx1"/>
+              </a:solidFill>
+              <a:latin typeface="Golos Text Medium" panose="020B0503020202020204" pitchFamily="34" charset="0"/>
+              <a:ea typeface="Proxima Nova Semibold"/>
+              <a:cs typeface="Golos Text Medium" panose="020B0503020202020204" pitchFamily="34" charset="0"/>
+              <a:sym typeface="Proxima Nova Semibold"/>
+            </a:endParaRPr>
           </a:p>
         </p:txBody>
       </p:sp>
@@ -21219,8 +22246,8 @@
         </p:nvSpPr>
         <p:spPr>
           <a:xfrm>
-            <a:off x="16850406" y="6951041"/>
-            <a:ext cx="470000" cy="707886"/>
+            <a:off x="17354293" y="8605550"/>
+            <a:ext cx="612668" cy="553998"/>
           </a:xfrm>
           <a:prstGeom prst="rect">
             <a:avLst/>
@@ -21233,8 +22260,11 @@
           <a:lstStyle/>
           <a:p>
             <a:r>
-              <a:rPr lang="ru-RU" sz="4000" dirty="0"/>
-              <a:t>4</a:t>
+              <a:rPr lang="ru-RU" sz="3000" dirty="0" smtClean="0">
+                <a:latin typeface="Golos Text Medium" panose="020B0604020202020204" charset="-52"/>
+                <a:cs typeface="Golos Text Medium" panose="020B0604020202020204" charset="-52"/>
+              </a:rPr>
+              <a:t>19</a:t>
             </a:r>
           </a:p>
         </p:txBody>
@@ -21479,8 +22509,8 @@
         </p:nvSpPr>
         <p:spPr>
           <a:xfrm>
-            <a:off x="16636285" y="7456964"/>
-            <a:ext cx="1024739" cy="745916"/>
+            <a:off x="17182064" y="8660372"/>
+            <a:ext cx="776821" cy="579453"/>
           </a:xfrm>
           <a:prstGeom prst="rect">
             <a:avLst/>
@@ -21502,15 +22532,15 @@
               </a:lnSpc>
             </a:pPr>
             <a:r>
-              <a:rPr lang="ru-RU" sz="4000" dirty="0" smtClean="0">
+              <a:rPr lang="ru-RU" sz="3000" dirty="0" smtClean="0">
                 <a:latin typeface="Golos Text Medium" panose="020B0503020202020204" pitchFamily="34" charset="0"/>
                 <a:ea typeface="Proxima Nova Semibold"/>
                 <a:cs typeface="Golos Text Medium" panose="020B0503020202020204" pitchFamily="34" charset="0"/>
                 <a:sym typeface="Proxima Nova Semibold"/>
               </a:rPr>
-              <a:t>5</a:t>
+              <a:t>20</a:t>
             </a:r>
-            <a:endParaRPr lang="ru-RU" sz="4000" dirty="0">
+            <a:endParaRPr lang="ru-RU" sz="3000" dirty="0">
               <a:latin typeface="Golos Text Medium" panose="020B0503020202020204" pitchFamily="34" charset="0"/>
               <a:ea typeface="Proxima Nova Semibold"/>
               <a:cs typeface="Golos Text Medium" panose="020B0503020202020204" pitchFamily="34" charset="0"/>
@@ -21568,7 +22598,7 @@
               <a:t>= </a:t>
             </a:r>
             <a:r>
-              <a:rPr lang="en-US" sz="4000" dirty="0" err="1" smtClean="0">
+              <a:rPr lang="en-US" sz="4000" dirty="0" smtClean="0">
                 <a:latin typeface="Golos Text Medium" panose="020B0503020202020204" pitchFamily="34" charset="0"/>
                 <a:ea typeface="Proxima Nova Semibold"/>
                 <a:cs typeface="Golos Text Medium" panose="020B0503020202020204" pitchFamily="34" charset="0"/>
@@ -22006,131 +23036,7 @@
                 <a:spcPct val="80000"/>
               </a:lnSpc>
             </a:pPr>
-            <a:r>
-              <a:rPr lang="en-US" sz="2800" dirty="0">
-                <a:solidFill>
-                  <a:schemeClr val="tx1"/>
-                </a:solidFill>
-                <a:latin typeface="Golos Text Medium" panose="020B0503020202020204" pitchFamily="34" charset="0"/>
-                <a:ea typeface="Proxima Nova Semibold"/>
-                <a:cs typeface="Golos Text Medium" panose="020B0503020202020204" pitchFamily="34" charset="0"/>
-                <a:sym typeface="Proxima Nova Semibold"/>
-              </a:rPr>
-              <a:t>grid = </a:t>
-            </a:r>
-            <a:r>
-              <a:rPr lang="en-US" sz="2800" dirty="0" err="1">
-                <a:solidFill>
-                  <a:schemeClr val="tx1"/>
-                </a:solidFill>
-                <a:latin typeface="Golos Text Medium" panose="020B0503020202020204" pitchFamily="34" charset="0"/>
-                <a:ea typeface="Proxima Nova Semibold"/>
-                <a:cs typeface="Golos Text Medium" panose="020B0503020202020204" pitchFamily="34" charset="0"/>
-                <a:sym typeface="Proxima Nova Semibold"/>
-              </a:rPr>
-              <a:t>dict</a:t>
-            </a:r>
-            <a:r>
-              <a:rPr lang="en-US" sz="2800" dirty="0">
-                <a:solidFill>
-                  <a:schemeClr val="tx1"/>
-                </a:solidFill>
-                <a:latin typeface="Golos Text Medium" panose="020B0503020202020204" pitchFamily="34" charset="0"/>
-                <a:ea typeface="Proxima Nova Semibold"/>
-                <a:cs typeface="Golos Text Medium" panose="020B0503020202020204" pitchFamily="34" charset="0"/>
-                <a:sym typeface="Proxima Nova Semibold"/>
-              </a:rPr>
-              <a:t>(solver=</a:t>
-            </a:r>
-            <a:r>
-              <a:rPr lang="en-US" sz="2800" dirty="0" err="1">
-                <a:solidFill>
-                  <a:schemeClr val="tx1"/>
-                </a:solidFill>
-                <a:latin typeface="Golos Text Medium" panose="020B0503020202020204" pitchFamily="34" charset="0"/>
-                <a:ea typeface="Proxima Nova Semibold"/>
-                <a:cs typeface="Golos Text Medium" panose="020B0503020202020204" pitchFamily="34" charset="0"/>
-                <a:sym typeface="Proxima Nova Semibold"/>
-              </a:rPr>
-              <a:t>solvers,penalty</a:t>
-            </a:r>
-            <a:r>
-              <a:rPr lang="en-US" sz="2800" dirty="0">
-                <a:solidFill>
-                  <a:schemeClr val="tx1"/>
-                </a:solidFill>
-                <a:latin typeface="Golos Text Medium" panose="020B0503020202020204" pitchFamily="34" charset="0"/>
-                <a:ea typeface="Proxima Nova Semibold"/>
-                <a:cs typeface="Golos Text Medium" panose="020B0503020202020204" pitchFamily="34" charset="0"/>
-                <a:sym typeface="Proxima Nova Semibold"/>
-              </a:rPr>
-              <a:t>=</a:t>
-            </a:r>
-            <a:r>
-              <a:rPr lang="en-US" sz="2800" dirty="0" err="1">
-                <a:solidFill>
-                  <a:schemeClr val="tx1"/>
-                </a:solidFill>
-                <a:latin typeface="Golos Text Medium" panose="020B0503020202020204" pitchFamily="34" charset="0"/>
-                <a:ea typeface="Proxima Nova Semibold"/>
-                <a:cs typeface="Golos Text Medium" panose="020B0503020202020204" pitchFamily="34" charset="0"/>
-                <a:sym typeface="Proxima Nova Semibold"/>
-              </a:rPr>
-              <a:t>penalty,C</a:t>
-            </a:r>
-            <a:r>
-              <a:rPr lang="en-US" sz="2800" dirty="0">
-                <a:solidFill>
-                  <a:schemeClr val="tx1"/>
-                </a:solidFill>
-                <a:latin typeface="Golos Text Medium" panose="020B0503020202020204" pitchFamily="34" charset="0"/>
-                <a:ea typeface="Proxima Nova Semibold"/>
-                <a:cs typeface="Golos Text Medium" panose="020B0503020202020204" pitchFamily="34" charset="0"/>
-                <a:sym typeface="Proxima Nova Semibold"/>
-              </a:rPr>
-              <a:t>=</a:t>
-            </a:r>
-            <a:r>
-              <a:rPr lang="en-US" sz="2800" dirty="0" err="1">
-                <a:solidFill>
-                  <a:schemeClr val="tx1"/>
-                </a:solidFill>
-                <a:latin typeface="Golos Text Medium" panose="020B0503020202020204" pitchFamily="34" charset="0"/>
-                <a:ea typeface="Proxima Nova Semibold"/>
-                <a:cs typeface="Golos Text Medium" panose="020B0503020202020204" pitchFamily="34" charset="0"/>
-                <a:sym typeface="Proxima Nova Semibold"/>
-              </a:rPr>
-              <a:t>c_values</a:t>
-            </a:r>
-            <a:r>
-              <a:rPr lang="en-US" sz="2800" dirty="0" smtClean="0">
-                <a:solidFill>
-                  <a:schemeClr val="tx1"/>
-                </a:solidFill>
-                <a:latin typeface="Golos Text Medium" panose="020B0503020202020204" pitchFamily="34" charset="0"/>
-                <a:ea typeface="Proxima Nova Semibold"/>
-                <a:cs typeface="Golos Text Medium" panose="020B0503020202020204" pitchFamily="34" charset="0"/>
-                <a:sym typeface="Proxima Nova Semibold"/>
-              </a:rPr>
-              <a:t>)</a:t>
-            </a:r>
-            <a:endParaRPr lang="ru-RU" sz="2800" dirty="0" smtClean="0">
-              <a:solidFill>
-                <a:schemeClr val="tx1"/>
-              </a:solidFill>
-              <a:latin typeface="Golos Text Medium" panose="020B0503020202020204" pitchFamily="34" charset="0"/>
-              <a:ea typeface="Proxima Nova Semibold"/>
-              <a:cs typeface="Golos Text Medium" panose="020B0503020202020204" pitchFamily="34" charset="0"/>
-              <a:sym typeface="Proxima Nova Semibold"/>
-            </a:endParaRPr>
-          </a:p>
-          <a:p>
-            <a:pPr lvl="0">
-              <a:lnSpc>
-                <a:spcPct val="80000"/>
-              </a:lnSpc>
-            </a:pPr>
-            <a:endParaRPr lang="en-US" sz="2800" dirty="0">
+            <a:endParaRPr lang="ru-RU" sz="2800" dirty="0">
               <a:solidFill>
                 <a:schemeClr val="tx1"/>
               </a:solidFill>
@@ -22156,103 +23062,7 @@
                 <a:cs typeface="Golos Text Medium" panose="020B0503020202020204" pitchFamily="34" charset="0"/>
                 <a:sym typeface="Proxima Nova Semibold"/>
               </a:rPr>
-              <a:t>cv = </a:t>
-            </a:r>
-            <a:r>
-              <a:rPr lang="en-US" sz="2800" dirty="0" err="1">
-                <a:solidFill>
-                  <a:schemeClr val="tx1"/>
-                </a:solidFill>
-                <a:latin typeface="Golos Text Medium" panose="020B0503020202020204" pitchFamily="34" charset="0"/>
-                <a:ea typeface="Proxima Nova Semibold"/>
-                <a:cs typeface="Golos Text Medium" panose="020B0503020202020204" pitchFamily="34" charset="0"/>
-                <a:sym typeface="Proxima Nova Semibold"/>
-              </a:rPr>
-              <a:t>RepeatedStratifiedKFold</a:t>
-            </a:r>
-            <a:r>
-              <a:rPr lang="en-US" sz="2800" dirty="0">
-                <a:solidFill>
-                  <a:schemeClr val="tx1"/>
-                </a:solidFill>
-                <a:latin typeface="Golos Text Medium" panose="020B0503020202020204" pitchFamily="34" charset="0"/>
-                <a:ea typeface="Proxima Nova Semibold"/>
-                <a:cs typeface="Golos Text Medium" panose="020B0503020202020204" pitchFamily="34" charset="0"/>
-                <a:sym typeface="Proxima Nova Semibold"/>
-              </a:rPr>
-              <a:t>(</a:t>
-            </a:r>
-            <a:r>
-              <a:rPr lang="en-US" sz="2800" dirty="0" err="1">
-                <a:solidFill>
-                  <a:schemeClr val="tx1"/>
-                </a:solidFill>
-                <a:latin typeface="Golos Text Medium" panose="020B0503020202020204" pitchFamily="34" charset="0"/>
-                <a:ea typeface="Proxima Nova Semibold"/>
-                <a:cs typeface="Golos Text Medium" panose="020B0503020202020204" pitchFamily="34" charset="0"/>
-                <a:sym typeface="Proxima Nova Semibold"/>
-              </a:rPr>
-              <a:t>n_splits</a:t>
-            </a:r>
-            <a:r>
-              <a:rPr lang="en-US" sz="2800" dirty="0">
-                <a:solidFill>
-                  <a:schemeClr val="tx1"/>
-                </a:solidFill>
-                <a:latin typeface="Golos Text Medium" panose="020B0503020202020204" pitchFamily="34" charset="0"/>
-                <a:ea typeface="Proxima Nova Semibold"/>
-                <a:cs typeface="Golos Text Medium" panose="020B0503020202020204" pitchFamily="34" charset="0"/>
-                <a:sym typeface="Proxima Nova Semibold"/>
-              </a:rPr>
-              <a:t>=10, </a:t>
-            </a:r>
-            <a:r>
-              <a:rPr lang="en-US" sz="2800" dirty="0" err="1">
-                <a:solidFill>
-                  <a:schemeClr val="tx1"/>
-                </a:solidFill>
-                <a:latin typeface="Golos Text Medium" panose="020B0503020202020204" pitchFamily="34" charset="0"/>
-                <a:ea typeface="Proxima Nova Semibold"/>
-                <a:cs typeface="Golos Text Medium" panose="020B0503020202020204" pitchFamily="34" charset="0"/>
-                <a:sym typeface="Proxima Nova Semibold"/>
-              </a:rPr>
-              <a:t>n_repeats</a:t>
-            </a:r>
-            <a:r>
-              <a:rPr lang="en-US" sz="2800" dirty="0">
-                <a:solidFill>
-                  <a:schemeClr val="tx1"/>
-                </a:solidFill>
-                <a:latin typeface="Golos Text Medium" panose="020B0503020202020204" pitchFamily="34" charset="0"/>
-                <a:ea typeface="Proxima Nova Semibold"/>
-                <a:cs typeface="Golos Text Medium" panose="020B0503020202020204" pitchFamily="34" charset="0"/>
-                <a:sym typeface="Proxima Nova Semibold"/>
-              </a:rPr>
-              <a:t>=3, </a:t>
-            </a:r>
-            <a:r>
-              <a:rPr lang="en-US" sz="2800" dirty="0" err="1">
-                <a:solidFill>
-                  <a:schemeClr val="tx1"/>
-                </a:solidFill>
-                <a:latin typeface="Golos Text Medium" panose="020B0503020202020204" pitchFamily="34" charset="0"/>
-                <a:ea typeface="Proxima Nova Semibold"/>
-                <a:cs typeface="Golos Text Medium" panose="020B0503020202020204" pitchFamily="34" charset="0"/>
-                <a:sym typeface="Proxima Nova Semibold"/>
-              </a:rPr>
-              <a:t>random_state</a:t>
-            </a:r>
-            <a:r>
-              <a:rPr lang="en-US" sz="2800" dirty="0">
-                <a:solidFill>
-                  <a:schemeClr val="tx1"/>
-                </a:solidFill>
-                <a:latin typeface="Golos Text Medium" panose="020B0503020202020204" pitchFamily="34" charset="0"/>
-                <a:ea typeface="Proxima Nova Semibold"/>
-                <a:cs typeface="Golos Text Medium" panose="020B0503020202020204" pitchFamily="34" charset="0"/>
-                <a:sym typeface="Proxima Nova Semibold"/>
-              </a:rPr>
-              <a:t>=1</a:t>
+              <a:t>Best: </a:t>
             </a:r>
             <a:r>
               <a:rPr lang="en-US" sz="2800" dirty="0" smtClean="0">
@@ -22264,42 +23074,10 @@
                 <a:cs typeface="Golos Text Medium" panose="020B0503020202020204" pitchFamily="34" charset="0"/>
                 <a:sym typeface="Proxima Nova Semibold"/>
               </a:rPr>
-              <a:t>)</a:t>
+              <a:t>85</a:t>
             </a:r>
-            <a:endParaRPr lang="ru-RU" sz="2800" dirty="0" smtClean="0">
-              <a:solidFill>
-                <a:schemeClr val="tx1"/>
-              </a:solidFill>
-              <a:latin typeface="Golos Text Medium" panose="020B0503020202020204" pitchFamily="34" charset="0"/>
-              <a:ea typeface="Proxima Nova Semibold"/>
-              <a:cs typeface="Golos Text Medium" panose="020B0503020202020204" pitchFamily="34" charset="0"/>
-              <a:sym typeface="Proxima Nova Semibold"/>
-            </a:endParaRPr>
-          </a:p>
-          <a:p>
-            <a:pPr lvl="0">
-              <a:lnSpc>
-                <a:spcPct val="80000"/>
-              </a:lnSpc>
-            </a:pPr>
-            <a:endParaRPr lang="en-US" sz="2800" dirty="0">
-              <a:solidFill>
-                <a:schemeClr val="tx1"/>
-              </a:solidFill>
-              <a:latin typeface="Golos Text Medium" panose="020B0503020202020204" pitchFamily="34" charset="0"/>
-              <a:ea typeface="Proxima Nova Semibold"/>
-              <a:cs typeface="Golos Text Medium" panose="020B0503020202020204" pitchFamily="34" charset="0"/>
-              <a:sym typeface="Proxima Nova Semibold"/>
-            </a:endParaRPr>
-          </a:p>
-          <a:p>
-            <a:pPr lvl="0">
-              <a:lnSpc>
-                <a:spcPct val="80000"/>
-              </a:lnSpc>
-            </a:pPr>
             <a:r>
-              <a:rPr lang="en-US" sz="2800" dirty="0" err="1">
+              <a:rPr lang="ru-RU" sz="2800" dirty="0" smtClean="0">
                 <a:solidFill>
                   <a:schemeClr val="tx1"/>
                 </a:solidFill>
@@ -22308,91 +23086,7 @@
                 <a:cs typeface="Golos Text Medium" panose="020B0503020202020204" pitchFamily="34" charset="0"/>
                 <a:sym typeface="Proxima Nova Semibold"/>
               </a:rPr>
-              <a:t>grid_search</a:t>
-            </a:r>
-            <a:r>
-              <a:rPr lang="en-US" sz="2800" dirty="0">
-                <a:solidFill>
-                  <a:schemeClr val="tx1"/>
-                </a:solidFill>
-                <a:latin typeface="Golos Text Medium" panose="020B0503020202020204" pitchFamily="34" charset="0"/>
-                <a:ea typeface="Proxima Nova Semibold"/>
-                <a:cs typeface="Golos Text Medium" panose="020B0503020202020204" pitchFamily="34" charset="0"/>
-                <a:sym typeface="Proxima Nova Semibold"/>
-              </a:rPr>
-              <a:t> = </a:t>
-            </a:r>
-            <a:r>
-              <a:rPr lang="en-US" sz="2800" dirty="0" err="1">
-                <a:solidFill>
-                  <a:schemeClr val="tx1"/>
-                </a:solidFill>
-                <a:latin typeface="Golos Text Medium" panose="020B0503020202020204" pitchFamily="34" charset="0"/>
-                <a:ea typeface="Proxima Nova Semibold"/>
-                <a:cs typeface="Golos Text Medium" panose="020B0503020202020204" pitchFamily="34" charset="0"/>
-                <a:sym typeface="Proxima Nova Semibold"/>
-              </a:rPr>
-              <a:t>GridSearchCV</a:t>
-            </a:r>
-            <a:r>
-              <a:rPr lang="en-US" sz="2800" dirty="0">
-                <a:solidFill>
-                  <a:schemeClr val="tx1"/>
-                </a:solidFill>
-                <a:latin typeface="Golos Text Medium" panose="020B0503020202020204" pitchFamily="34" charset="0"/>
-                <a:ea typeface="Proxima Nova Semibold"/>
-                <a:cs typeface="Golos Text Medium" panose="020B0503020202020204" pitchFamily="34" charset="0"/>
-                <a:sym typeface="Proxima Nova Semibold"/>
-              </a:rPr>
-              <a:t>(estimator=model, </a:t>
-            </a:r>
-            <a:r>
-              <a:rPr lang="en-US" sz="2800" dirty="0" err="1">
-                <a:solidFill>
-                  <a:schemeClr val="tx1"/>
-                </a:solidFill>
-                <a:latin typeface="Golos Text Medium" panose="020B0503020202020204" pitchFamily="34" charset="0"/>
-                <a:ea typeface="Proxima Nova Semibold"/>
-                <a:cs typeface="Golos Text Medium" panose="020B0503020202020204" pitchFamily="34" charset="0"/>
-                <a:sym typeface="Proxima Nova Semibold"/>
-              </a:rPr>
-              <a:t>param_grid</a:t>
-            </a:r>
-            <a:r>
-              <a:rPr lang="en-US" sz="2800" dirty="0">
-                <a:solidFill>
-                  <a:schemeClr val="tx1"/>
-                </a:solidFill>
-                <a:latin typeface="Golos Text Medium" panose="020B0503020202020204" pitchFamily="34" charset="0"/>
-                <a:ea typeface="Proxima Nova Semibold"/>
-                <a:cs typeface="Golos Text Medium" panose="020B0503020202020204" pitchFamily="34" charset="0"/>
-                <a:sym typeface="Proxima Nova Semibold"/>
-              </a:rPr>
-              <a:t>=grid, </a:t>
-            </a:r>
-            <a:r>
-              <a:rPr lang="en-US" sz="2800" dirty="0" err="1">
-                <a:solidFill>
-                  <a:schemeClr val="tx1"/>
-                </a:solidFill>
-                <a:latin typeface="Golos Text Medium" panose="020B0503020202020204" pitchFamily="34" charset="0"/>
-                <a:ea typeface="Proxima Nova Semibold"/>
-                <a:cs typeface="Golos Text Medium" panose="020B0503020202020204" pitchFamily="34" charset="0"/>
-                <a:sym typeface="Proxima Nova Semibold"/>
-              </a:rPr>
-              <a:t>n_jobs</a:t>
-            </a:r>
-            <a:r>
-              <a:rPr lang="en-US" sz="2800" dirty="0">
-                <a:solidFill>
-                  <a:schemeClr val="tx1"/>
-                </a:solidFill>
-                <a:latin typeface="Golos Text Medium" panose="020B0503020202020204" pitchFamily="34" charset="0"/>
-                <a:ea typeface="Proxima Nova Semibold"/>
-                <a:cs typeface="Golos Text Medium" panose="020B0503020202020204" pitchFamily="34" charset="0"/>
-                <a:sym typeface="Proxima Nova Semibold"/>
-              </a:rPr>
-              <a:t>=-1</a:t>
+              <a:t>,</a:t>
             </a:r>
             <a:r>
               <a:rPr lang="en-US" sz="2800" dirty="0" smtClean="0">
@@ -22404,40 +23098,20 @@
                 <a:cs typeface="Golos Text Medium" panose="020B0503020202020204" pitchFamily="34" charset="0"/>
                 <a:sym typeface="Proxima Nova Semibold"/>
               </a:rPr>
-              <a:t>,</a:t>
+              <a:t>10</a:t>
             </a:r>
-            <a:endParaRPr lang="ru-RU" sz="2800" dirty="0" smtClean="0">
-              <a:solidFill>
-                <a:schemeClr val="tx1"/>
-              </a:solidFill>
-              <a:latin typeface="Golos Text Medium" panose="020B0503020202020204" pitchFamily="34" charset="0"/>
-              <a:ea typeface="Proxima Nova Semibold"/>
-              <a:cs typeface="Golos Text Medium" panose="020B0503020202020204" pitchFamily="34" charset="0"/>
-              <a:sym typeface="Proxima Nova Semibold"/>
-            </a:endParaRPr>
-          </a:p>
-          <a:p>
-            <a:pPr lvl="0">
-              <a:lnSpc>
-                <a:spcPct val="80000"/>
-              </a:lnSpc>
-            </a:pPr>
-            <a:endParaRPr lang="ru-RU" sz="2800" dirty="0" smtClean="0">
-              <a:solidFill>
-                <a:schemeClr val="tx1"/>
-              </a:solidFill>
-              <a:latin typeface="Golos Text Medium" panose="020B0503020202020204" pitchFamily="34" charset="0"/>
-              <a:ea typeface="Proxima Nova Semibold"/>
-              <a:cs typeface="Golos Text Medium" panose="020B0503020202020204" pitchFamily="34" charset="0"/>
-              <a:sym typeface="Proxima Nova Semibold"/>
-            </a:endParaRPr>
-          </a:p>
-          <a:p>
-            <a:pPr lvl="0">
-              <a:lnSpc>
-                <a:spcPct val="80000"/>
-              </a:lnSpc>
-            </a:pPr>
+            <a:r>
+              <a:rPr lang="ru-RU" sz="2800" dirty="0" smtClean="0">
+                <a:solidFill>
+                  <a:schemeClr val="tx1"/>
+                </a:solidFill>
+                <a:latin typeface="Golos Text Medium" panose="020B0503020202020204" pitchFamily="34" charset="0"/>
+                <a:ea typeface="Proxima Nova Semibold"/>
+                <a:cs typeface="Golos Text Medium" panose="020B0503020202020204" pitchFamily="34" charset="0"/>
+                <a:sym typeface="Proxima Nova Semibold"/>
+              </a:rPr>
+              <a:t> % </a:t>
+            </a:r>
             <a:r>
               <a:rPr lang="en-US" sz="2800" dirty="0" smtClean="0">
                 <a:solidFill>
@@ -22460,237 +23134,9 @@
                 <a:cs typeface="Golos Text Medium" panose="020B0503020202020204" pitchFamily="34" charset="0"/>
                 <a:sym typeface="Proxima Nova Semibold"/>
               </a:rPr>
-              <a:t>cv=cv, scoring='accuracy',</a:t>
-            </a:r>
-            <a:r>
-              <a:rPr lang="en-US" sz="2800" dirty="0" err="1">
-                <a:solidFill>
-                  <a:schemeClr val="tx1"/>
-                </a:solidFill>
-                <a:latin typeface="Golos Text Medium" panose="020B0503020202020204" pitchFamily="34" charset="0"/>
-                <a:ea typeface="Proxima Nova Semibold"/>
-                <a:cs typeface="Golos Text Medium" panose="020B0503020202020204" pitchFamily="34" charset="0"/>
-                <a:sym typeface="Proxima Nova Semibold"/>
-              </a:rPr>
-              <a:t>error_score</a:t>
-            </a:r>
-            <a:r>
-              <a:rPr lang="en-US" sz="2800" dirty="0">
-                <a:solidFill>
-                  <a:schemeClr val="tx1"/>
-                </a:solidFill>
-                <a:latin typeface="Golos Text Medium" panose="020B0503020202020204" pitchFamily="34" charset="0"/>
-                <a:ea typeface="Proxima Nova Semibold"/>
-                <a:cs typeface="Golos Text Medium" panose="020B0503020202020204" pitchFamily="34" charset="0"/>
-                <a:sym typeface="Proxima Nova Semibold"/>
-              </a:rPr>
-              <a:t>=0</a:t>
-            </a:r>
-            <a:r>
-              <a:rPr lang="en-US" sz="2800" dirty="0" smtClean="0">
-                <a:solidFill>
-                  <a:schemeClr val="tx1"/>
-                </a:solidFill>
-                <a:latin typeface="Golos Text Medium" panose="020B0503020202020204" pitchFamily="34" charset="0"/>
-                <a:ea typeface="Proxima Nova Semibold"/>
-                <a:cs typeface="Golos Text Medium" panose="020B0503020202020204" pitchFamily="34" charset="0"/>
-                <a:sym typeface="Proxima Nova Semibold"/>
-              </a:rPr>
-              <a:t>)</a:t>
+              <a:t>using {'C': 100, 'penalty': 'l2', 'solver': 'newton-cg'}</a:t>
             </a:r>
             <a:endParaRPr lang="ru-RU" sz="2800" dirty="0" smtClean="0">
-              <a:solidFill>
-                <a:schemeClr val="tx1"/>
-              </a:solidFill>
-              <a:latin typeface="Golos Text Medium" panose="020B0503020202020204" pitchFamily="34" charset="0"/>
-              <a:ea typeface="Proxima Nova Semibold"/>
-              <a:cs typeface="Golos Text Medium" panose="020B0503020202020204" pitchFamily="34" charset="0"/>
-              <a:sym typeface="Proxima Nova Semibold"/>
-            </a:endParaRPr>
-          </a:p>
-          <a:p>
-            <a:pPr lvl="0">
-              <a:lnSpc>
-                <a:spcPct val="80000"/>
-              </a:lnSpc>
-            </a:pPr>
-            <a:endParaRPr lang="en-US" sz="2800" dirty="0">
-              <a:solidFill>
-                <a:schemeClr val="tx1"/>
-              </a:solidFill>
-              <a:latin typeface="Golos Text Medium" panose="020B0503020202020204" pitchFamily="34" charset="0"/>
-              <a:ea typeface="Proxima Nova Semibold"/>
-              <a:cs typeface="Golos Text Medium" panose="020B0503020202020204" pitchFamily="34" charset="0"/>
-              <a:sym typeface="Proxima Nova Semibold"/>
-            </a:endParaRPr>
-          </a:p>
-          <a:p>
-            <a:pPr lvl="0">
-              <a:lnSpc>
-                <a:spcPct val="80000"/>
-              </a:lnSpc>
-            </a:pPr>
-            <a:r>
-              <a:rPr lang="en-US" sz="2800" dirty="0" err="1">
-                <a:solidFill>
-                  <a:schemeClr val="tx1"/>
-                </a:solidFill>
-                <a:latin typeface="Golos Text Medium" panose="020B0503020202020204" pitchFamily="34" charset="0"/>
-                <a:ea typeface="Proxima Nova Semibold"/>
-                <a:cs typeface="Golos Text Medium" panose="020B0503020202020204" pitchFamily="34" charset="0"/>
-                <a:sym typeface="Proxima Nova Semibold"/>
-              </a:rPr>
-              <a:t>grid_result</a:t>
-            </a:r>
-            <a:r>
-              <a:rPr lang="en-US" sz="2800" dirty="0">
-                <a:solidFill>
-                  <a:schemeClr val="tx1"/>
-                </a:solidFill>
-                <a:latin typeface="Golos Text Medium" panose="020B0503020202020204" pitchFamily="34" charset="0"/>
-                <a:ea typeface="Proxima Nova Semibold"/>
-                <a:cs typeface="Golos Text Medium" panose="020B0503020202020204" pitchFamily="34" charset="0"/>
-                <a:sym typeface="Proxima Nova Semibold"/>
-              </a:rPr>
-              <a:t> = </a:t>
-            </a:r>
-            <a:r>
-              <a:rPr lang="en-US" sz="2800" dirty="0" err="1">
-                <a:solidFill>
-                  <a:schemeClr val="tx1"/>
-                </a:solidFill>
-                <a:latin typeface="Golos Text Medium" panose="020B0503020202020204" pitchFamily="34" charset="0"/>
-                <a:ea typeface="Proxima Nova Semibold"/>
-                <a:cs typeface="Golos Text Medium" panose="020B0503020202020204" pitchFamily="34" charset="0"/>
-                <a:sym typeface="Proxima Nova Semibold"/>
-              </a:rPr>
-              <a:t>grid_search.fit</a:t>
-            </a:r>
-            <a:r>
-              <a:rPr lang="en-US" sz="2800" dirty="0">
-                <a:solidFill>
-                  <a:schemeClr val="tx1"/>
-                </a:solidFill>
-                <a:latin typeface="Golos Text Medium" panose="020B0503020202020204" pitchFamily="34" charset="0"/>
-                <a:ea typeface="Proxima Nova Semibold"/>
-                <a:cs typeface="Golos Text Medium" panose="020B0503020202020204" pitchFamily="34" charset="0"/>
-                <a:sym typeface="Proxima Nova Semibold"/>
-              </a:rPr>
-              <a:t>(</a:t>
-            </a:r>
-            <a:r>
-              <a:rPr lang="en-US" sz="2800" dirty="0" err="1">
-                <a:solidFill>
-                  <a:schemeClr val="tx1"/>
-                </a:solidFill>
-                <a:latin typeface="Golos Text Medium" panose="020B0503020202020204" pitchFamily="34" charset="0"/>
-                <a:ea typeface="Proxima Nova Semibold"/>
-                <a:cs typeface="Golos Text Medium" panose="020B0503020202020204" pitchFamily="34" charset="0"/>
-                <a:sym typeface="Proxima Nova Semibold"/>
-              </a:rPr>
-              <a:t>X_train.append</a:t>
-            </a:r>
-            <a:r>
-              <a:rPr lang="en-US" sz="2800" dirty="0">
-                <a:solidFill>
-                  <a:schemeClr val="tx1"/>
-                </a:solidFill>
-                <a:latin typeface="Golos Text Medium" panose="020B0503020202020204" pitchFamily="34" charset="0"/>
-                <a:ea typeface="Proxima Nova Semibold"/>
-                <a:cs typeface="Golos Text Medium" panose="020B0503020202020204" pitchFamily="34" charset="0"/>
-                <a:sym typeface="Proxima Nova Semibold"/>
-              </a:rPr>
-              <a:t>(</a:t>
-            </a:r>
-            <a:r>
-              <a:rPr lang="en-US" sz="2800" dirty="0" err="1">
-                <a:solidFill>
-                  <a:schemeClr val="tx1"/>
-                </a:solidFill>
-                <a:latin typeface="Golos Text Medium" panose="020B0503020202020204" pitchFamily="34" charset="0"/>
-                <a:ea typeface="Proxima Nova Semibold"/>
-                <a:cs typeface="Golos Text Medium" panose="020B0503020202020204" pitchFamily="34" charset="0"/>
-                <a:sym typeface="Proxima Nova Semibold"/>
-              </a:rPr>
-              <a:t>X_test</a:t>
-            </a:r>
-            <a:r>
-              <a:rPr lang="en-US" sz="2800" dirty="0">
-                <a:solidFill>
-                  <a:schemeClr val="tx1"/>
-                </a:solidFill>
-                <a:latin typeface="Golos Text Medium" panose="020B0503020202020204" pitchFamily="34" charset="0"/>
-                <a:ea typeface="Proxima Nova Semibold"/>
-                <a:cs typeface="Golos Text Medium" panose="020B0503020202020204" pitchFamily="34" charset="0"/>
-                <a:sym typeface="Proxima Nova Semibold"/>
-              </a:rPr>
-              <a:t>), </a:t>
-            </a:r>
-            <a:r>
-              <a:rPr lang="en-US" sz="2800" dirty="0" err="1">
-                <a:solidFill>
-                  <a:schemeClr val="tx1"/>
-                </a:solidFill>
-                <a:latin typeface="Golos Text Medium" panose="020B0503020202020204" pitchFamily="34" charset="0"/>
-                <a:ea typeface="Proxima Nova Semibold"/>
-                <a:cs typeface="Golos Text Medium" panose="020B0503020202020204" pitchFamily="34" charset="0"/>
-                <a:sym typeface="Proxima Nova Semibold"/>
-              </a:rPr>
-              <a:t>y_train.append</a:t>
-            </a:r>
-            <a:r>
-              <a:rPr lang="en-US" sz="2800" dirty="0">
-                <a:solidFill>
-                  <a:schemeClr val="tx1"/>
-                </a:solidFill>
-                <a:latin typeface="Golos Text Medium" panose="020B0503020202020204" pitchFamily="34" charset="0"/>
-                <a:ea typeface="Proxima Nova Semibold"/>
-                <a:cs typeface="Golos Text Medium" panose="020B0503020202020204" pitchFamily="34" charset="0"/>
-                <a:sym typeface="Proxima Nova Semibold"/>
-              </a:rPr>
-              <a:t>(</a:t>
-            </a:r>
-            <a:r>
-              <a:rPr lang="en-US" sz="2800" dirty="0" err="1">
-                <a:solidFill>
-                  <a:schemeClr val="tx1"/>
-                </a:solidFill>
-                <a:latin typeface="Golos Text Medium" panose="020B0503020202020204" pitchFamily="34" charset="0"/>
-                <a:ea typeface="Proxima Nova Semibold"/>
-                <a:cs typeface="Golos Text Medium" panose="020B0503020202020204" pitchFamily="34" charset="0"/>
-                <a:sym typeface="Proxima Nova Semibold"/>
-              </a:rPr>
-              <a:t>y_test</a:t>
-            </a:r>
-            <a:r>
-              <a:rPr lang="en-US" sz="2800" dirty="0" smtClean="0">
-                <a:solidFill>
-                  <a:schemeClr val="tx1"/>
-                </a:solidFill>
-                <a:latin typeface="Golos Text Medium" panose="020B0503020202020204" pitchFamily="34" charset="0"/>
-                <a:ea typeface="Proxima Nova Semibold"/>
-                <a:cs typeface="Golos Text Medium" panose="020B0503020202020204" pitchFamily="34" charset="0"/>
-                <a:sym typeface="Proxima Nova Semibold"/>
-              </a:rPr>
-              <a:t>))</a:t>
-            </a:r>
-            <a:endParaRPr lang="ru-RU" sz="2800" dirty="0" smtClean="0">
-              <a:solidFill>
-                <a:schemeClr val="tx1"/>
-              </a:solidFill>
-              <a:latin typeface="Golos Text Medium" panose="020B0503020202020204" pitchFamily="34" charset="0"/>
-              <a:ea typeface="Proxima Nova Semibold"/>
-              <a:cs typeface="Golos Text Medium" panose="020B0503020202020204" pitchFamily="34" charset="0"/>
-              <a:sym typeface="Proxima Nova Semibold"/>
-            </a:endParaRPr>
-          </a:p>
-          <a:p>
-            <a:pPr lvl="0">
-              <a:lnSpc>
-                <a:spcPct val="80000"/>
-              </a:lnSpc>
-            </a:pPr>
-            <a:endParaRPr lang="en-US" sz="2800" dirty="0">
               <a:solidFill>
                 <a:schemeClr val="tx1"/>
               </a:solidFill>
@@ -22781,6 +23227,930 @@
 </file>
 
 <file path=ppt/slides/slide24.xml><?xml version="1.0" encoding="utf-8"?>
+<p:sld xmlns:a="http://schemas.openxmlformats.org/drawingml/2006/main" xmlns:r="http://schemas.openxmlformats.org/officeDocument/2006/relationships" xmlns:p="http://schemas.openxmlformats.org/presentationml/2006/main">
+  <p:cSld>
+    <p:bg>
+      <p:bgPr>
+        <a:solidFill>
+          <a:srgbClr val="4BD0A0"/>
+        </a:solidFill>
+        <a:effectLst/>
+      </p:bgPr>
+    </p:bg>
+    <p:spTree>
+      <p:nvGrpSpPr>
+        <p:cNvPr id="1" name="Shape 811"/>
+        <p:cNvGrpSpPr/>
+        <p:nvPr/>
+      </p:nvGrpSpPr>
+      <p:grpSpPr>
+        <a:xfrm>
+          <a:off x="0" y="0"/>
+          <a:ext cx="0" cy="0"/>
+          <a:chOff x="0" y="0"/>
+          <a:chExt cx="0" cy="0"/>
+        </a:xfrm>
+      </p:grpSpPr>
+      <p:cxnSp>
+        <p:nvCxnSpPr>
+          <p:cNvPr id="812" name="Google Shape;812;p40"/>
+          <p:cNvCxnSpPr/>
+          <p:nvPr/>
+        </p:nvCxnSpPr>
+        <p:spPr>
+          <a:xfrm>
+            <a:off x="710600" y="718850"/>
+            <a:ext cx="16863900" cy="0"/>
+          </a:xfrm>
+          <a:prstGeom prst="straightConnector1">
+            <a:avLst/>
+          </a:prstGeom>
+          <a:noFill/>
+          <a:ln w="19050" cap="flat" cmpd="sng">
+            <a:solidFill>
+              <a:srgbClr val="27282D"/>
+            </a:solidFill>
+            <a:prstDash val="solid"/>
+            <a:round/>
+            <a:headEnd type="none" w="med" len="med"/>
+            <a:tailEnd type="none" w="med" len="med"/>
+          </a:ln>
+        </p:spPr>
+      </p:cxnSp>
+      <p:cxnSp>
+        <p:nvCxnSpPr>
+          <p:cNvPr id="813" name="Google Shape;813;p40"/>
+          <p:cNvCxnSpPr/>
+          <p:nvPr/>
+        </p:nvCxnSpPr>
+        <p:spPr>
+          <a:xfrm>
+            <a:off x="712050" y="8605550"/>
+            <a:ext cx="4088700" cy="0"/>
+          </a:xfrm>
+          <a:prstGeom prst="straightConnector1">
+            <a:avLst/>
+          </a:prstGeom>
+          <a:noFill/>
+          <a:ln w="19050" cap="flat" cmpd="sng">
+            <a:solidFill>
+              <a:srgbClr val="27282D"/>
+            </a:solidFill>
+            <a:prstDash val="solid"/>
+            <a:round/>
+            <a:headEnd type="none" w="med" len="med"/>
+            <a:tailEnd type="none" w="med" len="med"/>
+          </a:ln>
+        </p:spPr>
+      </p:cxnSp>
+      <p:cxnSp>
+        <p:nvCxnSpPr>
+          <p:cNvPr id="814" name="Google Shape;814;p40"/>
+          <p:cNvCxnSpPr/>
+          <p:nvPr/>
+        </p:nvCxnSpPr>
+        <p:spPr>
+          <a:xfrm>
+            <a:off x="5369775" y="8605550"/>
+            <a:ext cx="12200700" cy="0"/>
+          </a:xfrm>
+          <a:prstGeom prst="straightConnector1">
+            <a:avLst/>
+          </a:prstGeom>
+          <a:noFill/>
+          <a:ln w="19050" cap="flat" cmpd="sng">
+            <a:solidFill>
+              <a:srgbClr val="27282D"/>
+            </a:solidFill>
+            <a:prstDash val="solid"/>
+            <a:round/>
+            <a:headEnd type="none" w="med" len="med"/>
+            <a:tailEnd type="none" w="med" len="med"/>
+          </a:ln>
+        </p:spPr>
+      </p:cxnSp>
+      <p:sp>
+        <p:nvSpPr>
+          <p:cNvPr id="815" name="Google Shape;815;p40"/>
+          <p:cNvSpPr txBox="1"/>
+          <p:nvPr/>
+        </p:nvSpPr>
+        <p:spPr>
+          <a:xfrm>
+            <a:off x="581025" y="8691275"/>
+            <a:ext cx="4219800" cy="1097100"/>
+          </a:xfrm>
+          <a:prstGeom prst="rect">
+            <a:avLst/>
+          </a:prstGeom>
+          <a:noFill/>
+          <a:ln>
+            <a:noFill/>
+          </a:ln>
+        </p:spPr>
+        <p:txBody>
+          <a:bodyPr spcFirstLastPara="1" wrap="square" lIns="91425" tIns="91425" rIns="91425" bIns="91425" anchor="t" anchorCtr="0">
+            <a:noAutofit/>
+          </a:bodyPr>
+          <a:lstStyle/>
+          <a:p>
+            <a:pPr marL="0" lvl="0" indent="0" algn="l" rtl="0">
+              <a:lnSpc>
+                <a:spcPct val="100000"/>
+              </a:lnSpc>
+              <a:spcBef>
+                <a:spcPts val="0"/>
+              </a:spcBef>
+              <a:spcAft>
+                <a:spcPts val="0"/>
+              </a:spcAft>
+              <a:buNone/>
+            </a:pPr>
+            <a:endParaRPr sz="2400" dirty="0">
+              <a:latin typeface="Golos Text" panose="020B0503020202020204" pitchFamily="34" charset="0"/>
+              <a:ea typeface="Proxima Nova Semibold"/>
+              <a:cs typeface="Golos Text" panose="020B0503020202020204" pitchFamily="34" charset="0"/>
+              <a:sym typeface="Proxima Nova Semibold"/>
+            </a:endParaRPr>
+          </a:p>
+          <a:p>
+            <a:pPr lvl="0"/>
+            <a:r>
+              <a:rPr lang="ru-RU" sz="2400" dirty="0">
+                <a:latin typeface="Golos Text" panose="020B0503020202020204" pitchFamily="34" charset="0"/>
+                <a:ea typeface="Proxima Nova"/>
+                <a:cs typeface="Golos Text" panose="020B0503020202020204" pitchFamily="34" charset="0"/>
+                <a:sym typeface="Proxima Nova"/>
+              </a:rPr>
+              <a:t>Горбунов Михаил</a:t>
+            </a:r>
+          </a:p>
+          <a:p>
+            <a:pPr lvl="0"/>
+            <a:r>
+              <a:rPr lang="ru-RU" sz="2400" dirty="0">
+                <a:latin typeface="Golos Text" panose="020B0503020202020204" pitchFamily="34" charset="0"/>
+                <a:ea typeface="Proxima Nova"/>
+                <a:cs typeface="Golos Text" panose="020B0503020202020204" pitchFamily="34" charset="0"/>
+                <a:sym typeface="Proxima Nova"/>
+              </a:rPr>
+              <a:t>Группа DS - 25</a:t>
+            </a:r>
+          </a:p>
+        </p:txBody>
+      </p:sp>
+      <p:sp>
+        <p:nvSpPr>
+          <p:cNvPr id="816" name="Google Shape;816;p40"/>
+          <p:cNvSpPr txBox="1"/>
+          <p:nvPr/>
+        </p:nvSpPr>
+        <p:spPr>
+          <a:xfrm>
+            <a:off x="5257800" y="8805575"/>
+            <a:ext cx="7132320" cy="982800"/>
+          </a:xfrm>
+          <a:prstGeom prst="rect">
+            <a:avLst/>
+          </a:prstGeom>
+          <a:noFill/>
+          <a:ln>
+            <a:noFill/>
+          </a:ln>
+        </p:spPr>
+        <p:txBody>
+          <a:bodyPr spcFirstLastPara="1" wrap="square" lIns="91425" tIns="91425" rIns="91425" bIns="91425" anchor="t" anchorCtr="0">
+            <a:noAutofit/>
+          </a:bodyPr>
+          <a:lstStyle/>
+          <a:p>
+            <a:pPr marL="0" lvl="0" indent="0" algn="l" rtl="0">
+              <a:lnSpc>
+                <a:spcPct val="100000"/>
+              </a:lnSpc>
+              <a:spcBef>
+                <a:spcPts val="0"/>
+              </a:spcBef>
+              <a:spcAft>
+                <a:spcPts val="0"/>
+              </a:spcAft>
+              <a:buNone/>
+            </a:pPr>
+            <a:endParaRPr sz="2400" dirty="0">
+              <a:latin typeface="Golos Text" panose="020B0503020202020204" pitchFamily="34" charset="0"/>
+              <a:ea typeface="Proxima Nova"/>
+              <a:cs typeface="Golos Text" panose="020B0503020202020204" pitchFamily="34" charset="0"/>
+              <a:sym typeface="Proxima Nova"/>
+            </a:endParaRPr>
+          </a:p>
+        </p:txBody>
+      </p:sp>
+      <p:sp>
+        <p:nvSpPr>
+          <p:cNvPr id="818" name="Google Shape;818;p40"/>
+          <p:cNvSpPr txBox="1"/>
+          <p:nvPr/>
+        </p:nvSpPr>
+        <p:spPr>
+          <a:xfrm>
+            <a:off x="17182064" y="8660372"/>
+            <a:ext cx="776821" cy="579453"/>
+          </a:xfrm>
+          <a:prstGeom prst="rect">
+            <a:avLst/>
+          </a:prstGeom>
+          <a:noFill/>
+          <a:ln>
+            <a:noFill/>
+          </a:ln>
+        </p:spPr>
+        <p:txBody>
+          <a:bodyPr spcFirstLastPara="1" wrap="square" lIns="91425" tIns="91425" rIns="91425" bIns="91425" anchor="t" anchorCtr="0">
+            <a:noAutofit/>
+          </a:bodyPr>
+          <a:lstStyle/>
+          <a:p>
+            <a:pPr lvl="0" algn="ctr">
+              <a:lnSpc>
+                <a:spcPct val="80000"/>
+              </a:lnSpc>
+            </a:pPr>
+            <a:r>
+              <a:rPr lang="ru-RU" sz="3000" dirty="0" smtClean="0">
+                <a:latin typeface="Golos Text Medium" panose="020B0503020202020204" pitchFamily="34" charset="0"/>
+                <a:ea typeface="Proxima Nova Semibold"/>
+                <a:cs typeface="Golos Text Medium" panose="020B0503020202020204" pitchFamily="34" charset="0"/>
+                <a:sym typeface="Proxima Nova Semibold"/>
+              </a:rPr>
+              <a:t>2</a:t>
+            </a:r>
+            <a:r>
+              <a:rPr lang="en-US" sz="3000" dirty="0" smtClean="0">
+                <a:latin typeface="Golos Text Medium" panose="020B0503020202020204" pitchFamily="34" charset="0"/>
+                <a:ea typeface="Proxima Nova Semibold"/>
+                <a:cs typeface="Golos Text Medium" panose="020B0503020202020204" pitchFamily="34" charset="0"/>
+                <a:sym typeface="Proxima Nova Semibold"/>
+              </a:rPr>
+              <a:t>1</a:t>
+            </a:r>
+            <a:endParaRPr lang="ru-RU" sz="3000" dirty="0">
+              <a:latin typeface="Golos Text Medium" panose="020B0503020202020204" pitchFamily="34" charset="0"/>
+              <a:ea typeface="Proxima Nova Semibold"/>
+              <a:cs typeface="Golos Text Medium" panose="020B0503020202020204" pitchFamily="34" charset="0"/>
+              <a:sym typeface="Proxima Nova Semibold"/>
+            </a:endParaRPr>
+          </a:p>
+        </p:txBody>
+      </p:sp>
+      <p:sp>
+        <p:nvSpPr>
+          <p:cNvPr id="820" name="Google Shape;820;p40"/>
+          <p:cNvSpPr txBox="1"/>
+          <p:nvPr/>
+        </p:nvSpPr>
+        <p:spPr>
+          <a:xfrm>
+            <a:off x="581024" y="887892"/>
+            <a:ext cx="16431069" cy="979545"/>
+          </a:xfrm>
+          <a:prstGeom prst="rect">
+            <a:avLst/>
+          </a:prstGeom>
+          <a:noFill/>
+          <a:ln>
+            <a:noFill/>
+          </a:ln>
+        </p:spPr>
+        <p:txBody>
+          <a:bodyPr spcFirstLastPara="1" wrap="square" lIns="91425" tIns="91425" rIns="91425" bIns="91425" anchor="t" anchorCtr="0">
+            <a:noAutofit/>
+          </a:bodyPr>
+          <a:lstStyle/>
+          <a:p>
+            <a:pPr lvl="0" algn="ctr">
+              <a:lnSpc>
+                <a:spcPct val="80000"/>
+              </a:lnSpc>
+            </a:pPr>
+            <a:r>
+              <a:rPr lang="ru-RU" sz="4000" dirty="0" smtClean="0">
+                <a:latin typeface="Golos Text Medium" panose="020B0503020202020204" pitchFamily="34" charset="0"/>
+                <a:ea typeface="Proxima Nova Semibold"/>
+                <a:cs typeface="Golos Text Medium" panose="020B0503020202020204" pitchFamily="34" charset="0"/>
+                <a:sym typeface="Proxima Nova Semibold"/>
+              </a:rPr>
+              <a:t>Сводная таблица результатов при построении различных моделей</a:t>
+            </a:r>
+          </a:p>
+          <a:p>
+            <a:pPr marL="0" lvl="0" indent="0" algn="l" rtl="0">
+              <a:lnSpc>
+                <a:spcPct val="80000"/>
+              </a:lnSpc>
+              <a:spcBef>
+                <a:spcPts val="0"/>
+              </a:spcBef>
+              <a:spcAft>
+                <a:spcPts val="0"/>
+              </a:spcAft>
+              <a:buNone/>
+            </a:pPr>
+            <a:endParaRPr lang="ru-RU" sz="4000" dirty="0">
+              <a:latin typeface="Golos Text Medium" panose="020B0503020202020204" pitchFamily="34" charset="0"/>
+              <a:ea typeface="Proxima Nova Semibold"/>
+              <a:cs typeface="Golos Text Medium" panose="020B0503020202020204" pitchFamily="34" charset="0"/>
+              <a:sym typeface="Proxima Nova Semibold"/>
+            </a:endParaRPr>
+          </a:p>
+          <a:p>
+            <a:pPr marL="0" lvl="0" indent="0" algn="l" rtl="0">
+              <a:lnSpc>
+                <a:spcPct val="80000"/>
+              </a:lnSpc>
+              <a:spcBef>
+                <a:spcPts val="0"/>
+              </a:spcBef>
+              <a:spcAft>
+                <a:spcPts val="0"/>
+              </a:spcAft>
+              <a:buNone/>
+            </a:pPr>
+            <a:endParaRPr sz="4000" dirty="0">
+              <a:latin typeface="Golos Text Medium" panose="020B0503020202020204" pitchFamily="34" charset="0"/>
+              <a:ea typeface="Proxima Nova Semibold"/>
+              <a:cs typeface="Golos Text Medium" panose="020B0503020202020204" pitchFamily="34" charset="0"/>
+              <a:sym typeface="Proxima Nova Semibold"/>
+            </a:endParaRPr>
+          </a:p>
+        </p:txBody>
+      </p:sp>
+      <p:sp>
+        <p:nvSpPr>
+          <p:cNvPr id="821" name="Google Shape;821;p40"/>
+          <p:cNvSpPr txBox="1"/>
+          <p:nvPr/>
+        </p:nvSpPr>
+        <p:spPr>
+          <a:xfrm>
+            <a:off x="710599" y="1825312"/>
+            <a:ext cx="15959615" cy="6937401"/>
+          </a:xfrm>
+          <a:prstGeom prst="rect">
+            <a:avLst/>
+          </a:prstGeom>
+          <a:noFill/>
+          <a:ln>
+            <a:noFill/>
+          </a:ln>
+        </p:spPr>
+        <p:txBody>
+          <a:bodyPr spcFirstLastPara="1" wrap="square" lIns="91425" tIns="91425" rIns="91425" bIns="91425" anchor="t" anchorCtr="0">
+            <a:noAutofit/>
+          </a:bodyPr>
+          <a:lstStyle/>
+          <a:p>
+            <a:pPr lvl="0">
+              <a:lnSpc>
+                <a:spcPct val="80000"/>
+              </a:lnSpc>
+            </a:pPr>
+            <a:endParaRPr lang="ru-RU" sz="2800" dirty="0">
+              <a:solidFill>
+                <a:schemeClr val="tx1"/>
+              </a:solidFill>
+              <a:latin typeface="Golos Text Medium" panose="020B0503020202020204" pitchFamily="34" charset="0"/>
+              <a:ea typeface="Proxima Nova Semibold"/>
+              <a:cs typeface="Golos Text Medium" panose="020B0503020202020204" pitchFamily="34" charset="0"/>
+              <a:sym typeface="Proxima Nova Semibold"/>
+            </a:endParaRPr>
+          </a:p>
+        </p:txBody>
+      </p:sp>
+      <p:sp>
+        <p:nvSpPr>
+          <p:cNvPr id="5" name="Прямоугольник 4"/>
+          <p:cNvSpPr/>
+          <p:nvPr/>
+        </p:nvSpPr>
+        <p:spPr>
+          <a:xfrm>
+            <a:off x="1384976" y="2601401"/>
+            <a:ext cx="184731" cy="307777"/>
+          </a:xfrm>
+          <a:prstGeom prst="rect">
+            <a:avLst/>
+          </a:prstGeom>
+        </p:spPr>
+        <p:txBody>
+          <a:bodyPr wrap="none">
+            <a:spAutoFit/>
+          </a:bodyPr>
+          <a:lstStyle/>
+          <a:p>
+            <a:endParaRPr lang="ru-RU" dirty="0"/>
+          </a:p>
+        </p:txBody>
+      </p:sp>
+      <p:sp>
+        <p:nvSpPr>
+          <p:cNvPr id="2" name="Прямоугольник 1"/>
+          <p:cNvSpPr/>
+          <p:nvPr/>
+        </p:nvSpPr>
+        <p:spPr>
+          <a:xfrm>
+            <a:off x="710600" y="2118199"/>
+            <a:ext cx="9144000" cy="1384995"/>
+          </a:xfrm>
+          <a:prstGeom prst="rect">
+            <a:avLst/>
+          </a:prstGeom>
+        </p:spPr>
+        <p:txBody>
+          <a:bodyPr>
+            <a:spAutoFit/>
+          </a:bodyPr>
+          <a:lstStyle/>
+          <a:p>
+            <a:endParaRPr lang="ru-RU" dirty="0" smtClean="0"/>
+          </a:p>
+          <a:p>
+            <a:endParaRPr lang="ru-RU" dirty="0"/>
+          </a:p>
+          <a:p>
+            <a:endParaRPr lang="ru-RU" dirty="0" smtClean="0"/>
+          </a:p>
+          <a:p>
+            <a:endParaRPr lang="ru-RU" dirty="0"/>
+          </a:p>
+          <a:p>
+            <a:endParaRPr lang="ru-RU" dirty="0" smtClean="0"/>
+          </a:p>
+          <a:p>
+            <a:endParaRPr lang="en-US" dirty="0"/>
+          </a:p>
+        </p:txBody>
+      </p:sp>
+      <p:graphicFrame>
+        <p:nvGraphicFramePr>
+          <p:cNvPr id="8" name="Таблица 7"/>
+          <p:cNvGraphicFramePr>
+            <a:graphicFrameLocks noGrp="1"/>
+          </p:cNvGraphicFramePr>
+          <p:nvPr>
+            <p:extLst>
+              <p:ext uri="{D42A27DB-BD31-4B8C-83A1-F6EECF244321}">
+                <p14:modId xmlns:p14="http://schemas.microsoft.com/office/powerpoint/2010/main" val="731822769"/>
+              </p:ext>
+            </p:extLst>
+          </p:nvPr>
+        </p:nvGraphicFramePr>
+        <p:xfrm>
+          <a:off x="1101970" y="3503194"/>
+          <a:ext cx="16468504" cy="2665575"/>
+        </p:xfrm>
+        <a:graphic>
+          <a:graphicData uri="http://schemas.openxmlformats.org/drawingml/2006/table">
+            <a:tbl>
+              <a:tblPr firstRow="1" bandRow="1">
+                <a:tableStyleId>{5940675A-B579-460E-94D1-54222C63F5DA}</a:tableStyleId>
+              </a:tblPr>
+              <a:tblGrid>
+                <a:gridCol w="2813538">
+                  <a:extLst>
+                    <a:ext uri="{9D8B030D-6E8A-4147-A177-3AD203B41FA5}">
+                      <a16:colId xmlns:a16="http://schemas.microsoft.com/office/drawing/2014/main" val="20000"/>
+                    </a:ext>
+                  </a:extLst>
+                </a:gridCol>
+                <a:gridCol w="4360984">
+                  <a:extLst>
+                    <a:ext uri="{9D8B030D-6E8A-4147-A177-3AD203B41FA5}">
+                      <a16:colId xmlns:a16="http://schemas.microsoft.com/office/drawing/2014/main" val="20001"/>
+                    </a:ext>
+                  </a:extLst>
+                </a:gridCol>
+                <a:gridCol w="3329354">
+                  <a:extLst>
+                    <a:ext uri="{9D8B030D-6E8A-4147-A177-3AD203B41FA5}">
+                      <a16:colId xmlns:a16="http://schemas.microsoft.com/office/drawing/2014/main" val="20002"/>
+                    </a:ext>
+                  </a:extLst>
+                </a:gridCol>
+                <a:gridCol w="5964628">
+                  <a:extLst>
+                    <a:ext uri="{9D8B030D-6E8A-4147-A177-3AD203B41FA5}">
+                      <a16:colId xmlns:a16="http://schemas.microsoft.com/office/drawing/2014/main" val="20003"/>
+                    </a:ext>
+                  </a:extLst>
+                </a:gridCol>
+              </a:tblGrid>
+              <a:tr h="888525">
+                <a:tc>
+                  <a:txBody>
+                    <a:bodyPr/>
+                    <a:lstStyle/>
+                    <a:p>
+                      <a:pPr algn="ctr"/>
+                      <a:r>
+                        <a:rPr lang="ru-RU" sz="2400" dirty="0" smtClean="0">
+                          <a:latin typeface="Golos Text Medium" panose="020B0604020202020204" charset="-52"/>
+                          <a:cs typeface="Golos Text Medium" panose="020B0604020202020204" charset="-52"/>
+                        </a:rPr>
+                        <a:t>Наименование</a:t>
+                      </a:r>
+                      <a:r>
+                        <a:rPr lang="ru-RU" sz="2400" baseline="0" dirty="0" smtClean="0">
+                          <a:latin typeface="Golos Text Medium" panose="020B0604020202020204" charset="-52"/>
+                          <a:cs typeface="Golos Text Medium" panose="020B0604020202020204" charset="-52"/>
+                        </a:rPr>
+                        <a:t> </a:t>
+                      </a:r>
+                      <a:endParaRPr lang="ru-RU" sz="2400" dirty="0">
+                        <a:latin typeface="Golos Text Medium" panose="020B0604020202020204" charset="-52"/>
+                        <a:cs typeface="Golos Text Medium" panose="020B0604020202020204" charset="-52"/>
+                      </a:endParaRPr>
+                    </a:p>
+                  </a:txBody>
+                  <a:tcPr>
+                    <a:solidFill>
+                      <a:schemeClr val="bg2">
+                        <a:lumMod val="40000"/>
+                        <a:lumOff val="60000"/>
+                      </a:schemeClr>
+                    </a:solidFill>
+                  </a:tcPr>
+                </a:tc>
+                <a:tc>
+                  <a:txBody>
+                    <a:bodyPr/>
+                    <a:lstStyle/>
+                    <a:p>
+                      <a:pPr algn="ctr"/>
+                      <a:r>
+                        <a:rPr lang="en-US" sz="2400" dirty="0" smtClean="0">
+                          <a:latin typeface="Golos Text Medium" panose="020B0604020202020204" charset="-52"/>
+                          <a:cs typeface="Golos Text Medium" panose="020B0604020202020204" charset="-52"/>
+                        </a:rPr>
+                        <a:t>DecisionTreeRegressor</a:t>
+                      </a:r>
+                      <a:endParaRPr lang="ru-RU" sz="2400" dirty="0">
+                        <a:latin typeface="Golos Text Medium" panose="020B0604020202020204" charset="-52"/>
+                        <a:cs typeface="Golos Text Medium" panose="020B0604020202020204" charset="-52"/>
+                      </a:endParaRPr>
+                    </a:p>
+                  </a:txBody>
+                  <a:tcPr>
+                    <a:solidFill>
+                      <a:schemeClr val="bg2">
+                        <a:lumMod val="40000"/>
+                        <a:lumOff val="60000"/>
+                      </a:schemeClr>
+                    </a:solidFill>
+                  </a:tcPr>
+                </a:tc>
+                <a:tc>
+                  <a:txBody>
+                    <a:bodyPr/>
+                    <a:lstStyle/>
+                    <a:p>
+                      <a:pPr algn="ctr"/>
+                      <a:r>
+                        <a:rPr lang="en-US" sz="2400" dirty="0" smtClean="0">
+                          <a:latin typeface="Golos Text Medium" panose="020B0604020202020204" charset="-52"/>
+                          <a:cs typeface="Golos Text Medium" panose="020B0604020202020204" charset="-52"/>
+                        </a:rPr>
+                        <a:t>LogisticRegression</a:t>
+                      </a:r>
+                      <a:endParaRPr lang="ru-RU" sz="2400" dirty="0">
+                        <a:latin typeface="Golos Text Medium" panose="020B0604020202020204" charset="-52"/>
+                        <a:cs typeface="Golos Text Medium" panose="020B0604020202020204" charset="-52"/>
+                      </a:endParaRPr>
+                    </a:p>
+                  </a:txBody>
+                  <a:tcPr>
+                    <a:solidFill>
+                      <a:schemeClr val="bg2">
+                        <a:lumMod val="40000"/>
+                        <a:lumOff val="60000"/>
+                      </a:schemeClr>
+                    </a:solidFill>
+                  </a:tcPr>
+                </a:tc>
+                <a:tc>
+                  <a:txBody>
+                    <a:bodyPr/>
+                    <a:lstStyle/>
+                    <a:p>
+                      <a:pPr algn="ctr"/>
+                      <a:r>
+                        <a:rPr lang="en-US" sz="2400" dirty="0" smtClean="0">
+                          <a:latin typeface="Golos Text Medium" panose="020B0604020202020204" charset="-52"/>
+                          <a:cs typeface="Golos Text Medium" panose="020B0604020202020204" charset="-52"/>
+                        </a:rPr>
+                        <a:t>LogisticRegression </a:t>
+                      </a:r>
+                      <a:r>
+                        <a:rPr lang="ru-RU" sz="2400" dirty="0" smtClean="0">
+                          <a:latin typeface="Golos Text Medium" panose="020B0604020202020204" charset="-52"/>
+                          <a:cs typeface="Golos Text Medium" panose="020B0604020202020204" charset="-52"/>
+                        </a:rPr>
+                        <a:t>с подбором параметров </a:t>
+                      </a:r>
+                      <a:endParaRPr lang="ru-RU" sz="2400" dirty="0">
+                        <a:latin typeface="Golos Text Medium" panose="020B0604020202020204" charset="-52"/>
+                        <a:cs typeface="Golos Text Medium" panose="020B0604020202020204" charset="-52"/>
+                      </a:endParaRPr>
+                    </a:p>
+                  </a:txBody>
+                  <a:tcPr>
+                    <a:solidFill>
+                      <a:schemeClr val="bg2">
+                        <a:lumMod val="40000"/>
+                        <a:lumOff val="60000"/>
+                      </a:schemeClr>
+                    </a:solidFill>
+                  </a:tcPr>
+                </a:tc>
+                <a:extLst>
+                  <a:ext uri="{0D108BD9-81ED-4DB2-BD59-A6C34878D82A}">
+                    <a16:rowId xmlns:a16="http://schemas.microsoft.com/office/drawing/2014/main" val="10000"/>
+                  </a:ext>
+                </a:extLst>
+              </a:tr>
+              <a:tr h="888525">
+                <a:tc>
+                  <a:txBody>
+                    <a:bodyPr/>
+                    <a:lstStyle/>
+                    <a:p>
+                      <a:r>
+                        <a:rPr lang="en-US" sz="2400" dirty="0" smtClean="0">
+                          <a:latin typeface="Golos Text Medium" panose="020B0604020202020204" charset="-52"/>
+                          <a:cs typeface="Golos Text Medium" panose="020B0604020202020204" charset="-52"/>
+                        </a:rPr>
+                        <a:t>Test</a:t>
+                      </a:r>
+                      <a:r>
+                        <a:rPr lang="en-US" sz="2400" baseline="0" dirty="0" smtClean="0">
+                          <a:latin typeface="Golos Text Medium" panose="020B0604020202020204" charset="-52"/>
+                          <a:cs typeface="Golos Text Medium" panose="020B0604020202020204" charset="-52"/>
+                        </a:rPr>
+                        <a:t> </a:t>
+                      </a:r>
+                      <a:endParaRPr lang="ru-RU" sz="2400" dirty="0">
+                        <a:latin typeface="Golos Text Medium" panose="020B0604020202020204" charset="-52"/>
+                        <a:cs typeface="Golos Text Medium" panose="020B0604020202020204" charset="-52"/>
+                      </a:endParaRPr>
+                    </a:p>
+                  </a:txBody>
+                  <a:tcPr>
+                    <a:solidFill>
+                      <a:schemeClr val="bg2">
+                        <a:lumMod val="40000"/>
+                        <a:lumOff val="60000"/>
+                      </a:schemeClr>
+                    </a:solidFill>
+                  </a:tcPr>
+                </a:tc>
+                <a:tc>
+                  <a:txBody>
+                    <a:bodyPr/>
+                    <a:lstStyle/>
+                    <a:p>
+                      <a:pPr algn="ctr"/>
+                      <a:r>
+                        <a:rPr lang="ru-RU" sz="2400" dirty="0" smtClean="0">
+                          <a:latin typeface="Golos Text Medium" panose="020B0604020202020204" charset="-52"/>
+                          <a:cs typeface="Golos Text Medium" panose="020B0604020202020204" charset="-52"/>
+                        </a:rPr>
+                        <a:t> 89,39 %</a:t>
+                      </a:r>
+                    </a:p>
+                    <a:p>
+                      <a:pPr algn="ctr"/>
+                      <a:endParaRPr lang="ru-RU" sz="2400" dirty="0">
+                        <a:latin typeface="Golos Text Medium" panose="020B0604020202020204" charset="-52"/>
+                        <a:cs typeface="Golos Text Medium" panose="020B0604020202020204" charset="-52"/>
+                      </a:endParaRPr>
+                    </a:p>
+                  </a:txBody>
+                  <a:tcPr>
+                    <a:solidFill>
+                      <a:schemeClr val="bg2">
+                        <a:lumMod val="40000"/>
+                        <a:lumOff val="60000"/>
+                      </a:schemeClr>
+                    </a:solidFill>
+                  </a:tcPr>
+                </a:tc>
+                <a:tc>
+                  <a:txBody>
+                    <a:bodyPr/>
+                    <a:lstStyle/>
+                    <a:p>
+                      <a:pPr algn="ctr"/>
+                      <a:r>
+                        <a:rPr lang="ru-RU" sz="2400" dirty="0" smtClean="0">
+                          <a:latin typeface="Golos Text Medium" panose="020B0604020202020204" charset="-52"/>
+                          <a:cs typeface="Golos Text Medium" panose="020B0604020202020204" charset="-52"/>
+                        </a:rPr>
+                        <a:t>83,06 %</a:t>
+                      </a:r>
+                    </a:p>
+                    <a:p>
+                      <a:pPr algn="ctr"/>
+                      <a:endParaRPr lang="ru-RU" sz="2400" dirty="0">
+                        <a:latin typeface="Golos Text Medium" panose="020B0604020202020204" charset="-52"/>
+                        <a:cs typeface="Golos Text Medium" panose="020B0604020202020204" charset="-52"/>
+                      </a:endParaRPr>
+                    </a:p>
+                  </a:txBody>
+                  <a:tcPr>
+                    <a:solidFill>
+                      <a:schemeClr val="bg2">
+                        <a:lumMod val="40000"/>
+                        <a:lumOff val="60000"/>
+                      </a:schemeClr>
+                    </a:solidFill>
+                  </a:tcPr>
+                </a:tc>
+                <a:tc>
+                  <a:txBody>
+                    <a:bodyPr/>
+                    <a:lstStyle/>
+                    <a:p>
+                      <a:pPr algn="ctr"/>
+                      <a:r>
+                        <a:rPr lang="ru-RU" sz="2400" dirty="0" smtClean="0">
+                          <a:latin typeface="Golos Text Medium" panose="020B0604020202020204" charset="-52"/>
+                          <a:cs typeface="Golos Text Medium" panose="020B0604020202020204" charset="-52"/>
+                        </a:rPr>
+                        <a:t>85,10 % </a:t>
+                      </a:r>
+                      <a:endParaRPr lang="ru-RU" sz="2400" dirty="0">
+                        <a:latin typeface="Golos Text Medium" panose="020B0604020202020204" charset="-52"/>
+                        <a:cs typeface="Golos Text Medium" panose="020B0604020202020204" charset="-52"/>
+                      </a:endParaRPr>
+                    </a:p>
+                  </a:txBody>
+                  <a:tcPr>
+                    <a:solidFill>
+                      <a:schemeClr val="bg2">
+                        <a:lumMod val="40000"/>
+                        <a:lumOff val="60000"/>
+                      </a:schemeClr>
+                    </a:solidFill>
+                  </a:tcPr>
+                </a:tc>
+                <a:extLst>
+                  <a:ext uri="{0D108BD9-81ED-4DB2-BD59-A6C34878D82A}">
+                    <a16:rowId xmlns:a16="http://schemas.microsoft.com/office/drawing/2014/main" val="10001"/>
+                  </a:ext>
+                </a:extLst>
+              </a:tr>
+              <a:tr h="888525">
+                <a:tc>
+                  <a:txBody>
+                    <a:bodyPr/>
+                    <a:lstStyle/>
+                    <a:p>
+                      <a:r>
+                        <a:rPr lang="en-US" sz="2400" dirty="0" smtClean="0">
+                          <a:latin typeface="Golos Text Medium" panose="020B0604020202020204" charset="-52"/>
+                          <a:cs typeface="Golos Text Medium" panose="020B0604020202020204" charset="-52"/>
+                        </a:rPr>
+                        <a:t>Train</a:t>
+                      </a:r>
+                      <a:endParaRPr lang="ru-RU" sz="2400" dirty="0">
+                        <a:latin typeface="Golos Text Medium" panose="020B0604020202020204" charset="-52"/>
+                        <a:cs typeface="Golos Text Medium" panose="020B0604020202020204" charset="-52"/>
+                      </a:endParaRPr>
+                    </a:p>
+                  </a:txBody>
+                  <a:tcPr>
+                    <a:solidFill>
+                      <a:schemeClr val="bg2">
+                        <a:lumMod val="40000"/>
+                        <a:lumOff val="60000"/>
+                      </a:schemeClr>
+                    </a:solidFill>
+                  </a:tcPr>
+                </a:tc>
+                <a:tc>
+                  <a:txBody>
+                    <a:bodyPr/>
+                    <a:lstStyle/>
+                    <a:p>
+                      <a:pPr algn="ctr"/>
+                      <a:r>
+                        <a:rPr lang="ru-RU" sz="2400" dirty="0" smtClean="0">
+                          <a:latin typeface="Golos Text Medium" panose="020B0604020202020204" charset="-52"/>
+                          <a:cs typeface="Golos Text Medium" panose="020B0604020202020204" charset="-52"/>
+                        </a:rPr>
+                        <a:t>87,91 %</a:t>
+                      </a:r>
+                    </a:p>
+                    <a:p>
+                      <a:pPr algn="ctr"/>
+                      <a:endParaRPr lang="ru-RU" sz="2400" dirty="0">
+                        <a:latin typeface="Golos Text Medium" panose="020B0604020202020204" charset="-52"/>
+                        <a:cs typeface="Golos Text Medium" panose="020B0604020202020204" charset="-52"/>
+                      </a:endParaRPr>
+                    </a:p>
+                  </a:txBody>
+                  <a:tcPr>
+                    <a:solidFill>
+                      <a:schemeClr val="bg2">
+                        <a:lumMod val="40000"/>
+                        <a:lumOff val="60000"/>
+                      </a:schemeClr>
+                    </a:solidFill>
+                  </a:tcPr>
+                </a:tc>
+                <a:tc>
+                  <a:txBody>
+                    <a:bodyPr/>
+                    <a:lstStyle/>
+                    <a:p>
+                      <a:pPr algn="ctr"/>
+                      <a:r>
+                        <a:rPr lang="ru-RU" sz="2400" dirty="0" smtClean="0">
+                          <a:latin typeface="Golos Text Medium" panose="020B0604020202020204" charset="-52"/>
+                          <a:cs typeface="Golos Text Medium" panose="020B0604020202020204" charset="-52"/>
+                        </a:rPr>
+                        <a:t> 84,22 %</a:t>
+                      </a:r>
+                    </a:p>
+                    <a:p>
+                      <a:pPr algn="ctr"/>
+                      <a:endParaRPr lang="ru-RU" sz="2400" dirty="0">
+                        <a:latin typeface="Golos Text Medium" panose="020B0604020202020204" charset="-52"/>
+                        <a:cs typeface="Golos Text Medium" panose="020B0604020202020204" charset="-52"/>
+                      </a:endParaRPr>
+                    </a:p>
+                  </a:txBody>
+                  <a:tcPr>
+                    <a:solidFill>
+                      <a:schemeClr val="bg2">
+                        <a:lumMod val="40000"/>
+                        <a:lumOff val="60000"/>
+                      </a:schemeClr>
+                    </a:solidFill>
+                  </a:tcPr>
+                </a:tc>
+                <a:tc>
+                  <a:txBody>
+                    <a:bodyPr/>
+                    <a:lstStyle/>
+                    <a:p>
+                      <a:pPr algn="ctr"/>
+                      <a:r>
+                        <a:rPr lang="en-US" sz="2400" dirty="0" smtClean="0">
+                          <a:latin typeface="Golos Text Medium" panose="020B0604020202020204" charset="-52"/>
+                          <a:cs typeface="Golos Text Medium" panose="020B0604020202020204" charset="-52"/>
+                        </a:rPr>
+                        <a:t>-</a:t>
+                      </a:r>
+                      <a:endParaRPr lang="ru-RU" sz="2400" dirty="0">
+                        <a:latin typeface="Golos Text Medium" panose="020B0604020202020204" charset="-52"/>
+                        <a:cs typeface="Golos Text Medium" panose="020B0604020202020204" charset="-52"/>
+                      </a:endParaRPr>
+                    </a:p>
+                  </a:txBody>
+                  <a:tcPr>
+                    <a:solidFill>
+                      <a:schemeClr val="bg2">
+                        <a:lumMod val="40000"/>
+                        <a:lumOff val="60000"/>
+                      </a:schemeClr>
+                    </a:solidFill>
+                  </a:tcPr>
+                </a:tc>
+                <a:extLst>
+                  <a:ext uri="{0D108BD9-81ED-4DB2-BD59-A6C34878D82A}">
+                    <a16:rowId xmlns:a16="http://schemas.microsoft.com/office/drawing/2014/main" val="10002"/>
+                  </a:ext>
+                </a:extLst>
+              </a:tr>
+            </a:tbl>
+          </a:graphicData>
+        </a:graphic>
+      </p:graphicFrame>
+    </p:spTree>
+    <p:extLst>
+      <p:ext uri="{BB962C8B-B14F-4D97-AF65-F5344CB8AC3E}">
+        <p14:creationId xmlns:p14="http://schemas.microsoft.com/office/powerpoint/2010/main" val="709192275"/>
+      </p:ext>
+    </p:extLst>
+  </p:cSld>
+  <p:clrMapOvr>
+    <a:masterClrMapping/>
+  </p:clrMapOvr>
+</p:sld>
+</file>
+
+<file path=ppt/slides/slide25.xml><?xml version="1.0" encoding="utf-8"?>
 <p:sld xmlns:a="http://schemas.openxmlformats.org/drawingml/2006/main" xmlns:r="http://schemas.openxmlformats.org/officeDocument/2006/relationships" xmlns:p="http://schemas.openxmlformats.org/presentationml/2006/main">
   <p:cSld>
     <p:spTree>
@@ -23241,30 +24611,48 @@
           </a:p>
         </p:txBody>
       </p:sp>
-      <p:pic>
-        <p:nvPicPr>
-          <p:cNvPr id="8" name="Рисунок 7"/>
-          <p:cNvPicPr>
-            <a:picLocks noChangeAspect="1"/>
-          </p:cNvPicPr>
+      <p:sp>
+        <p:nvSpPr>
+          <p:cNvPr id="6" name="Прямоугольник 5"/>
+          <p:cNvSpPr/>
           <p:nvPr/>
-        </p:nvPicPr>
-        <p:blipFill>
-          <a:blip r:embed="rId4"/>
-          <a:stretch>
-            <a:fillRect/>
-          </a:stretch>
-        </p:blipFill>
+        </p:nvSpPr>
         <p:spPr>
           <a:xfrm>
-            <a:off x="16837382" y="8741544"/>
-            <a:ext cx="890093" cy="1066892"/>
+            <a:off x="17084976" y="9007268"/>
+            <a:ext cx="639919" cy="553998"/>
           </a:xfrm>
           <a:prstGeom prst="rect">
             <a:avLst/>
           </a:prstGeom>
         </p:spPr>
-      </p:pic>
+        <p:txBody>
+          <a:bodyPr wrap="none">
+            <a:spAutoFit/>
+          </a:bodyPr>
+          <a:lstStyle/>
+          <a:p>
+            <a:r>
+              <a:rPr lang="ru-RU" sz="3000" dirty="0" smtClean="0">
+                <a:latin typeface="Golos Text Medium" panose="020B0604020202020204" charset="-52"/>
+                <a:cs typeface="Golos Text Medium" panose="020B0604020202020204" charset="-52"/>
+              </a:rPr>
+              <a:t>2</a:t>
+            </a:r>
+            <a:r>
+              <a:rPr lang="en-US" sz="3000" dirty="0" smtClean="0">
+                <a:latin typeface="Golos Text Medium" panose="020B0604020202020204" charset="-52"/>
+                <a:cs typeface="Golos Text Medium" panose="020B0604020202020204" charset="-52"/>
+              </a:rPr>
+              <a:t>2</a:t>
+            </a:r>
+            <a:endParaRPr lang="ru-RU" sz="3000" dirty="0" smtClean="0">
+              <a:latin typeface="Golos Text Medium" panose="020B0604020202020204" charset="-52"/>
+              <a:cs typeface="Golos Text Medium" panose="020B0604020202020204" charset="-52"/>
+            </a:endParaRPr>
+          </a:p>
+        </p:txBody>
+      </p:sp>
     </p:spTree>
   </p:cSld>
   <p:clrMapOvr>
@@ -23273,7 +24661,7 @@
 </p:sld>
 </file>
 
-<file path=ppt/slides/slide25.xml><?xml version="1.0" encoding="utf-8"?>
+<file path=ppt/slides/slide26.xml><?xml version="1.0" encoding="utf-8"?>
 <p:sld xmlns:a="http://schemas.openxmlformats.org/drawingml/2006/main" xmlns:r="http://schemas.openxmlformats.org/officeDocument/2006/relationships" xmlns:p="http://schemas.openxmlformats.org/presentationml/2006/main">
   <p:cSld>
     <p:spTree>
@@ -23474,7 +24862,7 @@
         <p:spPr>
           <a:xfrm>
             <a:off x="704850" y="2006105"/>
-            <a:ext cx="16761320" cy="7109639"/>
+            <a:ext cx="16761320" cy="7478970"/>
           </a:xfrm>
           <a:prstGeom prst="rect">
             <a:avLst/>
@@ -23485,64 +24873,6 @@
             <a:spAutoFit/>
           </a:bodyPr>
           <a:lstStyle/>
-          <a:p>
-            <a:r>
-              <a:rPr lang="ru-RU" sz="2400" dirty="0" smtClean="0">
-                <a:latin typeface="Golos Text Medium" panose="020B0604020202020204" charset="-52"/>
-                <a:cs typeface="Golos Text Medium" panose="020B0604020202020204" charset="-52"/>
-              </a:rPr>
-              <a:t>Ситуация в компании</a:t>
-            </a:r>
-            <a:r>
-              <a:rPr lang="en-US" sz="2400" dirty="0" smtClean="0">
-                <a:latin typeface="Golos Text Medium" panose="020B0604020202020204" charset="-52"/>
-                <a:cs typeface="Golos Text Medium" panose="020B0604020202020204" charset="-52"/>
-              </a:rPr>
-              <a:t> ZZZ</a:t>
-            </a:r>
-            <a:r>
-              <a:rPr lang="ru-RU" sz="2400" dirty="0" smtClean="0">
-                <a:latin typeface="Golos Text Medium" panose="020B0604020202020204" charset="-52"/>
-                <a:cs typeface="Golos Text Medium" panose="020B0604020202020204" charset="-52"/>
-              </a:rPr>
-              <a:t> с текучестью кадров  находится в зоне риска и составляет 16% за год.</a:t>
-            </a:r>
-            <a:r>
-              <a:rPr lang="en-US" sz="2400" dirty="0" smtClean="0">
-                <a:latin typeface="Golos Text Medium" panose="020B0604020202020204" charset="-52"/>
-                <a:cs typeface="Golos Text Medium" panose="020B0604020202020204" charset="-52"/>
-              </a:rPr>
-              <a:t> </a:t>
-            </a:r>
-            <a:endParaRPr lang="ru-RU" sz="2400" dirty="0" smtClean="0">
-              <a:latin typeface="Golos Text Medium" panose="020B0604020202020204" charset="-52"/>
-              <a:cs typeface="Golos Text Medium" panose="020B0604020202020204" charset="-52"/>
-            </a:endParaRPr>
-          </a:p>
-          <a:p>
-            <a:endParaRPr lang="ru-RU" sz="2400" dirty="0" smtClean="0">
-              <a:latin typeface="Golos Text Medium" panose="020B0604020202020204" charset="-52"/>
-              <a:cs typeface="Golos Text Medium" panose="020B0604020202020204" charset="-52"/>
-            </a:endParaRPr>
-          </a:p>
-          <a:p>
-            <a:r>
-              <a:rPr lang="ru-RU" sz="2400" dirty="0" smtClean="0">
-                <a:latin typeface="Golos Text Medium" panose="020B0604020202020204" charset="-52"/>
-                <a:cs typeface="Golos Text Medium" panose="020B0604020202020204" charset="-52"/>
-              </a:rPr>
-              <a:t> Согласно рекомендуемым нормам, для эффективного функционирования компании, </a:t>
-            </a:r>
-          </a:p>
-          <a:p>
-            <a:r>
-              <a:rPr lang="ru-RU" sz="2400" dirty="0" smtClean="0">
-                <a:latin typeface="Golos Text Medium" panose="020B0604020202020204" charset="-52"/>
-                <a:cs typeface="Golos Text Medium" panose="020B0604020202020204" charset="-52"/>
-              </a:rPr>
-              <a:t>принимаем допустимую цифру  увольнения сотрудников в год не более 12%.</a:t>
-            </a:r>
-          </a:p>
           <a:p>
             <a:endParaRPr lang="ru-RU" sz="2400" dirty="0" smtClean="0">
               <a:latin typeface="Golos Text Medium" panose="020B0604020202020204" charset="-52"/>
@@ -23770,6 +25100,48 @@
             </a:r>
           </a:p>
           <a:p>
+            <a:endParaRPr lang="en-US" sz="2400" dirty="0" smtClean="0">
+              <a:latin typeface="Golos Text Medium" panose="020B0604020202020204" charset="-52"/>
+              <a:cs typeface="Golos Text Medium" panose="020B0604020202020204" charset="-52"/>
+            </a:endParaRPr>
+          </a:p>
+          <a:p>
+            <a:r>
+              <a:rPr lang="ru-RU" sz="2400" dirty="0">
+                <a:latin typeface="Golos Text Medium" panose="020B0604020202020204" charset="-52"/>
+                <a:cs typeface="Golos Text Medium" panose="020B0604020202020204" charset="-52"/>
+              </a:rPr>
+              <a:t>Семейное положение - важный признак, влияющий на увольнение. </a:t>
+            </a:r>
+          </a:p>
+          <a:p>
+            <a:r>
+              <a:rPr lang="ru-RU" sz="2400" dirty="0">
+                <a:latin typeface="Golos Text Medium" panose="020B0604020202020204" charset="-52"/>
+                <a:cs typeface="Golos Text Medium" panose="020B0604020202020204" charset="-52"/>
+              </a:rPr>
+              <a:t>   - Наиболее часто увольняются сотрудники не состоящие в браке.</a:t>
+            </a:r>
+          </a:p>
+          <a:p>
+            <a:r>
+              <a:rPr lang="ru-RU" sz="2400" dirty="0">
+                <a:latin typeface="Golos Text Medium" panose="020B0604020202020204" charset="-52"/>
+                <a:cs typeface="Golos Text Medium" panose="020B0604020202020204" charset="-52"/>
+              </a:rPr>
+              <a:t>     (Для снижения данного фактора на ситуацию в компании с увольнениями, необходимо снизить долю</a:t>
+            </a:r>
+          </a:p>
+          <a:p>
+            <a:r>
+              <a:rPr lang="ru-RU" sz="2400" dirty="0">
+                <a:latin typeface="Golos Text Medium" panose="020B0604020202020204" charset="-52"/>
+                <a:cs typeface="Golos Text Medium" panose="020B0604020202020204" charset="-52"/>
+              </a:rPr>
+              <a:t>       одиноких сотрудников в компании) </a:t>
+            </a:r>
+          </a:p>
+          <a:p>
             <a:endParaRPr lang="ru-RU" sz="2400" dirty="0" smtClean="0">
               <a:latin typeface="Golos Text Medium" panose="020B0604020202020204" charset="-52"/>
               <a:cs typeface="Golos Text Medium" panose="020B0604020202020204" charset="-52"/>
@@ -23817,201 +25189,16 @@
           </a:p>
         </p:txBody>
       </p:sp>
-      <p:pic>
-        <p:nvPicPr>
-          <p:cNvPr id="7" name="Рисунок 6"/>
-          <p:cNvPicPr>
-            <a:picLocks noChangeAspect="1"/>
-          </p:cNvPicPr>
-          <p:nvPr/>
-        </p:nvPicPr>
-        <p:blipFill>
-          <a:blip r:embed="rId4"/>
-          <a:stretch>
-            <a:fillRect/>
-          </a:stretch>
-        </p:blipFill>
-        <p:spPr>
-          <a:xfrm>
-            <a:off x="16960690" y="8582298"/>
-            <a:ext cx="890093" cy="1066892"/>
-          </a:xfrm>
-          <a:prstGeom prst="rect">
-            <a:avLst/>
-          </a:prstGeom>
-        </p:spPr>
-      </p:pic>
-    </p:spTree>
-    <p:extLst>
-      <p:ext uri="{BB962C8B-B14F-4D97-AF65-F5344CB8AC3E}">
-        <p14:creationId xmlns:p14="http://schemas.microsoft.com/office/powerpoint/2010/main" val="438500817"/>
-      </p:ext>
-    </p:extLst>
-  </p:cSld>
-  <p:clrMapOvr>
-    <a:masterClrMapping/>
-  </p:clrMapOvr>
-</p:sld>
-</file>
-
-<file path=ppt/slides/slide26.xml><?xml version="1.0" encoding="utf-8"?>
-<p:sld xmlns:a="http://schemas.openxmlformats.org/drawingml/2006/main" xmlns:r="http://schemas.openxmlformats.org/officeDocument/2006/relationships" xmlns:p="http://schemas.openxmlformats.org/presentationml/2006/main">
-  <p:cSld>
-    <p:spTree>
-      <p:nvGrpSpPr>
-        <p:cNvPr id="1" name="Shape 1020"/>
-        <p:cNvGrpSpPr/>
-        <p:nvPr/>
-      </p:nvGrpSpPr>
-      <p:grpSpPr>
-        <a:xfrm>
-          <a:off x="0" y="0"/>
-          <a:ext cx="0" cy="0"/>
-          <a:chOff x="0" y="0"/>
-          <a:chExt cx="0" cy="0"/>
-        </a:xfrm>
-      </p:grpSpPr>
       <p:sp>
         <p:nvSpPr>
-          <p:cNvPr id="1021" name="Google Shape;1021;p52"/>
-          <p:cNvSpPr txBox="1"/>
-          <p:nvPr/>
-        </p:nvSpPr>
-        <p:spPr>
-          <a:xfrm>
-            <a:off x="742950" y="621911"/>
-            <a:ext cx="3390900" cy="859686"/>
-          </a:xfrm>
-          <a:prstGeom prst="rect">
-            <a:avLst/>
-          </a:prstGeom>
-          <a:noFill/>
-          <a:ln>
-            <a:noFill/>
-          </a:ln>
-        </p:spPr>
-        <p:txBody>
-          <a:bodyPr spcFirstLastPara="1" wrap="square" lIns="91425" tIns="91425" rIns="91425" bIns="91425" anchor="t" anchorCtr="0">
-            <a:noAutofit/>
-          </a:bodyPr>
-          <a:lstStyle/>
-          <a:p>
-            <a:pPr marL="0" lvl="0" indent="0" algn="l" rtl="0">
-              <a:lnSpc>
-                <a:spcPct val="80000"/>
-              </a:lnSpc>
-              <a:spcBef>
-                <a:spcPts val="0"/>
-              </a:spcBef>
-              <a:spcAft>
-                <a:spcPts val="0"/>
-              </a:spcAft>
-              <a:buNone/>
-            </a:pPr>
-            <a:r>
-              <a:rPr lang="ru" sz="5000" dirty="0" smtClean="0">
-                <a:solidFill>
-                  <a:schemeClr val="tx1"/>
-                </a:solidFill>
-                <a:latin typeface="Golos Text Medium" panose="020B0503020202020204" pitchFamily="34" charset="0"/>
-                <a:ea typeface="Proxima Nova Semibold"/>
-                <a:cs typeface="Golos Text Medium" panose="020B0503020202020204" pitchFamily="34" charset="0"/>
-                <a:sym typeface="Proxima Nova Semibold"/>
-              </a:rPr>
-              <a:t>Выводы</a:t>
-            </a:r>
-            <a:endParaRPr sz="5000" dirty="0">
-              <a:solidFill>
-                <a:schemeClr val="tx1"/>
-              </a:solidFill>
-              <a:latin typeface="Golos Text Medium" panose="020B0503020202020204" pitchFamily="34" charset="0"/>
-              <a:ea typeface="Proxima Nova Semibold"/>
-              <a:cs typeface="Golos Text Medium" panose="020B0503020202020204" pitchFamily="34" charset="0"/>
-              <a:sym typeface="Proxima Nova Semibold"/>
-            </a:endParaRPr>
-          </a:p>
-        </p:txBody>
-      </p:sp>
-      <p:sp>
-        <p:nvSpPr>
-          <p:cNvPr id="1029" name="Google Shape;1029;p52"/>
-          <p:cNvSpPr txBox="1"/>
-          <p:nvPr/>
-        </p:nvSpPr>
-        <p:spPr>
-          <a:xfrm>
-            <a:off x="6362700" y="5753100"/>
-            <a:ext cx="4911000" cy="1752600"/>
-          </a:xfrm>
-          <a:prstGeom prst="rect">
-            <a:avLst/>
-          </a:prstGeom>
-          <a:noFill/>
-          <a:ln>
-            <a:noFill/>
-          </a:ln>
-        </p:spPr>
-        <p:txBody>
-          <a:bodyPr spcFirstLastPara="1" wrap="square" lIns="91425" tIns="91425" rIns="91425" bIns="91425" anchor="t" anchorCtr="0">
-            <a:noAutofit/>
-          </a:bodyPr>
-          <a:lstStyle/>
-          <a:p>
-            <a:pPr marL="0" lvl="0" indent="0" algn="l" rtl="0">
-              <a:lnSpc>
-                <a:spcPct val="90000"/>
-              </a:lnSpc>
-              <a:spcBef>
-                <a:spcPts val="0"/>
-              </a:spcBef>
-              <a:spcAft>
-                <a:spcPts val="0"/>
-              </a:spcAft>
-              <a:buNone/>
-            </a:pPr>
-            <a:endParaRPr sz="3200" dirty="0">
-              <a:latin typeface="Golos Text" panose="020B0503020202020204" pitchFamily="34" charset="0"/>
-              <a:ea typeface="Proxima Nova"/>
-              <a:cs typeface="Golos Text" panose="020B0503020202020204" pitchFamily="34" charset="0"/>
-              <a:sym typeface="Proxima Nova"/>
-            </a:endParaRPr>
-          </a:p>
-        </p:txBody>
-      </p:sp>
-      <p:pic>
-        <p:nvPicPr>
-          <p:cNvPr id="2" name="Рисунок 1"/>
-          <p:cNvPicPr>
-            <a:picLocks noChangeAspect="1"/>
-          </p:cNvPicPr>
-          <p:nvPr/>
-        </p:nvPicPr>
-        <p:blipFill>
-          <a:blip r:embed="rId3"/>
-          <a:stretch>
-            <a:fillRect/>
-          </a:stretch>
-        </p:blipFill>
-        <p:spPr>
-          <a:xfrm>
-            <a:off x="524450" y="621911"/>
-            <a:ext cx="16881287" cy="18290"/>
-          </a:xfrm>
-          <a:prstGeom prst="rect">
-            <a:avLst/>
-          </a:prstGeom>
-        </p:spPr>
-      </p:pic>
-      <p:sp>
-        <p:nvSpPr>
-          <p:cNvPr id="3" name="Прямоугольник 2"/>
+          <p:cNvPr id="6" name="Прямоугольник 5"/>
           <p:cNvSpPr/>
           <p:nvPr/>
         </p:nvSpPr>
         <p:spPr>
           <a:xfrm>
-            <a:off x="704850" y="1298219"/>
-            <a:ext cx="12617557" cy="707886"/>
+            <a:off x="17085777" y="9157203"/>
+            <a:ext cx="641522" cy="553998"/>
           </a:xfrm>
           <a:prstGeom prst="rect">
             <a:avLst/>
@@ -24024,280 +25211,30 @@
           <a:lstStyle/>
           <a:p>
             <a:r>
-              <a:rPr lang="ru-RU" sz="4000" dirty="0" smtClean="0">
-                <a:solidFill>
-                  <a:srgbClr val="4BD1A0"/>
-                </a:solidFill>
+              <a:rPr lang="ru-RU" sz="3000" dirty="0" smtClean="0">
                 <a:latin typeface="Golos Text Medium" panose="020B0604020202020204" charset="-52"/>
                 <a:cs typeface="Golos Text Medium" panose="020B0604020202020204" charset="-52"/>
               </a:rPr>
-              <a:t>План </a:t>
+              <a:t>2</a:t>
             </a:r>
             <a:r>
-              <a:rPr lang="ru-RU" sz="4000" dirty="0">
-                <a:solidFill>
-                  <a:srgbClr val="4BD1A0"/>
-                </a:solidFill>
+              <a:rPr lang="en-US" sz="3000" dirty="0" smtClean="0">
                 <a:latin typeface="Golos Text Medium" panose="020B0604020202020204" charset="-52"/>
                 <a:cs typeface="Golos Text Medium" panose="020B0604020202020204" charset="-52"/>
               </a:rPr>
-              <a:t>мероприятий для снижения оттока кадров </a:t>
+              <a:t>3</a:t>
             </a:r>
-          </a:p>
-        </p:txBody>
-      </p:sp>
-      <p:sp>
-        <p:nvSpPr>
-          <p:cNvPr id="4" name="Прямоугольник 3"/>
-          <p:cNvSpPr/>
-          <p:nvPr/>
-        </p:nvSpPr>
-        <p:spPr>
-          <a:xfrm>
-            <a:off x="742950" y="2686385"/>
-            <a:ext cx="16091265" cy="4154984"/>
-          </a:xfrm>
-          <a:prstGeom prst="rect">
-            <a:avLst/>
-          </a:prstGeom>
-        </p:spPr>
-        <p:txBody>
-          <a:bodyPr wrap="none">
-            <a:spAutoFit/>
-          </a:bodyPr>
-          <a:lstStyle/>
-          <a:p>
-            <a:r>
-              <a:rPr lang="ru-RU" sz="2400" dirty="0" smtClean="0">
-                <a:latin typeface="Golos Text Medium" panose="020B0604020202020204" charset="-52"/>
-                <a:cs typeface="Golos Text Medium" panose="020B0604020202020204" charset="-52"/>
-              </a:rPr>
-              <a:t>Ситуация в компании</a:t>
-            </a:r>
-            <a:r>
-              <a:rPr lang="en-US" sz="2400" dirty="0" smtClean="0">
-                <a:latin typeface="Golos Text Medium" panose="020B0604020202020204" charset="-52"/>
-                <a:cs typeface="Golos Text Medium" panose="020B0604020202020204" charset="-52"/>
-              </a:rPr>
-              <a:t> ZZZ</a:t>
-            </a:r>
-            <a:r>
-              <a:rPr lang="ru-RU" sz="2400" dirty="0" smtClean="0">
-                <a:latin typeface="Golos Text Medium" panose="020B0604020202020204" charset="-52"/>
-                <a:cs typeface="Golos Text Medium" panose="020B0604020202020204" charset="-52"/>
-              </a:rPr>
-              <a:t> с текучестью кадров  находится в зоне риска и составляет 16% за год.</a:t>
-            </a:r>
-            <a:r>
-              <a:rPr lang="en-US" sz="2400" dirty="0" smtClean="0">
-                <a:latin typeface="Golos Text Medium" panose="020B0604020202020204" charset="-52"/>
-                <a:cs typeface="Golos Text Medium" panose="020B0604020202020204" charset="-52"/>
-              </a:rPr>
-              <a:t> </a:t>
-            </a:r>
-            <a:endParaRPr lang="ru-RU" sz="2400" dirty="0" smtClean="0">
-              <a:latin typeface="Golos Text Medium" panose="020B0604020202020204" charset="-52"/>
-              <a:cs typeface="Golos Text Medium" panose="020B0604020202020204" charset="-52"/>
-            </a:endParaRPr>
-          </a:p>
-          <a:p>
-            <a:endParaRPr lang="ru-RU" sz="2400" dirty="0" smtClean="0">
-              <a:latin typeface="Golos Text Medium" panose="020B0604020202020204" charset="-52"/>
-              <a:cs typeface="Golos Text Medium" panose="020B0604020202020204" charset="-52"/>
-            </a:endParaRPr>
-          </a:p>
-          <a:p>
-            <a:r>
-              <a:rPr lang="ru-RU" sz="2400" dirty="0" smtClean="0">
-                <a:latin typeface="Golos Text Medium" panose="020B0604020202020204" charset="-52"/>
-                <a:cs typeface="Golos Text Medium" panose="020B0604020202020204" charset="-52"/>
-              </a:rPr>
-              <a:t> Согласно рекомендуемым нормам, для эффективного функционирования компании, </a:t>
-            </a:r>
-          </a:p>
-          <a:p>
-            <a:r>
-              <a:rPr lang="ru-RU" sz="2400" dirty="0" smtClean="0">
-                <a:latin typeface="Golos Text Medium" panose="020B0604020202020204" charset="-52"/>
-                <a:cs typeface="Golos Text Medium" panose="020B0604020202020204" charset="-52"/>
-              </a:rPr>
-              <a:t>принимаем допустимую цифру  увольнения сотрудников в год не более 12%.</a:t>
-            </a:r>
-          </a:p>
-          <a:p>
-            <a:endParaRPr lang="ru-RU" sz="2400" dirty="0" smtClean="0">
-              <a:latin typeface="Golos Text Medium" panose="020B0604020202020204" charset="-52"/>
-              <a:cs typeface="Golos Text Medium" panose="020B0604020202020204" charset="-52"/>
-            </a:endParaRPr>
-          </a:p>
-          <a:p>
-            <a:r>
-              <a:rPr lang="ru-RU" sz="2400" dirty="0" smtClean="0">
-                <a:latin typeface="Golos Text Medium" panose="020B0604020202020204" charset="-52"/>
-                <a:cs typeface="Golos Text Medium" panose="020B0604020202020204" charset="-52"/>
-              </a:rPr>
-              <a:t>Семейное положение - </a:t>
-            </a:r>
-            <a:r>
-              <a:rPr lang="ru-RU" sz="2400" dirty="0">
-                <a:latin typeface="Golos Text Medium" panose="020B0604020202020204" charset="-52"/>
-                <a:cs typeface="Golos Text Medium" panose="020B0604020202020204" charset="-52"/>
-              </a:rPr>
-              <a:t>важный признак, влияющий на увольнение. </a:t>
-            </a:r>
-            <a:endParaRPr lang="en-US" sz="2400" dirty="0" smtClean="0">
-              <a:latin typeface="Golos Text Medium" panose="020B0604020202020204" charset="-52"/>
-              <a:cs typeface="Golos Text Medium" panose="020B0604020202020204" charset="-52"/>
-            </a:endParaRPr>
-          </a:p>
-          <a:p>
-            <a:r>
-              <a:rPr lang="en-US" sz="2400" dirty="0" smtClean="0">
-                <a:latin typeface="Golos Text Medium" panose="020B0604020202020204" charset="-52"/>
-                <a:cs typeface="Golos Text Medium" panose="020B0604020202020204" charset="-52"/>
-              </a:rPr>
-              <a:t>   - </a:t>
-            </a:r>
-            <a:r>
-              <a:rPr lang="ru-RU" sz="2400" dirty="0" smtClean="0">
-                <a:latin typeface="Golos Text Medium" panose="020B0604020202020204" charset="-52"/>
-                <a:cs typeface="Golos Text Medium" panose="020B0604020202020204" charset="-52"/>
-              </a:rPr>
-              <a:t>Наиболее </a:t>
-            </a:r>
-            <a:r>
-              <a:rPr lang="ru-RU" sz="2400" dirty="0">
-                <a:latin typeface="Golos Text Medium" panose="020B0604020202020204" charset="-52"/>
-                <a:cs typeface="Golos Text Medium" panose="020B0604020202020204" charset="-52"/>
-              </a:rPr>
-              <a:t>часто увольняются </a:t>
-            </a:r>
-            <a:r>
-              <a:rPr lang="ru-RU" sz="2400" dirty="0" smtClean="0">
-                <a:latin typeface="Golos Text Medium" panose="020B0604020202020204" charset="-52"/>
-                <a:cs typeface="Golos Text Medium" panose="020B0604020202020204" charset="-52"/>
-              </a:rPr>
-              <a:t>сотрудники не состоящие в браке.</a:t>
-            </a:r>
-          </a:p>
-          <a:p>
-            <a:r>
-              <a:rPr lang="ru-RU" sz="2400" dirty="0" smtClean="0">
-                <a:latin typeface="Golos Text Medium" panose="020B0604020202020204" charset="-52"/>
-                <a:cs typeface="Golos Text Medium" panose="020B0604020202020204" charset="-52"/>
-              </a:rPr>
-              <a:t>     (Для снижения данного фактора на ситуацию в компании с увольнениями, необходимо снизить долю</a:t>
-            </a:r>
-          </a:p>
-          <a:p>
-            <a:r>
-              <a:rPr lang="ru-RU" sz="2400" dirty="0">
-                <a:latin typeface="Golos Text Medium" panose="020B0604020202020204" charset="-52"/>
-                <a:cs typeface="Golos Text Medium" panose="020B0604020202020204" charset="-52"/>
-              </a:rPr>
-              <a:t> </a:t>
-            </a:r>
-            <a:r>
-              <a:rPr lang="ru-RU" sz="2400" dirty="0" smtClean="0">
-                <a:latin typeface="Golos Text Medium" panose="020B0604020202020204" charset="-52"/>
-                <a:cs typeface="Golos Text Medium" panose="020B0604020202020204" charset="-52"/>
-              </a:rPr>
-              <a:t>      одиноких сотрудников в компании) </a:t>
-            </a:r>
-          </a:p>
-          <a:p>
-            <a:endParaRPr lang="ru-RU" sz="2400" dirty="0" smtClean="0">
-              <a:latin typeface="Golos Text Medium" panose="020B0604020202020204" charset="-52"/>
-              <a:cs typeface="Golos Text Medium" panose="020B0604020202020204" charset="-52"/>
-            </a:endParaRPr>
-          </a:p>
-          <a:p>
-            <a:endParaRPr lang="ru-RU" sz="2400" dirty="0" smtClean="0">
+            <a:endParaRPr lang="ru-RU" sz="3000" dirty="0">
               <a:latin typeface="Golos Text Medium" panose="020B0604020202020204" charset="-52"/>
               <a:cs typeface="Golos Text Medium" panose="020B0604020202020204" charset="-52"/>
             </a:endParaRPr>
           </a:p>
         </p:txBody>
       </p:sp>
-      <p:sp>
-        <p:nvSpPr>
-          <p:cNvPr id="6" name="Прямоугольник 5"/>
-          <p:cNvSpPr/>
-          <p:nvPr/>
-        </p:nvSpPr>
-        <p:spPr>
-          <a:xfrm>
-            <a:off x="17121685" y="7758570"/>
-            <a:ext cx="500458" cy="707886"/>
-          </a:xfrm>
-          <a:prstGeom prst="rect">
-            <a:avLst/>
-          </a:prstGeom>
-        </p:spPr>
-        <p:txBody>
-          <a:bodyPr wrap="none">
-            <a:spAutoFit/>
-          </a:bodyPr>
-          <a:lstStyle/>
-          <a:p>
-            <a:r>
-              <a:rPr lang="ru-RU" sz="4000" dirty="0" smtClean="0">
-                <a:latin typeface="Golos Text Medium" panose="020B0604020202020204" charset="-52"/>
-                <a:cs typeface="Golos Text Medium" panose="020B0604020202020204" charset="-52"/>
-              </a:rPr>
-              <a:t>6</a:t>
-            </a:r>
-            <a:endParaRPr lang="ru-RU" sz="4000" dirty="0">
-              <a:latin typeface="Golos Text Medium" panose="020B0604020202020204" charset="-52"/>
-              <a:cs typeface="Golos Text Medium" panose="020B0604020202020204" charset="-52"/>
-            </a:endParaRPr>
-          </a:p>
-        </p:txBody>
-      </p:sp>
-      <p:sp>
-        <p:nvSpPr>
-          <p:cNvPr id="5" name="Прямоугольник 4"/>
-          <p:cNvSpPr/>
-          <p:nvPr/>
-        </p:nvSpPr>
-        <p:spPr>
-          <a:xfrm>
-            <a:off x="1178560" y="8481845"/>
-            <a:ext cx="9144000" cy="830997"/>
-          </a:xfrm>
-          <a:prstGeom prst="rect">
-            <a:avLst/>
-          </a:prstGeom>
-        </p:spPr>
-        <p:txBody>
-          <a:bodyPr>
-            <a:spAutoFit/>
-          </a:bodyPr>
-          <a:lstStyle/>
-          <a:p>
-            <a:r>
-              <a:rPr lang="ru-RU" sz="2400" dirty="0">
-                <a:latin typeface="Golos Text" panose="020B0604020202020204" charset="-52"/>
-                <a:cs typeface="Golos Text" panose="020B0604020202020204" charset="-52"/>
-              </a:rPr>
-              <a:t>Горбунов Михаил</a:t>
-            </a:r>
-          </a:p>
-          <a:p>
-            <a:r>
-              <a:rPr lang="ru-RU" sz="2400" dirty="0">
-                <a:latin typeface="Golos Text" panose="020B0604020202020204" charset="-52"/>
-                <a:cs typeface="Golos Text" panose="020B0604020202020204" charset="-52"/>
-              </a:rPr>
-              <a:t>Группа DS - 25</a:t>
-            </a:r>
-          </a:p>
-        </p:txBody>
-      </p:sp>
     </p:spTree>
     <p:extLst>
       <p:ext uri="{BB962C8B-B14F-4D97-AF65-F5344CB8AC3E}">
-        <p14:creationId xmlns:p14="http://schemas.microsoft.com/office/powerpoint/2010/main" val="4193104820"/>
+        <p14:creationId xmlns:p14="http://schemas.microsoft.com/office/powerpoint/2010/main" val="438500817"/>
       </p:ext>
     </p:extLst>
   </p:cSld>
@@ -24534,8 +25471,8 @@
         </p:nvSpPr>
         <p:spPr>
           <a:xfrm>
-            <a:off x="16607083" y="7348250"/>
-            <a:ext cx="1532417" cy="711229"/>
+            <a:off x="17457090" y="8643565"/>
+            <a:ext cx="521818" cy="711229"/>
           </a:xfrm>
           <a:prstGeom prst="rect">
             <a:avLst/>
@@ -24564,15 +25501,15 @@
               <a:buNone/>
             </a:pPr>
             <a:r>
-              <a:rPr lang="ru" sz="4000" dirty="0">
+              <a:rPr lang="ru" sz="3000" dirty="0">
                 <a:latin typeface="Golos Text Medium" panose="020B0503020202020204" pitchFamily="34" charset="0"/>
                 <a:ea typeface="Proxima Nova Semibold"/>
                 <a:cs typeface="Golos Text Medium" panose="020B0503020202020204" pitchFamily="34" charset="0"/>
                 <a:sym typeface="Proxima Nova Semibold"/>
               </a:rPr>
-              <a:t>2</a:t>
+              <a:t>3</a:t>
             </a:r>
-            <a:endParaRPr sz="4000" dirty="0">
+            <a:endParaRPr sz="3000" dirty="0">
               <a:latin typeface="Golos Text Medium" panose="020B0503020202020204" pitchFamily="34" charset="0"/>
               <a:ea typeface="Proxima Nova Semibold"/>
               <a:cs typeface="Golos Text Medium" panose="020B0503020202020204" pitchFamily="34" charset="0"/>
@@ -24892,35 +25829,35 @@
                 <a:gridCol w="1632124">
                   <a:extLst>
                     <a:ext uri="{9D8B030D-6E8A-4147-A177-3AD203B41FA5}">
-                      <a16:colId xmlns="" xmlns:a16="http://schemas.microsoft.com/office/drawing/2014/main" val="20000"/>
+                      <a16:colId xmlns:a16="http://schemas.microsoft.com/office/drawing/2014/main" val="20000"/>
                     </a:ext>
                   </a:extLst>
                 </a:gridCol>
                 <a:gridCol w="2856222">
                   <a:extLst>
                     <a:ext uri="{9D8B030D-6E8A-4147-A177-3AD203B41FA5}">
-                      <a16:colId xmlns="" xmlns:a16="http://schemas.microsoft.com/office/drawing/2014/main" val="20001"/>
+                      <a16:colId xmlns:a16="http://schemas.microsoft.com/office/drawing/2014/main" val="20001"/>
                     </a:ext>
                   </a:extLst>
                 </a:gridCol>
                 <a:gridCol w="4556352">
                   <a:extLst>
                     <a:ext uri="{9D8B030D-6E8A-4147-A177-3AD203B41FA5}">
-                      <a16:colId xmlns="" xmlns:a16="http://schemas.microsoft.com/office/drawing/2014/main" val="20002"/>
+                      <a16:colId xmlns:a16="http://schemas.microsoft.com/office/drawing/2014/main" val="20002"/>
                     </a:ext>
                   </a:extLst>
                 </a:gridCol>
                 <a:gridCol w="3026234">
                   <a:extLst>
                     <a:ext uri="{9D8B030D-6E8A-4147-A177-3AD203B41FA5}">
-                      <a16:colId xmlns="" xmlns:a16="http://schemas.microsoft.com/office/drawing/2014/main" val="20003"/>
+                      <a16:colId xmlns:a16="http://schemas.microsoft.com/office/drawing/2014/main" val="20003"/>
                     </a:ext>
                   </a:extLst>
                 </a:gridCol>
                 <a:gridCol w="3162243">
                   <a:extLst>
                     <a:ext uri="{9D8B030D-6E8A-4147-A177-3AD203B41FA5}">
-                      <a16:colId xmlns="" xmlns:a16="http://schemas.microsoft.com/office/drawing/2014/main" val="20004"/>
+                      <a16:colId xmlns:a16="http://schemas.microsoft.com/office/drawing/2014/main" val="20004"/>
                     </a:ext>
                   </a:extLst>
                 </a:gridCol>
@@ -25271,7 +26208,7 @@
                 </a:tc>
                 <a:extLst>
                   <a:ext uri="{0D108BD9-81ED-4DB2-BD59-A6C34878D82A}">
-                    <a16:rowId xmlns="" xmlns:a16="http://schemas.microsoft.com/office/drawing/2014/main" val="10000"/>
+                    <a16:rowId xmlns:a16="http://schemas.microsoft.com/office/drawing/2014/main" val="10000"/>
                   </a:ext>
                 </a:extLst>
               </a:tr>
@@ -25593,7 +26530,7 @@
                 </a:tc>
                 <a:extLst>
                   <a:ext uri="{0D108BD9-81ED-4DB2-BD59-A6C34878D82A}">
-                    <a16:rowId xmlns="" xmlns:a16="http://schemas.microsoft.com/office/drawing/2014/main" val="10001"/>
+                    <a16:rowId xmlns:a16="http://schemas.microsoft.com/office/drawing/2014/main" val="10001"/>
                   </a:ext>
                 </a:extLst>
               </a:tr>
@@ -25915,7 +26852,7 @@
                 </a:tc>
                 <a:extLst>
                   <a:ext uri="{0D108BD9-81ED-4DB2-BD59-A6C34878D82A}">
-                    <a16:rowId xmlns="" xmlns:a16="http://schemas.microsoft.com/office/drawing/2014/main" val="10002"/>
+                    <a16:rowId xmlns:a16="http://schemas.microsoft.com/office/drawing/2014/main" val="10002"/>
                   </a:ext>
                 </a:extLst>
               </a:tr>
@@ -26237,7 +27174,7 @@
                 </a:tc>
                 <a:extLst>
                   <a:ext uri="{0D108BD9-81ED-4DB2-BD59-A6C34878D82A}">
-                    <a16:rowId xmlns="" xmlns:a16="http://schemas.microsoft.com/office/drawing/2014/main" val="10003"/>
+                    <a16:rowId xmlns:a16="http://schemas.microsoft.com/office/drawing/2014/main" val="10003"/>
                   </a:ext>
                 </a:extLst>
               </a:tr>
@@ -26559,7 +27496,7 @@
                 </a:tc>
                 <a:extLst>
                   <a:ext uri="{0D108BD9-81ED-4DB2-BD59-A6C34878D82A}">
-                    <a16:rowId xmlns="" xmlns:a16="http://schemas.microsoft.com/office/drawing/2014/main" val="10004"/>
+                    <a16:rowId xmlns:a16="http://schemas.microsoft.com/office/drawing/2014/main" val="10004"/>
                   </a:ext>
                 </a:extLst>
               </a:tr>
@@ -26881,7 +27818,7 @@
                 </a:tc>
                 <a:extLst>
                   <a:ext uri="{0D108BD9-81ED-4DB2-BD59-A6C34878D82A}">
-                    <a16:rowId xmlns="" xmlns:a16="http://schemas.microsoft.com/office/drawing/2014/main" val="10005"/>
+                    <a16:rowId xmlns:a16="http://schemas.microsoft.com/office/drawing/2014/main" val="10005"/>
                   </a:ext>
                 </a:extLst>
               </a:tr>
@@ -27083,7 +28020,7 @@
         </p:nvSpPr>
         <p:spPr>
           <a:xfrm>
-            <a:off x="5257800" y="8805575"/>
+            <a:off x="5257800" y="8818454"/>
             <a:ext cx="7132320" cy="982800"/>
           </a:xfrm>
           <a:prstGeom prst="rect">
@@ -27129,8 +28066,8 @@
         </p:nvSpPr>
         <p:spPr>
           <a:xfrm>
-            <a:off x="17108518" y="7829532"/>
-            <a:ext cx="923913" cy="690295"/>
+            <a:off x="17570475" y="8728206"/>
+            <a:ext cx="599933" cy="690295"/>
           </a:xfrm>
           <a:prstGeom prst="rect">
             <a:avLst/>
@@ -27159,15 +28096,15 @@
               <a:buNone/>
             </a:pPr>
             <a:r>
-              <a:rPr lang="ru-RU" sz="4000" dirty="0" smtClean="0">
+              <a:rPr lang="ru-RU" sz="3000" dirty="0" smtClean="0">
                 <a:latin typeface="Golos Text Medium" panose="020B0503020202020204" pitchFamily="34" charset="0"/>
                 <a:ea typeface="Proxima Nova Semibold"/>
                 <a:cs typeface="Golos Text Medium" panose="020B0503020202020204" pitchFamily="34" charset="0"/>
                 <a:sym typeface="Proxima Nova Semibold"/>
               </a:rPr>
-              <a:t>2</a:t>
+              <a:t>4</a:t>
             </a:r>
-            <a:endParaRPr sz="4000" dirty="0">
+            <a:endParaRPr sz="3000" dirty="0">
               <a:latin typeface="Golos Text Medium" panose="020B0503020202020204" pitchFamily="34" charset="0"/>
               <a:ea typeface="Proxima Nova Semibold"/>
               <a:cs typeface="Golos Text Medium" panose="020B0503020202020204" pitchFamily="34" charset="0"/>
@@ -27361,14 +28298,14 @@
           <p:nvPr>
             <p:extLst>
               <p:ext uri="{D42A27DB-BD31-4B8C-83A1-F6EECF244321}">
-                <p14:modId xmlns:p14="http://schemas.microsoft.com/office/powerpoint/2010/main" val="1744858221"/>
+                <p14:modId xmlns:p14="http://schemas.microsoft.com/office/powerpoint/2010/main" val="2666686934"/>
               </p:ext>
             </p:extLst>
           </p:nvPr>
         </p:nvGraphicFramePr>
         <p:xfrm>
           <a:off x="710600" y="3061113"/>
-          <a:ext cx="17045771" cy="4768420"/>
+          <a:ext cx="16997851" cy="4768420"/>
         </p:xfrm>
         <a:graphic>
           <a:graphicData uri="http://schemas.openxmlformats.org/drawingml/2006/table">
@@ -27378,77 +28315,77 @@
                 <a:gridCol w="810497">
                   <a:extLst>
                     <a:ext uri="{9D8B030D-6E8A-4147-A177-3AD203B41FA5}">
-                      <a16:colId xmlns="" xmlns:a16="http://schemas.microsoft.com/office/drawing/2014/main" val="20000"/>
+                      <a16:colId xmlns:a16="http://schemas.microsoft.com/office/drawing/2014/main" val="20000"/>
                     </a:ext>
                   </a:extLst>
                 </a:gridCol>
                 <a:gridCol w="810497">
                   <a:extLst>
                     <a:ext uri="{9D8B030D-6E8A-4147-A177-3AD203B41FA5}">
-                      <a16:colId xmlns="" xmlns:a16="http://schemas.microsoft.com/office/drawing/2014/main" val="20001"/>
+                      <a16:colId xmlns:a16="http://schemas.microsoft.com/office/drawing/2014/main" val="20001"/>
                     </a:ext>
                   </a:extLst>
                 </a:gridCol>
                 <a:gridCol w="810497">
                   <a:extLst>
                     <a:ext uri="{9D8B030D-6E8A-4147-A177-3AD203B41FA5}">
-                      <a16:colId xmlns="" xmlns:a16="http://schemas.microsoft.com/office/drawing/2014/main" val="20002"/>
+                      <a16:colId xmlns:a16="http://schemas.microsoft.com/office/drawing/2014/main" val="20002"/>
                     </a:ext>
                   </a:extLst>
                 </a:gridCol>
                 <a:gridCol w="2144441">
                   <a:extLst>
                     <a:ext uri="{9D8B030D-6E8A-4147-A177-3AD203B41FA5}">
-                      <a16:colId xmlns="" xmlns:a16="http://schemas.microsoft.com/office/drawing/2014/main" val="20003"/>
+                      <a16:colId xmlns:a16="http://schemas.microsoft.com/office/drawing/2014/main" val="20003"/>
                     </a:ext>
                   </a:extLst>
                 </a:gridCol>
                 <a:gridCol w="2262639">
                   <a:extLst>
                     <a:ext uri="{9D8B030D-6E8A-4147-A177-3AD203B41FA5}">
-                      <a16:colId xmlns="" xmlns:a16="http://schemas.microsoft.com/office/drawing/2014/main" val="20004"/>
+                      <a16:colId xmlns:a16="http://schemas.microsoft.com/office/drawing/2014/main" val="20004"/>
                     </a:ext>
                   </a:extLst>
                 </a:gridCol>
                 <a:gridCol w="2060015">
                   <a:extLst>
                     <a:ext uri="{9D8B030D-6E8A-4147-A177-3AD203B41FA5}">
-                      <a16:colId xmlns="" xmlns:a16="http://schemas.microsoft.com/office/drawing/2014/main" val="20005"/>
+                      <a16:colId xmlns:a16="http://schemas.microsoft.com/office/drawing/2014/main" val="20005"/>
                     </a:ext>
                   </a:extLst>
                 </a:gridCol>
                 <a:gridCol w="1570339">
                   <a:extLst>
                     <a:ext uri="{9D8B030D-6E8A-4147-A177-3AD203B41FA5}">
-                      <a16:colId xmlns="" xmlns:a16="http://schemas.microsoft.com/office/drawing/2014/main" val="20006"/>
+                      <a16:colId xmlns:a16="http://schemas.microsoft.com/office/drawing/2014/main" val="20006"/>
                     </a:ext>
                   </a:extLst>
                 </a:gridCol>
                 <a:gridCol w="645864">
                   <a:extLst>
                     <a:ext uri="{9D8B030D-6E8A-4147-A177-3AD203B41FA5}">
-                      <a16:colId xmlns="" xmlns:a16="http://schemas.microsoft.com/office/drawing/2014/main" val="20007"/>
+                      <a16:colId xmlns:a16="http://schemas.microsoft.com/office/drawing/2014/main" val="20007"/>
                     </a:ext>
                   </a:extLst>
                 </a:gridCol>
                 <a:gridCol w="1688536">
                   <a:extLst>
                     <a:ext uri="{9D8B030D-6E8A-4147-A177-3AD203B41FA5}">
-                      <a16:colId xmlns="" xmlns:a16="http://schemas.microsoft.com/office/drawing/2014/main" val="20008"/>
+                      <a16:colId xmlns:a16="http://schemas.microsoft.com/office/drawing/2014/main" val="20008"/>
                     </a:ext>
                   </a:extLst>
                 </a:gridCol>
                 <a:gridCol w="2216203">
                   <a:extLst>
                     <a:ext uri="{9D8B030D-6E8A-4147-A177-3AD203B41FA5}">
-                      <a16:colId xmlns="" xmlns:a16="http://schemas.microsoft.com/office/drawing/2014/main" val="20009"/>
+                      <a16:colId xmlns:a16="http://schemas.microsoft.com/office/drawing/2014/main" val="20009"/>
                     </a:ext>
                   </a:extLst>
                 </a:gridCol>
-                <a:gridCol w="2026243">
+                <a:gridCol w="1978323">
                   <a:extLst>
                     <a:ext uri="{9D8B030D-6E8A-4147-A177-3AD203B41FA5}">
-                      <a16:colId xmlns="" xmlns:a16="http://schemas.microsoft.com/office/drawing/2014/main" val="20010"/>
+                      <a16:colId xmlns:a16="http://schemas.microsoft.com/office/drawing/2014/main" val="20010"/>
                     </a:ext>
                   </a:extLst>
                 </a:gridCol>
@@ -28170,7 +29107,7 @@
                 </a:tc>
                 <a:extLst>
                   <a:ext uri="{0D108BD9-81ED-4DB2-BD59-A6C34878D82A}">
-                    <a16:rowId xmlns="" xmlns:a16="http://schemas.microsoft.com/office/drawing/2014/main" val="10000"/>
+                    <a16:rowId xmlns:a16="http://schemas.microsoft.com/office/drawing/2014/main" val="10000"/>
                   </a:ext>
                 </a:extLst>
               </a:tr>
@@ -28877,7 +29814,7 @@
                 </a:tc>
                 <a:extLst>
                   <a:ext uri="{0D108BD9-81ED-4DB2-BD59-A6C34878D82A}">
-                    <a16:rowId xmlns="" xmlns:a16="http://schemas.microsoft.com/office/drawing/2014/main" val="10001"/>
+                    <a16:rowId xmlns:a16="http://schemas.microsoft.com/office/drawing/2014/main" val="10001"/>
                   </a:ext>
                 </a:extLst>
               </a:tr>
@@ -29577,7 +30514,7 @@
                 </a:tc>
                 <a:extLst>
                   <a:ext uri="{0D108BD9-81ED-4DB2-BD59-A6C34878D82A}">
-                    <a16:rowId xmlns="" xmlns:a16="http://schemas.microsoft.com/office/drawing/2014/main" val="10002"/>
+                    <a16:rowId xmlns:a16="http://schemas.microsoft.com/office/drawing/2014/main" val="10002"/>
                   </a:ext>
                 </a:extLst>
               </a:tr>
@@ -30277,7 +31214,7 @@
                 </a:tc>
                 <a:extLst>
                   <a:ext uri="{0D108BD9-81ED-4DB2-BD59-A6C34878D82A}">
-                    <a16:rowId xmlns="" xmlns:a16="http://schemas.microsoft.com/office/drawing/2014/main" val="10003"/>
+                    <a16:rowId xmlns:a16="http://schemas.microsoft.com/office/drawing/2014/main" val="10003"/>
                   </a:ext>
                 </a:extLst>
               </a:tr>
@@ -30977,7 +31914,7 @@
                 </a:tc>
                 <a:extLst>
                   <a:ext uri="{0D108BD9-81ED-4DB2-BD59-A6C34878D82A}">
-                    <a16:rowId xmlns="" xmlns:a16="http://schemas.microsoft.com/office/drawing/2014/main" val="10004"/>
+                    <a16:rowId xmlns:a16="http://schemas.microsoft.com/office/drawing/2014/main" val="10004"/>
                   </a:ext>
                 </a:extLst>
               </a:tr>
@@ -31677,7 +32614,7 @@
                 </a:tc>
                 <a:extLst>
                   <a:ext uri="{0D108BD9-81ED-4DB2-BD59-A6C34878D82A}">
-                    <a16:rowId xmlns="" xmlns:a16="http://schemas.microsoft.com/office/drawing/2014/main" val="10005"/>
+                    <a16:rowId xmlns:a16="http://schemas.microsoft.com/office/drawing/2014/main" val="10005"/>
                   </a:ext>
                 </a:extLst>
               </a:tr>
@@ -32377,7 +33314,7 @@
                 </a:tc>
                 <a:extLst>
                   <a:ext uri="{0D108BD9-81ED-4DB2-BD59-A6C34878D82A}">
-                    <a16:rowId xmlns="" xmlns:a16="http://schemas.microsoft.com/office/drawing/2014/main" val="10006"/>
+                    <a16:rowId xmlns:a16="http://schemas.microsoft.com/office/drawing/2014/main" val="10006"/>
                   </a:ext>
                 </a:extLst>
               </a:tr>
@@ -32774,28 +33711,28 @@
                 <a:gridCol w="1298589">
                   <a:extLst>
                     <a:ext uri="{9D8B030D-6E8A-4147-A177-3AD203B41FA5}">
-                      <a16:colId xmlns="" xmlns:a16="http://schemas.microsoft.com/office/drawing/2014/main" val="20000"/>
+                      <a16:colId xmlns:a16="http://schemas.microsoft.com/office/drawing/2014/main" val="20000"/>
                     </a:ext>
                   </a:extLst>
                 </a:gridCol>
                 <a:gridCol w="4152779">
                   <a:extLst>
                     <a:ext uri="{9D8B030D-6E8A-4147-A177-3AD203B41FA5}">
-                      <a16:colId xmlns="" xmlns:a16="http://schemas.microsoft.com/office/drawing/2014/main" val="20001"/>
+                      <a16:colId xmlns:a16="http://schemas.microsoft.com/office/drawing/2014/main" val="20001"/>
                     </a:ext>
                   </a:extLst>
                 </a:gridCol>
                 <a:gridCol w="4381674">
                   <a:extLst>
                     <a:ext uri="{9D8B030D-6E8A-4147-A177-3AD203B41FA5}">
-                      <a16:colId xmlns="" xmlns:a16="http://schemas.microsoft.com/office/drawing/2014/main" val="20002"/>
+                      <a16:colId xmlns:a16="http://schemas.microsoft.com/office/drawing/2014/main" val="20002"/>
                     </a:ext>
                   </a:extLst>
                 </a:gridCol>
                 <a:gridCol w="3989284">
                   <a:extLst>
                     <a:ext uri="{9D8B030D-6E8A-4147-A177-3AD203B41FA5}">
-                      <a16:colId xmlns="" xmlns:a16="http://schemas.microsoft.com/office/drawing/2014/main" val="20003"/>
+                      <a16:colId xmlns:a16="http://schemas.microsoft.com/office/drawing/2014/main" val="20003"/>
                     </a:ext>
                   </a:extLst>
                 </a:gridCol>
@@ -33076,7 +34013,7 @@
                 </a:tc>
                 <a:extLst>
                   <a:ext uri="{0D108BD9-81ED-4DB2-BD59-A6C34878D82A}">
-                    <a16:rowId xmlns="" xmlns:a16="http://schemas.microsoft.com/office/drawing/2014/main" val="10000"/>
+                    <a16:rowId xmlns:a16="http://schemas.microsoft.com/office/drawing/2014/main" val="10000"/>
                   </a:ext>
                 </a:extLst>
               </a:tr>
@@ -33335,7 +34272,7 @@
                 </a:tc>
                 <a:extLst>
                   <a:ext uri="{0D108BD9-81ED-4DB2-BD59-A6C34878D82A}">
-                    <a16:rowId xmlns="" xmlns:a16="http://schemas.microsoft.com/office/drawing/2014/main" val="10001"/>
+                    <a16:rowId xmlns:a16="http://schemas.microsoft.com/office/drawing/2014/main" val="10001"/>
                   </a:ext>
                 </a:extLst>
               </a:tr>
@@ -33594,7 +34531,7 @@
                 </a:tc>
                 <a:extLst>
                   <a:ext uri="{0D108BD9-81ED-4DB2-BD59-A6C34878D82A}">
-                    <a16:rowId xmlns="" xmlns:a16="http://schemas.microsoft.com/office/drawing/2014/main" val="10002"/>
+                    <a16:rowId xmlns:a16="http://schemas.microsoft.com/office/drawing/2014/main" val="10002"/>
                   </a:ext>
                 </a:extLst>
               </a:tr>
@@ -33853,7 +34790,7 @@
                 </a:tc>
                 <a:extLst>
                   <a:ext uri="{0D108BD9-81ED-4DB2-BD59-A6C34878D82A}">
-                    <a16:rowId xmlns="" xmlns:a16="http://schemas.microsoft.com/office/drawing/2014/main" val="10003"/>
+                    <a16:rowId xmlns:a16="http://schemas.microsoft.com/office/drawing/2014/main" val="10003"/>
                   </a:ext>
                 </a:extLst>
               </a:tr>
@@ -34112,7 +35049,7 @@
                 </a:tc>
                 <a:extLst>
                   <a:ext uri="{0D108BD9-81ED-4DB2-BD59-A6C34878D82A}">
-                    <a16:rowId xmlns="" xmlns:a16="http://schemas.microsoft.com/office/drawing/2014/main" val="10004"/>
+                    <a16:rowId xmlns:a16="http://schemas.microsoft.com/office/drawing/2014/main" val="10004"/>
                   </a:ext>
                 </a:extLst>
               </a:tr>
@@ -34371,7 +35308,7 @@
                 </a:tc>
                 <a:extLst>
                   <a:ext uri="{0D108BD9-81ED-4DB2-BD59-A6C34878D82A}">
-                    <a16:rowId xmlns="" xmlns:a16="http://schemas.microsoft.com/office/drawing/2014/main" val="10005"/>
+                    <a16:rowId xmlns:a16="http://schemas.microsoft.com/office/drawing/2014/main" val="10005"/>
                   </a:ext>
                 </a:extLst>
               </a:tr>
@@ -34387,8 +35324,8 @@
         </p:nvSpPr>
         <p:spPr>
           <a:xfrm>
-            <a:off x="17018923" y="7775342"/>
-            <a:ext cx="487634" cy="707886"/>
+            <a:off x="17570475" y="8605550"/>
+            <a:ext cx="412292" cy="553998"/>
           </a:xfrm>
           <a:prstGeom prst="rect">
             <a:avLst/>
@@ -34401,11 +35338,11 @@
           <a:lstStyle/>
           <a:p>
             <a:r>
-              <a:rPr lang="ru-RU" sz="4000" dirty="0">
+              <a:rPr lang="ru-RU" sz="3000" dirty="0">
                 <a:latin typeface="Golos Text Medium" panose="020B0604020202020204" charset="-52"/>
                 <a:cs typeface="Golos Text Medium" panose="020B0604020202020204" charset="-52"/>
               </a:rPr>
-              <a:t>2</a:t>
+              <a:t>5</a:t>
             </a:r>
           </a:p>
         </p:txBody>
@@ -34875,105 +35812,105 @@
                 <a:gridCol w="612289">
                   <a:extLst>
                     <a:ext uri="{9D8B030D-6E8A-4147-A177-3AD203B41FA5}">
-                      <a16:colId xmlns="" xmlns:a16="http://schemas.microsoft.com/office/drawing/2014/main" val="20000"/>
+                      <a16:colId xmlns:a16="http://schemas.microsoft.com/office/drawing/2014/main" val="20000"/>
                     </a:ext>
                   </a:extLst>
                 </a:gridCol>
                 <a:gridCol w="874278">
                   <a:extLst>
                     <a:ext uri="{9D8B030D-6E8A-4147-A177-3AD203B41FA5}">
-                      <a16:colId xmlns="" xmlns:a16="http://schemas.microsoft.com/office/drawing/2014/main" val="20001"/>
+                      <a16:colId xmlns:a16="http://schemas.microsoft.com/office/drawing/2014/main" val="20001"/>
                     </a:ext>
                   </a:extLst>
                 </a:gridCol>
                 <a:gridCol w="941983">
                   <a:extLst>
                     <a:ext uri="{9D8B030D-6E8A-4147-A177-3AD203B41FA5}">
-                      <a16:colId xmlns="" xmlns:a16="http://schemas.microsoft.com/office/drawing/2014/main" val="20002"/>
+                      <a16:colId xmlns:a16="http://schemas.microsoft.com/office/drawing/2014/main" val="20002"/>
                     </a:ext>
                   </a:extLst>
                 </a:gridCol>
                 <a:gridCol w="1212803">
                   <a:extLst>
                     <a:ext uri="{9D8B030D-6E8A-4147-A177-3AD203B41FA5}">
-                      <a16:colId xmlns="" xmlns:a16="http://schemas.microsoft.com/office/drawing/2014/main" val="20003"/>
+                      <a16:colId xmlns:a16="http://schemas.microsoft.com/office/drawing/2014/main" val="20003"/>
                     </a:ext>
                   </a:extLst>
                 </a:gridCol>
                 <a:gridCol w="1495398">
                   <a:extLst>
                     <a:ext uri="{9D8B030D-6E8A-4147-A177-3AD203B41FA5}">
-                      <a16:colId xmlns="" xmlns:a16="http://schemas.microsoft.com/office/drawing/2014/main" val="20004"/>
+                      <a16:colId xmlns:a16="http://schemas.microsoft.com/office/drawing/2014/main" val="20004"/>
                     </a:ext>
                   </a:extLst>
                 </a:gridCol>
                 <a:gridCol w="1495398">
                   <a:extLst>
                     <a:ext uri="{9D8B030D-6E8A-4147-A177-3AD203B41FA5}">
-                      <a16:colId xmlns="" xmlns:a16="http://schemas.microsoft.com/office/drawing/2014/main" val="20005"/>
+                      <a16:colId xmlns:a16="http://schemas.microsoft.com/office/drawing/2014/main" val="20005"/>
                     </a:ext>
                   </a:extLst>
                 </a:gridCol>
                 <a:gridCol w="941983">
                   <a:extLst>
                     <a:ext uri="{9D8B030D-6E8A-4147-A177-3AD203B41FA5}">
-                      <a16:colId xmlns="" xmlns:a16="http://schemas.microsoft.com/office/drawing/2014/main" val="20006"/>
+                      <a16:colId xmlns:a16="http://schemas.microsoft.com/office/drawing/2014/main" val="20006"/>
                     </a:ext>
                   </a:extLst>
                 </a:gridCol>
                 <a:gridCol w="1530722">
                   <a:extLst>
                     <a:ext uri="{9D8B030D-6E8A-4147-A177-3AD203B41FA5}">
-                      <a16:colId xmlns="" xmlns:a16="http://schemas.microsoft.com/office/drawing/2014/main" val="20007"/>
+                      <a16:colId xmlns:a16="http://schemas.microsoft.com/office/drawing/2014/main" val="20007"/>
                     </a:ext>
                   </a:extLst>
                 </a:gridCol>
                 <a:gridCol w="1424749">
                   <a:extLst>
                     <a:ext uri="{9D8B030D-6E8A-4147-A177-3AD203B41FA5}">
-                      <a16:colId xmlns="" xmlns:a16="http://schemas.microsoft.com/office/drawing/2014/main" val="20008"/>
+                      <a16:colId xmlns:a16="http://schemas.microsoft.com/office/drawing/2014/main" val="20008"/>
                     </a:ext>
                   </a:extLst>
                 </a:gridCol>
                 <a:gridCol w="1401201">
                   <a:extLst>
                     <a:ext uri="{9D8B030D-6E8A-4147-A177-3AD203B41FA5}">
-                      <a16:colId xmlns="" xmlns:a16="http://schemas.microsoft.com/office/drawing/2014/main" val="20009"/>
+                      <a16:colId xmlns:a16="http://schemas.microsoft.com/office/drawing/2014/main" val="20009"/>
                     </a:ext>
                   </a:extLst>
                 </a:gridCol>
                 <a:gridCol w="1047956">
                   <a:extLst>
                     <a:ext uri="{9D8B030D-6E8A-4147-A177-3AD203B41FA5}">
-                      <a16:colId xmlns="" xmlns:a16="http://schemas.microsoft.com/office/drawing/2014/main" val="20010"/>
+                      <a16:colId xmlns:a16="http://schemas.microsoft.com/office/drawing/2014/main" val="20010"/>
                     </a:ext>
                   </a:extLst>
                 </a:gridCol>
                 <a:gridCol w="1156874">
                   <a:extLst>
                     <a:ext uri="{9D8B030D-6E8A-4147-A177-3AD203B41FA5}">
-                      <a16:colId xmlns="" xmlns:a16="http://schemas.microsoft.com/office/drawing/2014/main" val="20011"/>
+                      <a16:colId xmlns:a16="http://schemas.microsoft.com/office/drawing/2014/main" val="20011"/>
                     </a:ext>
                   </a:extLst>
                 </a:gridCol>
                 <a:gridCol w="1086225">
                   <a:extLst>
                     <a:ext uri="{9D8B030D-6E8A-4147-A177-3AD203B41FA5}">
-                      <a16:colId xmlns="" xmlns:a16="http://schemas.microsoft.com/office/drawing/2014/main" val="20012"/>
+                      <a16:colId xmlns:a16="http://schemas.microsoft.com/office/drawing/2014/main" val="20012"/>
                     </a:ext>
                   </a:extLst>
                 </a:gridCol>
                 <a:gridCol w="1212803">
                   <a:extLst>
                     <a:ext uri="{9D8B030D-6E8A-4147-A177-3AD203B41FA5}">
-                      <a16:colId xmlns="" xmlns:a16="http://schemas.microsoft.com/office/drawing/2014/main" val="20013"/>
+                      <a16:colId xmlns:a16="http://schemas.microsoft.com/office/drawing/2014/main" val="20013"/>
                     </a:ext>
                   </a:extLst>
                 </a:gridCol>
                 <a:gridCol w="1086225">
                   <a:extLst>
                     <a:ext uri="{9D8B030D-6E8A-4147-A177-3AD203B41FA5}">
-                      <a16:colId xmlns="" xmlns:a16="http://schemas.microsoft.com/office/drawing/2014/main" val="20014"/>
+                      <a16:colId xmlns:a16="http://schemas.microsoft.com/office/drawing/2014/main" val="20014"/>
                     </a:ext>
                   </a:extLst>
                 </a:gridCol>
@@ -35996,7 +36933,7 @@
                 </a:tc>
                 <a:extLst>
                   <a:ext uri="{0D108BD9-81ED-4DB2-BD59-A6C34878D82A}">
-                    <a16:rowId xmlns="" xmlns:a16="http://schemas.microsoft.com/office/drawing/2014/main" val="10000"/>
+                    <a16:rowId xmlns:a16="http://schemas.microsoft.com/office/drawing/2014/main" val="10000"/>
                   </a:ext>
                 </a:extLst>
               </a:tr>
@@ -36948,7 +37885,7 @@
                 </a:tc>
                 <a:extLst>
                   <a:ext uri="{0D108BD9-81ED-4DB2-BD59-A6C34878D82A}">
-                    <a16:rowId xmlns="" xmlns:a16="http://schemas.microsoft.com/office/drawing/2014/main" val="10001"/>
+                    <a16:rowId xmlns:a16="http://schemas.microsoft.com/office/drawing/2014/main" val="10001"/>
                   </a:ext>
                 </a:extLst>
               </a:tr>
@@ -37900,7 +38837,7 @@
                 </a:tc>
                 <a:extLst>
                   <a:ext uri="{0D108BD9-81ED-4DB2-BD59-A6C34878D82A}">
-                    <a16:rowId xmlns="" xmlns:a16="http://schemas.microsoft.com/office/drawing/2014/main" val="10002"/>
+                    <a16:rowId xmlns:a16="http://schemas.microsoft.com/office/drawing/2014/main" val="10002"/>
                   </a:ext>
                 </a:extLst>
               </a:tr>
@@ -38852,7 +39789,7 @@
                 </a:tc>
                 <a:extLst>
                   <a:ext uri="{0D108BD9-81ED-4DB2-BD59-A6C34878D82A}">
-                    <a16:rowId xmlns="" xmlns:a16="http://schemas.microsoft.com/office/drawing/2014/main" val="10003"/>
+                    <a16:rowId xmlns:a16="http://schemas.microsoft.com/office/drawing/2014/main" val="10003"/>
                   </a:ext>
                 </a:extLst>
               </a:tr>
@@ -39804,7 +40741,7 @@
                 </a:tc>
                 <a:extLst>
                   <a:ext uri="{0D108BD9-81ED-4DB2-BD59-A6C34878D82A}">
-                    <a16:rowId xmlns="" xmlns:a16="http://schemas.microsoft.com/office/drawing/2014/main" val="10004"/>
+                    <a16:rowId xmlns:a16="http://schemas.microsoft.com/office/drawing/2014/main" val="10004"/>
                   </a:ext>
                 </a:extLst>
               </a:tr>
@@ -40756,7 +41693,7 @@
                 </a:tc>
                 <a:extLst>
                   <a:ext uri="{0D108BD9-81ED-4DB2-BD59-A6C34878D82A}">
-                    <a16:rowId xmlns="" xmlns:a16="http://schemas.microsoft.com/office/drawing/2014/main" val="10005"/>
+                    <a16:rowId xmlns:a16="http://schemas.microsoft.com/office/drawing/2014/main" val="10005"/>
                   </a:ext>
                 </a:extLst>
               </a:tr>
@@ -40772,8 +41709,8 @@
         </p:nvSpPr>
         <p:spPr>
           <a:xfrm>
-            <a:off x="16827537" y="7897664"/>
-            <a:ext cx="487634" cy="707886"/>
+            <a:off x="17570475" y="8605550"/>
+            <a:ext cx="421910" cy="553998"/>
           </a:xfrm>
           <a:prstGeom prst="rect">
             <a:avLst/>
@@ -40786,11 +41723,11 @@
           <a:lstStyle/>
           <a:p>
             <a:r>
-              <a:rPr lang="ru-RU" sz="4000" dirty="0">
+              <a:rPr lang="ru-RU" sz="3000" dirty="0">
                 <a:latin typeface="Golos Text Medium" panose="020B0604020202020204" charset="-52"/>
                 <a:cs typeface="Golos Text Medium" panose="020B0604020202020204" charset="-52"/>
               </a:rPr>
-              <a:t>2</a:t>
+              <a:t>6</a:t>
             </a:r>
           </a:p>
         </p:txBody>
@@ -41035,8 +41972,8 @@
         </p:nvSpPr>
         <p:spPr>
           <a:xfrm>
-            <a:off x="16309165" y="7325993"/>
-            <a:ext cx="1085700" cy="758810"/>
+            <a:off x="17570475" y="8605550"/>
+            <a:ext cx="523541" cy="758810"/>
           </a:xfrm>
           <a:prstGeom prst="rect">
             <a:avLst/>
@@ -41065,15 +42002,15 @@
               <a:buNone/>
             </a:pPr>
             <a:r>
-              <a:rPr lang="ru" sz="4000" dirty="0">
+              <a:rPr lang="ru" sz="3000" dirty="0">
                 <a:latin typeface="Golos Text Medium" panose="020B0503020202020204" pitchFamily="34" charset="0"/>
                 <a:ea typeface="Proxima Nova Semibold"/>
                 <a:cs typeface="Golos Text Medium" panose="020B0503020202020204" pitchFamily="34" charset="0"/>
                 <a:sym typeface="Proxima Nova Semibold"/>
               </a:rPr>
-              <a:t>2</a:t>
+              <a:t>7</a:t>
             </a:r>
-            <a:endParaRPr sz="4000" dirty="0">
+            <a:endParaRPr sz="3000" dirty="0">
               <a:latin typeface="Golos Text Medium" panose="020B0503020202020204" pitchFamily="34" charset="0"/>
               <a:ea typeface="Proxima Nova Semibold"/>
               <a:cs typeface="Golos Text Medium" panose="020B0503020202020204" pitchFamily="34" charset="0"/>
@@ -41427,35 +42364,35 @@
                 <a:gridCol w="1442720">
                   <a:extLst>
                     <a:ext uri="{9D8B030D-6E8A-4147-A177-3AD203B41FA5}">
-                      <a16:colId xmlns="" xmlns:a16="http://schemas.microsoft.com/office/drawing/2014/main" val="20000"/>
+                      <a16:colId xmlns:a16="http://schemas.microsoft.com/office/drawing/2014/main" val="20000"/>
                     </a:ext>
                   </a:extLst>
                 </a:gridCol>
                 <a:gridCol w="3312160">
                   <a:extLst>
                     <a:ext uri="{9D8B030D-6E8A-4147-A177-3AD203B41FA5}">
-                      <a16:colId xmlns="" xmlns:a16="http://schemas.microsoft.com/office/drawing/2014/main" val="20001"/>
+                      <a16:colId xmlns:a16="http://schemas.microsoft.com/office/drawing/2014/main" val="20001"/>
                     </a:ext>
                   </a:extLst>
                 </a:gridCol>
                 <a:gridCol w="3759200">
                   <a:extLst>
                     <a:ext uri="{9D8B030D-6E8A-4147-A177-3AD203B41FA5}">
-                      <a16:colId xmlns="" xmlns:a16="http://schemas.microsoft.com/office/drawing/2014/main" val="20002"/>
+                      <a16:colId xmlns:a16="http://schemas.microsoft.com/office/drawing/2014/main" val="20002"/>
                     </a:ext>
                   </a:extLst>
                 </a:gridCol>
                 <a:gridCol w="2519680">
                   <a:extLst>
                     <a:ext uri="{9D8B030D-6E8A-4147-A177-3AD203B41FA5}">
-                      <a16:colId xmlns="" xmlns:a16="http://schemas.microsoft.com/office/drawing/2014/main" val="20003"/>
+                      <a16:colId xmlns:a16="http://schemas.microsoft.com/office/drawing/2014/main" val="20003"/>
                     </a:ext>
                   </a:extLst>
                 </a:gridCol>
                 <a:gridCol w="2702560">
                   <a:extLst>
                     <a:ext uri="{9D8B030D-6E8A-4147-A177-3AD203B41FA5}">
-                      <a16:colId xmlns="" xmlns:a16="http://schemas.microsoft.com/office/drawing/2014/main" val="20004"/>
+                      <a16:colId xmlns:a16="http://schemas.microsoft.com/office/drawing/2014/main" val="20004"/>
                     </a:ext>
                   </a:extLst>
                 </a:gridCol>
@@ -41816,7 +42753,7 @@
                 </a:tc>
                 <a:extLst>
                   <a:ext uri="{0D108BD9-81ED-4DB2-BD59-A6C34878D82A}">
-                    <a16:rowId xmlns="" xmlns:a16="http://schemas.microsoft.com/office/drawing/2014/main" val="10000"/>
+                    <a16:rowId xmlns:a16="http://schemas.microsoft.com/office/drawing/2014/main" val="10000"/>
                   </a:ext>
                 </a:extLst>
               </a:tr>
@@ -42166,7 +43103,7 @@
                 </a:tc>
                 <a:extLst>
                   <a:ext uri="{0D108BD9-81ED-4DB2-BD59-A6C34878D82A}">
-                    <a16:rowId xmlns="" xmlns:a16="http://schemas.microsoft.com/office/drawing/2014/main" val="10001"/>
+                    <a16:rowId xmlns:a16="http://schemas.microsoft.com/office/drawing/2014/main" val="10001"/>
                   </a:ext>
                 </a:extLst>
               </a:tr>
@@ -42473,7 +43410,7 @@
                 </a:tc>
                 <a:extLst>
                   <a:ext uri="{0D108BD9-81ED-4DB2-BD59-A6C34878D82A}">
-                    <a16:rowId xmlns="" xmlns:a16="http://schemas.microsoft.com/office/drawing/2014/main" val="10002"/>
+                    <a16:rowId xmlns:a16="http://schemas.microsoft.com/office/drawing/2014/main" val="10002"/>
                   </a:ext>
                 </a:extLst>
               </a:tr>
@@ -42943,8 +43880,8 @@
         </p:nvSpPr>
         <p:spPr>
           <a:xfrm>
-            <a:off x="16875775" y="7228178"/>
-            <a:ext cx="489236" cy="707886"/>
+            <a:off x="17570475" y="8605550"/>
+            <a:ext cx="423514" cy="553998"/>
           </a:xfrm>
           <a:prstGeom prst="rect">
             <a:avLst/>
@@ -42957,11 +43894,11 @@
           <a:lstStyle/>
           <a:p>
             <a:r>
-              <a:rPr lang="ru-RU" sz="4000" dirty="0">
+              <a:rPr lang="ru-RU" sz="3000" dirty="0">
                 <a:latin typeface="Golos Text Medium" panose="020B0604020202020204" charset="-52"/>
                 <a:cs typeface="Golos Text Medium" panose="020B0604020202020204" charset="-52"/>
               </a:rPr>
-              <a:t>3</a:t>
+              <a:t>8</a:t>
             </a:r>
           </a:p>
         </p:txBody>
@@ -43298,8 +44235,8 @@
         </p:nvSpPr>
         <p:spPr>
           <a:xfrm>
-            <a:off x="16564399" y="8138129"/>
-            <a:ext cx="554019" cy="707886"/>
+            <a:off x="17574500" y="9170507"/>
+            <a:ext cx="554019" cy="553998"/>
           </a:xfrm>
           <a:prstGeom prst="rect">
             <a:avLst/>
@@ -43312,11 +44249,11 @@
           <a:lstStyle/>
           <a:p>
             <a:r>
-              <a:rPr lang="ru-RU" sz="4000" dirty="0">
+              <a:rPr lang="ru-RU" sz="3000" dirty="0">
                 <a:latin typeface="Golos Text Medium" panose="020B0604020202020204" charset="-52"/>
                 <a:cs typeface="Golos Text Medium" panose="020B0604020202020204" charset="-52"/>
               </a:rPr>
-              <a:t>3</a:t>
+              <a:t>9</a:t>
             </a:r>
           </a:p>
         </p:txBody>

--- a/Diplom/10_10/Prezent.pptx
+++ b/Diplom/10_10/Prezent.pptx
@@ -39,30 +39,30 @@
   <p:notesSz cx="6858000" cy="9144000"/>
   <p:embeddedFontLst>
     <p:embeddedFont>
-      <p:font typeface="Golos Text Medium" panose="020B0604020202020204" charset="-52"/>
+      <p:font typeface="Proxima Nova" panose="020B0604020202020204" charset="0"/>
       <p:regular r:id="rId29"/>
+      <p:bold r:id="rId30"/>
+      <p:italic r:id="rId31"/>
+      <p:boldItalic r:id="rId32"/>
     </p:embeddedFont>
     <p:embeddedFont>
-      <p:font typeface="Proxima Nova" panose="020B0604020202020204" charset="0"/>
-      <p:regular r:id="rId30"/>
-      <p:bold r:id="rId31"/>
-      <p:italic r:id="rId32"/>
-      <p:boldItalic r:id="rId33"/>
+      <p:font typeface="Golos Text Medium" panose="020B0604020202020204" charset="-52"/>
+      <p:regular r:id="rId33"/>
+    </p:embeddedFont>
+    <p:embeddedFont>
+      <p:font typeface="Golos Text" panose="020B0604020202020204" charset="-52"/>
+      <p:regular r:id="rId34"/>
+      <p:bold r:id="rId35"/>
+    </p:embeddedFont>
+    <p:embeddedFont>
+      <p:font typeface="Calibri" panose="020F0502020204030204" pitchFamily="34" charset="0"/>
+      <p:regular r:id="rId36"/>
+      <p:bold r:id="rId37"/>
+      <p:italic r:id="rId38"/>
+      <p:boldItalic r:id="rId39"/>
     </p:embeddedFont>
     <p:embeddedFont>
       <p:font typeface="Proxima Nova Semibold" panose="02000506030000020004" charset="0"/>
-      <p:regular r:id="rId34"/>
-      <p:bold r:id="rId35"/>
-      <p:italic r:id="rId36"/>
-      <p:boldItalic r:id="rId37"/>
-    </p:embeddedFont>
-    <p:embeddedFont>
-      <p:font typeface="Golos Text" panose="020B0604020202020204" charset="-52"/>
-      <p:regular r:id="rId38"/>
-      <p:bold r:id="rId39"/>
-    </p:embeddedFont>
-    <p:embeddedFont>
-      <p:font typeface="Calibri" panose="020F0502020204030204" pitchFamily="34" charset="0"/>
       <p:regular r:id="rId40"/>
       <p:bold r:id="rId41"/>
       <p:italic r:id="rId42"/>
@@ -12803,8 +12803,8 @@
         </p:nvSpPr>
         <p:spPr>
           <a:xfrm>
-            <a:off x="17247685" y="9136775"/>
-            <a:ext cx="858715" cy="687422"/>
+            <a:off x="16956699" y="8178425"/>
+            <a:ext cx="899456" cy="620403"/>
           </a:xfrm>
           <a:prstGeom prst="rect">
             <a:avLst/>
@@ -12869,14 +12869,14 @@
                 <a:gridCol w="6878126">
                   <a:extLst>
                     <a:ext uri="{9D8B030D-6E8A-4147-A177-3AD203B41FA5}">
-                      <a16:colId xmlns:a16="http://schemas.microsoft.com/office/drawing/2014/main" val="20000"/>
+                      <a16:colId xmlns="" xmlns:a16="http://schemas.microsoft.com/office/drawing/2014/main" val="20000"/>
                     </a:ext>
                   </a:extLst>
                 </a:gridCol>
                 <a:gridCol w="5790775">
                   <a:extLst>
                     <a:ext uri="{9D8B030D-6E8A-4147-A177-3AD203B41FA5}">
-                      <a16:colId xmlns:a16="http://schemas.microsoft.com/office/drawing/2014/main" val="20001"/>
+                      <a16:colId xmlns="" xmlns:a16="http://schemas.microsoft.com/office/drawing/2014/main" val="20001"/>
                     </a:ext>
                   </a:extLst>
                 </a:gridCol>
@@ -12998,7 +12998,7 @@
                 </a:tc>
                 <a:extLst>
                   <a:ext uri="{0D108BD9-81ED-4DB2-BD59-A6C34878D82A}">
-                    <a16:rowId xmlns:a16="http://schemas.microsoft.com/office/drawing/2014/main" val="10000"/>
+                    <a16:rowId xmlns="" xmlns:a16="http://schemas.microsoft.com/office/drawing/2014/main" val="10000"/>
                   </a:ext>
                 </a:extLst>
               </a:tr>
@@ -13119,7 +13119,7 @@
                 </a:tc>
                 <a:extLst>
                   <a:ext uri="{0D108BD9-81ED-4DB2-BD59-A6C34878D82A}">
-                    <a16:rowId xmlns:a16="http://schemas.microsoft.com/office/drawing/2014/main" val="10001"/>
+                    <a16:rowId xmlns="" xmlns:a16="http://schemas.microsoft.com/office/drawing/2014/main" val="10001"/>
                   </a:ext>
                 </a:extLst>
               </a:tr>
@@ -13240,7 +13240,7 @@
                 </a:tc>
                 <a:extLst>
                   <a:ext uri="{0D108BD9-81ED-4DB2-BD59-A6C34878D82A}">
-                    <a16:rowId xmlns:a16="http://schemas.microsoft.com/office/drawing/2014/main" val="10002"/>
+                    <a16:rowId xmlns="" xmlns:a16="http://schemas.microsoft.com/office/drawing/2014/main" val="10002"/>
                   </a:ext>
                 </a:extLst>
               </a:tr>
@@ -13361,7 +13361,7 @@
                 </a:tc>
                 <a:extLst>
                   <a:ext uri="{0D108BD9-81ED-4DB2-BD59-A6C34878D82A}">
-                    <a16:rowId xmlns:a16="http://schemas.microsoft.com/office/drawing/2014/main" val="10003"/>
+                    <a16:rowId xmlns="" xmlns:a16="http://schemas.microsoft.com/office/drawing/2014/main" val="10003"/>
                   </a:ext>
                 </a:extLst>
               </a:tr>
@@ -13482,7 +13482,7 @@
                 </a:tc>
                 <a:extLst>
                   <a:ext uri="{0D108BD9-81ED-4DB2-BD59-A6C34878D82A}">
-                    <a16:rowId xmlns:a16="http://schemas.microsoft.com/office/drawing/2014/main" val="10004"/>
+                    <a16:rowId xmlns="" xmlns:a16="http://schemas.microsoft.com/office/drawing/2014/main" val="10004"/>
                   </a:ext>
                 </a:extLst>
               </a:tr>
@@ -13603,7 +13603,7 @@
                 </a:tc>
                 <a:extLst>
                   <a:ext uri="{0D108BD9-81ED-4DB2-BD59-A6C34878D82A}">
-                    <a16:rowId xmlns:a16="http://schemas.microsoft.com/office/drawing/2014/main" val="10005"/>
+                    <a16:rowId xmlns="" xmlns:a16="http://schemas.microsoft.com/office/drawing/2014/main" val="10005"/>
                   </a:ext>
                 </a:extLst>
               </a:tr>
@@ -13724,7 +13724,7 @@
                 </a:tc>
                 <a:extLst>
                   <a:ext uri="{0D108BD9-81ED-4DB2-BD59-A6C34878D82A}">
-                    <a16:rowId xmlns:a16="http://schemas.microsoft.com/office/drawing/2014/main" val="10006"/>
+                    <a16:rowId xmlns="" xmlns:a16="http://schemas.microsoft.com/office/drawing/2014/main" val="10006"/>
                   </a:ext>
                 </a:extLst>
               </a:tr>
@@ -13803,7 +13803,7 @@
                 </a:tc>
                 <a:extLst>
                   <a:ext uri="{0D108BD9-81ED-4DB2-BD59-A6C34878D82A}">
-                    <a16:rowId xmlns:a16="http://schemas.microsoft.com/office/drawing/2014/main" val="10007"/>
+                    <a16:rowId xmlns="" xmlns:a16="http://schemas.microsoft.com/office/drawing/2014/main" val="10007"/>
                   </a:ext>
                 </a:extLst>
               </a:tr>
@@ -14686,7 +14686,7 @@
         </p:nvSpPr>
         <p:spPr>
           <a:xfrm>
-            <a:off x="17393952" y="9205285"/>
+            <a:off x="17037538" y="8567388"/>
             <a:ext cx="566181" cy="553998"/>
           </a:xfrm>
           <a:prstGeom prst="rect">
@@ -15081,7 +15081,7 @@
         </p:nvSpPr>
         <p:spPr>
           <a:xfrm>
-            <a:off x="17491363" y="8605550"/>
+            <a:off x="17320246" y="7533980"/>
             <a:ext cx="603050" cy="553998"/>
           </a:xfrm>
           <a:prstGeom prst="rect">
@@ -16427,7 +16427,7 @@
         </p:nvSpPr>
         <p:spPr>
           <a:xfrm>
-            <a:off x="17534847" y="8570549"/>
+            <a:off x="17378756" y="7848722"/>
             <a:ext cx="604653" cy="553998"/>
           </a:xfrm>
           <a:prstGeom prst="rect">
@@ -18571,7 +18571,7 @@
                   <a:cs typeface="Golos Text" panose="020B0503020202020204" pitchFamily="34" charset="0"/>
                   <a:sym typeface="Proxima Nova Semibold"/>
                 </a:rPr>
-                <a:t>3</a:t>
+                <a:t>2</a:t>
               </a:r>
               <a:endParaRPr sz="3200" dirty="0">
                 <a:latin typeface="Golos Text" panose="020B0503020202020204" pitchFamily="34" charset="0"/>
@@ -19046,7 +19046,7 @@
                   <a:cs typeface="Golos Text" panose="020B0503020202020204" pitchFamily="34" charset="0"/>
                   <a:sym typeface="Proxima Nova Semibold"/>
                 </a:rPr>
-                <a:t>8</a:t>
+                <a:t>3</a:t>
               </a:r>
               <a:endParaRPr sz="3200" dirty="0">
                 <a:latin typeface="Golos Text" panose="020B0503020202020204" pitchFamily="34" charset="0"/>
@@ -19157,13 +19157,13 @@
                 <a:buNone/>
               </a:pPr>
               <a:r>
-                <a:rPr lang="ru" sz="3200" dirty="0" smtClean="0">
+                <a:rPr lang="ru" sz="3200" dirty="0">
                   <a:latin typeface="Golos Text" panose="020B0503020202020204" pitchFamily="34" charset="0"/>
                   <a:ea typeface="Proxima Nova Semibold"/>
                   <a:cs typeface="Golos Text" panose="020B0503020202020204" pitchFamily="34" charset="0"/>
                   <a:sym typeface="Proxima Nova Semibold"/>
                 </a:rPr>
-                <a:t>12</a:t>
+                <a:t>4</a:t>
               </a:r>
               <a:endParaRPr sz="3200" dirty="0">
                 <a:latin typeface="Golos Text" panose="020B0503020202020204" pitchFamily="34" charset="0"/>
@@ -19274,13 +19274,13 @@
                 <a:buNone/>
               </a:pPr>
               <a:r>
-                <a:rPr lang="ru" sz="3200" dirty="0" smtClean="0">
+                <a:rPr lang="ru" sz="3200" dirty="0">
                   <a:latin typeface="Golos Text" panose="020B0503020202020204" pitchFamily="34" charset="0"/>
                   <a:ea typeface="Proxima Nova Semibold"/>
                   <a:cs typeface="Golos Text" panose="020B0503020202020204" pitchFamily="34" charset="0"/>
                   <a:sym typeface="Proxima Nova Semibold"/>
                 </a:rPr>
-                <a:t>18</a:t>
+                <a:t>5</a:t>
               </a:r>
               <a:endParaRPr sz="3200" dirty="0">
                 <a:latin typeface="Golos Text" panose="020B0503020202020204" pitchFamily="34" charset="0"/>
@@ -19391,13 +19391,13 @@
                 <a:buNone/>
               </a:pPr>
               <a:r>
-                <a:rPr lang="ru" sz="3200" dirty="0" smtClean="0">
+                <a:rPr lang="ru" sz="3200" dirty="0">
                   <a:latin typeface="Golos Text" panose="020B0503020202020204" pitchFamily="34" charset="0"/>
                   <a:ea typeface="Proxima Nova Semibold"/>
                   <a:cs typeface="Golos Text" panose="020B0503020202020204" pitchFamily="34" charset="0"/>
                   <a:sym typeface="Proxima Nova Semibold"/>
                 </a:rPr>
-                <a:t>22</a:t>
+                <a:t>6</a:t>
               </a:r>
               <a:endParaRPr sz="3200" dirty="0">
                 <a:latin typeface="Golos Text" panose="020B0503020202020204" pitchFamily="34" charset="0"/>
@@ -19414,7 +19414,7 @@
           <p:cNvPr id="35" name="Google Shape;634;p35">
             <a:extLst>
               <a:ext uri="{FF2B5EF4-FFF2-40B4-BE49-F238E27FC236}">
-                <a16:creationId xmlns:a16="http://schemas.microsoft.com/office/drawing/2014/main" id="{0F01FBFA-A5C2-2C4C-86D6-DCD3B1E07244}"/>
+                <a16:creationId xmlns="" xmlns:a16="http://schemas.microsoft.com/office/drawing/2014/main" id="{0F01FBFA-A5C2-2C4C-86D6-DCD3B1E07244}"/>
               </a:ext>
             </a:extLst>
           </p:cNvPr>
@@ -19574,7 +19574,7 @@
         </p:nvSpPr>
         <p:spPr>
           <a:xfrm>
-            <a:off x="17263023" y="9154967"/>
+            <a:off x="17082719" y="8545689"/>
             <a:ext cx="412292" cy="553998"/>
           </a:xfrm>
           <a:prstGeom prst="rect">
@@ -23541,6 +23541,12 @@
               </a:rPr>
               <a:t>Сводная таблица результатов при построении различных моделей</a:t>
             </a:r>
+            <a:endParaRPr lang="ru-RU" sz="4000" dirty="0" smtClean="0">
+              <a:latin typeface="Golos Text Medium" panose="020B0503020202020204" pitchFamily="34" charset="0"/>
+              <a:ea typeface="Proxima Nova Semibold"/>
+              <a:cs typeface="Golos Text Medium" panose="020B0503020202020204" pitchFamily="34" charset="0"/>
+              <a:sym typeface="Proxima Nova Semibold"/>
+            </a:endParaRPr>
           </a:p>
           <a:p>
             <a:pPr marL="0" lvl="0" indent="0" algn="l" rtl="0">
@@ -23716,34 +23722,10 @@
                 <a:tableStyleId>{5940675A-B579-460E-94D1-54222C63F5DA}</a:tableStyleId>
               </a:tblPr>
               <a:tblGrid>
-                <a:gridCol w="2813538">
-                  <a:extLst>
-                    <a:ext uri="{9D8B030D-6E8A-4147-A177-3AD203B41FA5}">
-                      <a16:colId xmlns:a16="http://schemas.microsoft.com/office/drawing/2014/main" val="20000"/>
-                    </a:ext>
-                  </a:extLst>
-                </a:gridCol>
-                <a:gridCol w="4360984">
-                  <a:extLst>
-                    <a:ext uri="{9D8B030D-6E8A-4147-A177-3AD203B41FA5}">
-                      <a16:colId xmlns:a16="http://schemas.microsoft.com/office/drawing/2014/main" val="20001"/>
-                    </a:ext>
-                  </a:extLst>
-                </a:gridCol>
-                <a:gridCol w="3329354">
-                  <a:extLst>
-                    <a:ext uri="{9D8B030D-6E8A-4147-A177-3AD203B41FA5}">
-                      <a16:colId xmlns:a16="http://schemas.microsoft.com/office/drawing/2014/main" val="20002"/>
-                    </a:ext>
-                  </a:extLst>
-                </a:gridCol>
-                <a:gridCol w="5964628">
-                  <a:extLst>
-                    <a:ext uri="{9D8B030D-6E8A-4147-A177-3AD203B41FA5}">
-                      <a16:colId xmlns:a16="http://schemas.microsoft.com/office/drawing/2014/main" val="20003"/>
-                    </a:ext>
-                  </a:extLst>
-                </a:gridCol>
+                <a:gridCol w="2813538"/>
+                <a:gridCol w="4360984"/>
+                <a:gridCol w="3329354"/>
+                <a:gridCol w="5964628"/>
               </a:tblGrid>
               <a:tr h="888525">
                 <a:tc>
@@ -23872,11 +23854,6 @@
                     </a:solidFill>
                   </a:tcPr>
                 </a:tc>
-                <a:extLst>
-                  <a:ext uri="{0D108BD9-81ED-4DB2-BD59-A6C34878D82A}">
-                    <a16:rowId xmlns:a16="http://schemas.microsoft.com/office/drawing/2014/main" val="10000"/>
-                  </a:ext>
-                </a:extLst>
               </a:tr>
               <a:tr h="888525">
                 <a:tc>
@@ -24003,11 +23980,6 @@
                     </a:solidFill>
                   </a:tcPr>
                 </a:tc>
-                <a:extLst>
-                  <a:ext uri="{0D108BD9-81ED-4DB2-BD59-A6C34878D82A}">
-                    <a16:rowId xmlns:a16="http://schemas.microsoft.com/office/drawing/2014/main" val="10001"/>
-                  </a:ext>
-                </a:extLst>
               </a:tr>
               <a:tr h="888525">
                 <a:tc>
@@ -24127,11 +24099,6 @@
                     </a:solidFill>
                   </a:tcPr>
                 </a:tc>
-                <a:extLst>
-                  <a:ext uri="{0D108BD9-81ED-4DB2-BD59-A6C34878D82A}">
-                    <a16:rowId xmlns:a16="http://schemas.microsoft.com/office/drawing/2014/main" val="10002"/>
-                  </a:ext>
-                </a:extLst>
               </a:tr>
             </a:tbl>
           </a:graphicData>
@@ -25471,8 +25438,8 @@
         </p:nvSpPr>
         <p:spPr>
           <a:xfrm>
-            <a:off x="17457090" y="8643565"/>
-            <a:ext cx="521818" cy="711229"/>
+            <a:off x="16607083" y="7348250"/>
+            <a:ext cx="1532417" cy="711229"/>
           </a:xfrm>
           <a:prstGeom prst="rect">
             <a:avLst/>
@@ -25829,35 +25796,35 @@
                 <a:gridCol w="1632124">
                   <a:extLst>
                     <a:ext uri="{9D8B030D-6E8A-4147-A177-3AD203B41FA5}">
-                      <a16:colId xmlns:a16="http://schemas.microsoft.com/office/drawing/2014/main" val="20000"/>
+                      <a16:colId xmlns="" xmlns:a16="http://schemas.microsoft.com/office/drawing/2014/main" val="20000"/>
                     </a:ext>
                   </a:extLst>
                 </a:gridCol>
                 <a:gridCol w="2856222">
                   <a:extLst>
                     <a:ext uri="{9D8B030D-6E8A-4147-A177-3AD203B41FA5}">
-                      <a16:colId xmlns:a16="http://schemas.microsoft.com/office/drawing/2014/main" val="20001"/>
+                      <a16:colId xmlns="" xmlns:a16="http://schemas.microsoft.com/office/drawing/2014/main" val="20001"/>
                     </a:ext>
                   </a:extLst>
                 </a:gridCol>
                 <a:gridCol w="4556352">
                   <a:extLst>
                     <a:ext uri="{9D8B030D-6E8A-4147-A177-3AD203B41FA5}">
-                      <a16:colId xmlns:a16="http://schemas.microsoft.com/office/drawing/2014/main" val="20002"/>
+                      <a16:colId xmlns="" xmlns:a16="http://schemas.microsoft.com/office/drawing/2014/main" val="20002"/>
                     </a:ext>
                   </a:extLst>
                 </a:gridCol>
                 <a:gridCol w="3026234">
                   <a:extLst>
                     <a:ext uri="{9D8B030D-6E8A-4147-A177-3AD203B41FA5}">
-                      <a16:colId xmlns:a16="http://schemas.microsoft.com/office/drawing/2014/main" val="20003"/>
+                      <a16:colId xmlns="" xmlns:a16="http://schemas.microsoft.com/office/drawing/2014/main" val="20003"/>
                     </a:ext>
                   </a:extLst>
                 </a:gridCol>
                 <a:gridCol w="3162243">
                   <a:extLst>
                     <a:ext uri="{9D8B030D-6E8A-4147-A177-3AD203B41FA5}">
-                      <a16:colId xmlns:a16="http://schemas.microsoft.com/office/drawing/2014/main" val="20004"/>
+                      <a16:colId xmlns="" xmlns:a16="http://schemas.microsoft.com/office/drawing/2014/main" val="20004"/>
                     </a:ext>
                   </a:extLst>
                 </a:gridCol>
@@ -26208,7 +26175,7 @@
                 </a:tc>
                 <a:extLst>
                   <a:ext uri="{0D108BD9-81ED-4DB2-BD59-A6C34878D82A}">
-                    <a16:rowId xmlns:a16="http://schemas.microsoft.com/office/drawing/2014/main" val="10000"/>
+                    <a16:rowId xmlns="" xmlns:a16="http://schemas.microsoft.com/office/drawing/2014/main" val="10000"/>
                   </a:ext>
                 </a:extLst>
               </a:tr>
@@ -26530,7 +26497,7 @@
                 </a:tc>
                 <a:extLst>
                   <a:ext uri="{0D108BD9-81ED-4DB2-BD59-A6C34878D82A}">
-                    <a16:rowId xmlns:a16="http://schemas.microsoft.com/office/drawing/2014/main" val="10001"/>
+                    <a16:rowId xmlns="" xmlns:a16="http://schemas.microsoft.com/office/drawing/2014/main" val="10001"/>
                   </a:ext>
                 </a:extLst>
               </a:tr>
@@ -26852,7 +26819,7 @@
                 </a:tc>
                 <a:extLst>
                   <a:ext uri="{0D108BD9-81ED-4DB2-BD59-A6C34878D82A}">
-                    <a16:rowId xmlns:a16="http://schemas.microsoft.com/office/drawing/2014/main" val="10002"/>
+                    <a16:rowId xmlns="" xmlns:a16="http://schemas.microsoft.com/office/drawing/2014/main" val="10002"/>
                   </a:ext>
                 </a:extLst>
               </a:tr>
@@ -27174,7 +27141,7 @@
                 </a:tc>
                 <a:extLst>
                   <a:ext uri="{0D108BD9-81ED-4DB2-BD59-A6C34878D82A}">
-                    <a16:rowId xmlns:a16="http://schemas.microsoft.com/office/drawing/2014/main" val="10003"/>
+                    <a16:rowId xmlns="" xmlns:a16="http://schemas.microsoft.com/office/drawing/2014/main" val="10003"/>
                   </a:ext>
                 </a:extLst>
               </a:tr>
@@ -27496,7 +27463,7 @@
                 </a:tc>
                 <a:extLst>
                   <a:ext uri="{0D108BD9-81ED-4DB2-BD59-A6C34878D82A}">
-                    <a16:rowId xmlns:a16="http://schemas.microsoft.com/office/drawing/2014/main" val="10004"/>
+                    <a16:rowId xmlns="" xmlns:a16="http://schemas.microsoft.com/office/drawing/2014/main" val="10004"/>
                   </a:ext>
                 </a:extLst>
               </a:tr>
@@ -27818,7 +27785,7 @@
                 </a:tc>
                 <a:extLst>
                   <a:ext uri="{0D108BD9-81ED-4DB2-BD59-A6C34878D82A}">
-                    <a16:rowId xmlns:a16="http://schemas.microsoft.com/office/drawing/2014/main" val="10005"/>
+                    <a16:rowId xmlns="" xmlns:a16="http://schemas.microsoft.com/office/drawing/2014/main" val="10005"/>
                   </a:ext>
                 </a:extLst>
               </a:tr>
@@ -28066,8 +28033,8 @@
         </p:nvSpPr>
         <p:spPr>
           <a:xfrm>
-            <a:off x="17570475" y="8728206"/>
-            <a:ext cx="599933" cy="690295"/>
+            <a:off x="17108518" y="7829532"/>
+            <a:ext cx="923913" cy="690295"/>
           </a:xfrm>
           <a:prstGeom prst="rect">
             <a:avLst/>
@@ -28315,77 +28282,77 @@
                 <a:gridCol w="810497">
                   <a:extLst>
                     <a:ext uri="{9D8B030D-6E8A-4147-A177-3AD203B41FA5}">
-                      <a16:colId xmlns:a16="http://schemas.microsoft.com/office/drawing/2014/main" val="20000"/>
+                      <a16:colId xmlns="" xmlns:a16="http://schemas.microsoft.com/office/drawing/2014/main" val="20000"/>
                     </a:ext>
                   </a:extLst>
                 </a:gridCol>
                 <a:gridCol w="810497">
                   <a:extLst>
                     <a:ext uri="{9D8B030D-6E8A-4147-A177-3AD203B41FA5}">
-                      <a16:colId xmlns:a16="http://schemas.microsoft.com/office/drawing/2014/main" val="20001"/>
+                      <a16:colId xmlns="" xmlns:a16="http://schemas.microsoft.com/office/drawing/2014/main" val="20001"/>
                     </a:ext>
                   </a:extLst>
                 </a:gridCol>
                 <a:gridCol w="810497">
                   <a:extLst>
                     <a:ext uri="{9D8B030D-6E8A-4147-A177-3AD203B41FA5}">
-                      <a16:colId xmlns:a16="http://schemas.microsoft.com/office/drawing/2014/main" val="20002"/>
+                      <a16:colId xmlns="" xmlns:a16="http://schemas.microsoft.com/office/drawing/2014/main" val="20002"/>
                     </a:ext>
                   </a:extLst>
                 </a:gridCol>
                 <a:gridCol w="2144441">
                   <a:extLst>
                     <a:ext uri="{9D8B030D-6E8A-4147-A177-3AD203B41FA5}">
-                      <a16:colId xmlns:a16="http://schemas.microsoft.com/office/drawing/2014/main" val="20003"/>
+                      <a16:colId xmlns="" xmlns:a16="http://schemas.microsoft.com/office/drawing/2014/main" val="20003"/>
                     </a:ext>
                   </a:extLst>
                 </a:gridCol>
                 <a:gridCol w="2262639">
                   <a:extLst>
                     <a:ext uri="{9D8B030D-6E8A-4147-A177-3AD203B41FA5}">
-                      <a16:colId xmlns:a16="http://schemas.microsoft.com/office/drawing/2014/main" val="20004"/>
+                      <a16:colId xmlns="" xmlns:a16="http://schemas.microsoft.com/office/drawing/2014/main" val="20004"/>
                     </a:ext>
                   </a:extLst>
                 </a:gridCol>
                 <a:gridCol w="2060015">
                   <a:extLst>
                     <a:ext uri="{9D8B030D-6E8A-4147-A177-3AD203B41FA5}">
-                      <a16:colId xmlns:a16="http://schemas.microsoft.com/office/drawing/2014/main" val="20005"/>
+                      <a16:colId xmlns="" xmlns:a16="http://schemas.microsoft.com/office/drawing/2014/main" val="20005"/>
                     </a:ext>
                   </a:extLst>
                 </a:gridCol>
                 <a:gridCol w="1570339">
                   <a:extLst>
                     <a:ext uri="{9D8B030D-6E8A-4147-A177-3AD203B41FA5}">
-                      <a16:colId xmlns:a16="http://schemas.microsoft.com/office/drawing/2014/main" val="20006"/>
+                      <a16:colId xmlns="" xmlns:a16="http://schemas.microsoft.com/office/drawing/2014/main" val="20006"/>
                     </a:ext>
                   </a:extLst>
                 </a:gridCol>
                 <a:gridCol w="645864">
                   <a:extLst>
                     <a:ext uri="{9D8B030D-6E8A-4147-A177-3AD203B41FA5}">
-                      <a16:colId xmlns:a16="http://schemas.microsoft.com/office/drawing/2014/main" val="20007"/>
+                      <a16:colId xmlns="" xmlns:a16="http://schemas.microsoft.com/office/drawing/2014/main" val="20007"/>
                     </a:ext>
                   </a:extLst>
                 </a:gridCol>
                 <a:gridCol w="1688536">
                   <a:extLst>
                     <a:ext uri="{9D8B030D-6E8A-4147-A177-3AD203B41FA5}">
-                      <a16:colId xmlns:a16="http://schemas.microsoft.com/office/drawing/2014/main" val="20008"/>
+                      <a16:colId xmlns="" xmlns:a16="http://schemas.microsoft.com/office/drawing/2014/main" val="20008"/>
                     </a:ext>
                   </a:extLst>
                 </a:gridCol>
                 <a:gridCol w="2216203">
                   <a:extLst>
                     <a:ext uri="{9D8B030D-6E8A-4147-A177-3AD203B41FA5}">
-                      <a16:colId xmlns:a16="http://schemas.microsoft.com/office/drawing/2014/main" val="20009"/>
+                      <a16:colId xmlns="" xmlns:a16="http://schemas.microsoft.com/office/drawing/2014/main" val="20009"/>
                     </a:ext>
                   </a:extLst>
                 </a:gridCol>
                 <a:gridCol w="1978323">
                   <a:extLst>
                     <a:ext uri="{9D8B030D-6E8A-4147-A177-3AD203B41FA5}">
-                      <a16:colId xmlns:a16="http://schemas.microsoft.com/office/drawing/2014/main" val="20010"/>
+                      <a16:colId xmlns="" xmlns:a16="http://schemas.microsoft.com/office/drawing/2014/main" val="20010"/>
                     </a:ext>
                   </a:extLst>
                 </a:gridCol>
@@ -29107,7 +29074,7 @@
                 </a:tc>
                 <a:extLst>
                   <a:ext uri="{0D108BD9-81ED-4DB2-BD59-A6C34878D82A}">
-                    <a16:rowId xmlns:a16="http://schemas.microsoft.com/office/drawing/2014/main" val="10000"/>
+                    <a16:rowId xmlns="" xmlns:a16="http://schemas.microsoft.com/office/drawing/2014/main" val="10000"/>
                   </a:ext>
                 </a:extLst>
               </a:tr>
@@ -29814,7 +29781,7 @@
                 </a:tc>
                 <a:extLst>
                   <a:ext uri="{0D108BD9-81ED-4DB2-BD59-A6C34878D82A}">
-                    <a16:rowId xmlns:a16="http://schemas.microsoft.com/office/drawing/2014/main" val="10001"/>
+                    <a16:rowId xmlns="" xmlns:a16="http://schemas.microsoft.com/office/drawing/2014/main" val="10001"/>
                   </a:ext>
                 </a:extLst>
               </a:tr>
@@ -30514,7 +30481,7 @@
                 </a:tc>
                 <a:extLst>
                   <a:ext uri="{0D108BD9-81ED-4DB2-BD59-A6C34878D82A}">
-                    <a16:rowId xmlns:a16="http://schemas.microsoft.com/office/drawing/2014/main" val="10002"/>
+                    <a16:rowId xmlns="" xmlns:a16="http://schemas.microsoft.com/office/drawing/2014/main" val="10002"/>
                   </a:ext>
                 </a:extLst>
               </a:tr>
@@ -31214,7 +31181,7 @@
                 </a:tc>
                 <a:extLst>
                   <a:ext uri="{0D108BD9-81ED-4DB2-BD59-A6C34878D82A}">
-                    <a16:rowId xmlns:a16="http://schemas.microsoft.com/office/drawing/2014/main" val="10003"/>
+                    <a16:rowId xmlns="" xmlns:a16="http://schemas.microsoft.com/office/drawing/2014/main" val="10003"/>
                   </a:ext>
                 </a:extLst>
               </a:tr>
@@ -31914,7 +31881,7 @@
                 </a:tc>
                 <a:extLst>
                   <a:ext uri="{0D108BD9-81ED-4DB2-BD59-A6C34878D82A}">
-                    <a16:rowId xmlns:a16="http://schemas.microsoft.com/office/drawing/2014/main" val="10004"/>
+                    <a16:rowId xmlns="" xmlns:a16="http://schemas.microsoft.com/office/drawing/2014/main" val="10004"/>
                   </a:ext>
                 </a:extLst>
               </a:tr>
@@ -32614,7 +32581,7 @@
                 </a:tc>
                 <a:extLst>
                   <a:ext uri="{0D108BD9-81ED-4DB2-BD59-A6C34878D82A}">
-                    <a16:rowId xmlns:a16="http://schemas.microsoft.com/office/drawing/2014/main" val="10005"/>
+                    <a16:rowId xmlns="" xmlns:a16="http://schemas.microsoft.com/office/drawing/2014/main" val="10005"/>
                   </a:ext>
                 </a:extLst>
               </a:tr>
@@ -33314,7 +33281,7 @@
                 </a:tc>
                 <a:extLst>
                   <a:ext uri="{0D108BD9-81ED-4DB2-BD59-A6C34878D82A}">
-                    <a16:rowId xmlns:a16="http://schemas.microsoft.com/office/drawing/2014/main" val="10006"/>
+                    <a16:rowId xmlns="" xmlns:a16="http://schemas.microsoft.com/office/drawing/2014/main" val="10006"/>
                   </a:ext>
                 </a:extLst>
               </a:tr>
@@ -33711,28 +33678,28 @@
                 <a:gridCol w="1298589">
                   <a:extLst>
                     <a:ext uri="{9D8B030D-6E8A-4147-A177-3AD203B41FA5}">
-                      <a16:colId xmlns:a16="http://schemas.microsoft.com/office/drawing/2014/main" val="20000"/>
+                      <a16:colId xmlns="" xmlns:a16="http://schemas.microsoft.com/office/drawing/2014/main" val="20000"/>
                     </a:ext>
                   </a:extLst>
                 </a:gridCol>
                 <a:gridCol w="4152779">
                   <a:extLst>
                     <a:ext uri="{9D8B030D-6E8A-4147-A177-3AD203B41FA5}">
-                      <a16:colId xmlns:a16="http://schemas.microsoft.com/office/drawing/2014/main" val="20001"/>
+                      <a16:colId xmlns="" xmlns:a16="http://schemas.microsoft.com/office/drawing/2014/main" val="20001"/>
                     </a:ext>
                   </a:extLst>
                 </a:gridCol>
                 <a:gridCol w="4381674">
                   <a:extLst>
                     <a:ext uri="{9D8B030D-6E8A-4147-A177-3AD203B41FA5}">
-                      <a16:colId xmlns:a16="http://schemas.microsoft.com/office/drawing/2014/main" val="20002"/>
+                      <a16:colId xmlns="" xmlns:a16="http://schemas.microsoft.com/office/drawing/2014/main" val="20002"/>
                     </a:ext>
                   </a:extLst>
                 </a:gridCol>
                 <a:gridCol w="3989284">
                   <a:extLst>
                     <a:ext uri="{9D8B030D-6E8A-4147-A177-3AD203B41FA5}">
-                      <a16:colId xmlns:a16="http://schemas.microsoft.com/office/drawing/2014/main" val="20003"/>
+                      <a16:colId xmlns="" xmlns:a16="http://schemas.microsoft.com/office/drawing/2014/main" val="20003"/>
                     </a:ext>
                   </a:extLst>
                 </a:gridCol>
@@ -34013,7 +33980,7 @@
                 </a:tc>
                 <a:extLst>
                   <a:ext uri="{0D108BD9-81ED-4DB2-BD59-A6C34878D82A}">
-                    <a16:rowId xmlns:a16="http://schemas.microsoft.com/office/drawing/2014/main" val="10000"/>
+                    <a16:rowId xmlns="" xmlns:a16="http://schemas.microsoft.com/office/drawing/2014/main" val="10000"/>
                   </a:ext>
                 </a:extLst>
               </a:tr>
@@ -34272,7 +34239,7 @@
                 </a:tc>
                 <a:extLst>
                   <a:ext uri="{0D108BD9-81ED-4DB2-BD59-A6C34878D82A}">
-                    <a16:rowId xmlns:a16="http://schemas.microsoft.com/office/drawing/2014/main" val="10001"/>
+                    <a16:rowId xmlns="" xmlns:a16="http://schemas.microsoft.com/office/drawing/2014/main" val="10001"/>
                   </a:ext>
                 </a:extLst>
               </a:tr>
@@ -34531,7 +34498,7 @@
                 </a:tc>
                 <a:extLst>
                   <a:ext uri="{0D108BD9-81ED-4DB2-BD59-A6C34878D82A}">
-                    <a16:rowId xmlns:a16="http://schemas.microsoft.com/office/drawing/2014/main" val="10002"/>
+                    <a16:rowId xmlns="" xmlns:a16="http://schemas.microsoft.com/office/drawing/2014/main" val="10002"/>
                   </a:ext>
                 </a:extLst>
               </a:tr>
@@ -34790,7 +34757,7 @@
                 </a:tc>
                 <a:extLst>
                   <a:ext uri="{0D108BD9-81ED-4DB2-BD59-A6C34878D82A}">
-                    <a16:rowId xmlns:a16="http://schemas.microsoft.com/office/drawing/2014/main" val="10003"/>
+                    <a16:rowId xmlns="" xmlns:a16="http://schemas.microsoft.com/office/drawing/2014/main" val="10003"/>
                   </a:ext>
                 </a:extLst>
               </a:tr>
@@ -35049,7 +35016,7 @@
                 </a:tc>
                 <a:extLst>
                   <a:ext uri="{0D108BD9-81ED-4DB2-BD59-A6C34878D82A}">
-                    <a16:rowId xmlns:a16="http://schemas.microsoft.com/office/drawing/2014/main" val="10004"/>
+                    <a16:rowId xmlns="" xmlns:a16="http://schemas.microsoft.com/office/drawing/2014/main" val="10004"/>
                   </a:ext>
                 </a:extLst>
               </a:tr>
@@ -35308,7 +35275,7 @@
                 </a:tc>
                 <a:extLst>
                   <a:ext uri="{0D108BD9-81ED-4DB2-BD59-A6C34878D82A}">
-                    <a16:rowId xmlns:a16="http://schemas.microsoft.com/office/drawing/2014/main" val="10005"/>
+                    <a16:rowId xmlns="" xmlns:a16="http://schemas.microsoft.com/office/drawing/2014/main" val="10005"/>
                   </a:ext>
                 </a:extLst>
               </a:tr>
@@ -35324,7 +35291,7 @@
         </p:nvSpPr>
         <p:spPr>
           <a:xfrm>
-            <a:off x="17570475" y="8605550"/>
+            <a:off x="17018923" y="7775342"/>
             <a:ext cx="412292" cy="553998"/>
           </a:xfrm>
           <a:prstGeom prst="rect">
@@ -35812,105 +35779,105 @@
                 <a:gridCol w="612289">
                   <a:extLst>
                     <a:ext uri="{9D8B030D-6E8A-4147-A177-3AD203B41FA5}">
-                      <a16:colId xmlns:a16="http://schemas.microsoft.com/office/drawing/2014/main" val="20000"/>
+                      <a16:colId xmlns="" xmlns:a16="http://schemas.microsoft.com/office/drawing/2014/main" val="20000"/>
                     </a:ext>
                   </a:extLst>
                 </a:gridCol>
                 <a:gridCol w="874278">
                   <a:extLst>
                     <a:ext uri="{9D8B030D-6E8A-4147-A177-3AD203B41FA5}">
-                      <a16:colId xmlns:a16="http://schemas.microsoft.com/office/drawing/2014/main" val="20001"/>
+                      <a16:colId xmlns="" xmlns:a16="http://schemas.microsoft.com/office/drawing/2014/main" val="20001"/>
                     </a:ext>
                   </a:extLst>
                 </a:gridCol>
                 <a:gridCol w="941983">
                   <a:extLst>
                     <a:ext uri="{9D8B030D-6E8A-4147-A177-3AD203B41FA5}">
-                      <a16:colId xmlns:a16="http://schemas.microsoft.com/office/drawing/2014/main" val="20002"/>
+                      <a16:colId xmlns="" xmlns:a16="http://schemas.microsoft.com/office/drawing/2014/main" val="20002"/>
                     </a:ext>
                   </a:extLst>
                 </a:gridCol>
                 <a:gridCol w="1212803">
                   <a:extLst>
                     <a:ext uri="{9D8B030D-6E8A-4147-A177-3AD203B41FA5}">
-                      <a16:colId xmlns:a16="http://schemas.microsoft.com/office/drawing/2014/main" val="20003"/>
+                      <a16:colId xmlns="" xmlns:a16="http://schemas.microsoft.com/office/drawing/2014/main" val="20003"/>
                     </a:ext>
                   </a:extLst>
                 </a:gridCol>
                 <a:gridCol w="1495398">
                   <a:extLst>
                     <a:ext uri="{9D8B030D-6E8A-4147-A177-3AD203B41FA5}">
-                      <a16:colId xmlns:a16="http://schemas.microsoft.com/office/drawing/2014/main" val="20004"/>
+                      <a16:colId xmlns="" xmlns:a16="http://schemas.microsoft.com/office/drawing/2014/main" val="20004"/>
                     </a:ext>
                   </a:extLst>
                 </a:gridCol>
                 <a:gridCol w="1495398">
                   <a:extLst>
                     <a:ext uri="{9D8B030D-6E8A-4147-A177-3AD203B41FA5}">
-                      <a16:colId xmlns:a16="http://schemas.microsoft.com/office/drawing/2014/main" val="20005"/>
+                      <a16:colId xmlns="" xmlns:a16="http://schemas.microsoft.com/office/drawing/2014/main" val="20005"/>
                     </a:ext>
                   </a:extLst>
                 </a:gridCol>
                 <a:gridCol w="941983">
                   <a:extLst>
                     <a:ext uri="{9D8B030D-6E8A-4147-A177-3AD203B41FA5}">
-                      <a16:colId xmlns:a16="http://schemas.microsoft.com/office/drawing/2014/main" val="20006"/>
+                      <a16:colId xmlns="" xmlns:a16="http://schemas.microsoft.com/office/drawing/2014/main" val="20006"/>
                     </a:ext>
                   </a:extLst>
                 </a:gridCol>
                 <a:gridCol w="1530722">
                   <a:extLst>
                     <a:ext uri="{9D8B030D-6E8A-4147-A177-3AD203B41FA5}">
-                      <a16:colId xmlns:a16="http://schemas.microsoft.com/office/drawing/2014/main" val="20007"/>
+                      <a16:colId xmlns="" xmlns:a16="http://schemas.microsoft.com/office/drawing/2014/main" val="20007"/>
                     </a:ext>
                   </a:extLst>
                 </a:gridCol>
                 <a:gridCol w="1424749">
                   <a:extLst>
                     <a:ext uri="{9D8B030D-6E8A-4147-A177-3AD203B41FA5}">
-                      <a16:colId xmlns:a16="http://schemas.microsoft.com/office/drawing/2014/main" val="20008"/>
+                      <a16:colId xmlns="" xmlns:a16="http://schemas.microsoft.com/office/drawing/2014/main" val="20008"/>
                     </a:ext>
                   </a:extLst>
                 </a:gridCol>
                 <a:gridCol w="1401201">
                   <a:extLst>
                     <a:ext uri="{9D8B030D-6E8A-4147-A177-3AD203B41FA5}">
-                      <a16:colId xmlns:a16="http://schemas.microsoft.com/office/drawing/2014/main" val="20009"/>
+                      <a16:colId xmlns="" xmlns:a16="http://schemas.microsoft.com/office/drawing/2014/main" val="20009"/>
                     </a:ext>
                   </a:extLst>
                 </a:gridCol>
                 <a:gridCol w="1047956">
                   <a:extLst>
                     <a:ext uri="{9D8B030D-6E8A-4147-A177-3AD203B41FA5}">
-                      <a16:colId xmlns:a16="http://schemas.microsoft.com/office/drawing/2014/main" val="20010"/>
+                      <a16:colId xmlns="" xmlns:a16="http://schemas.microsoft.com/office/drawing/2014/main" val="20010"/>
                     </a:ext>
                   </a:extLst>
                 </a:gridCol>
                 <a:gridCol w="1156874">
                   <a:extLst>
                     <a:ext uri="{9D8B030D-6E8A-4147-A177-3AD203B41FA5}">
-                      <a16:colId xmlns:a16="http://schemas.microsoft.com/office/drawing/2014/main" val="20011"/>
+                      <a16:colId xmlns="" xmlns:a16="http://schemas.microsoft.com/office/drawing/2014/main" val="20011"/>
                     </a:ext>
                   </a:extLst>
                 </a:gridCol>
                 <a:gridCol w="1086225">
                   <a:extLst>
                     <a:ext uri="{9D8B030D-6E8A-4147-A177-3AD203B41FA5}">
-                      <a16:colId xmlns:a16="http://schemas.microsoft.com/office/drawing/2014/main" val="20012"/>
+                      <a16:colId xmlns="" xmlns:a16="http://schemas.microsoft.com/office/drawing/2014/main" val="20012"/>
                     </a:ext>
                   </a:extLst>
                 </a:gridCol>
                 <a:gridCol w="1212803">
                   <a:extLst>
                     <a:ext uri="{9D8B030D-6E8A-4147-A177-3AD203B41FA5}">
-                      <a16:colId xmlns:a16="http://schemas.microsoft.com/office/drawing/2014/main" val="20013"/>
+                      <a16:colId xmlns="" xmlns:a16="http://schemas.microsoft.com/office/drawing/2014/main" val="20013"/>
                     </a:ext>
                   </a:extLst>
                 </a:gridCol>
                 <a:gridCol w="1086225">
                   <a:extLst>
                     <a:ext uri="{9D8B030D-6E8A-4147-A177-3AD203B41FA5}">
-                      <a16:colId xmlns:a16="http://schemas.microsoft.com/office/drawing/2014/main" val="20014"/>
+                      <a16:colId xmlns="" xmlns:a16="http://schemas.microsoft.com/office/drawing/2014/main" val="20014"/>
                     </a:ext>
                   </a:extLst>
                 </a:gridCol>
@@ -36933,7 +36900,7 @@
                 </a:tc>
                 <a:extLst>
                   <a:ext uri="{0D108BD9-81ED-4DB2-BD59-A6C34878D82A}">
-                    <a16:rowId xmlns:a16="http://schemas.microsoft.com/office/drawing/2014/main" val="10000"/>
+                    <a16:rowId xmlns="" xmlns:a16="http://schemas.microsoft.com/office/drawing/2014/main" val="10000"/>
                   </a:ext>
                 </a:extLst>
               </a:tr>
@@ -37885,7 +37852,7 @@
                 </a:tc>
                 <a:extLst>
                   <a:ext uri="{0D108BD9-81ED-4DB2-BD59-A6C34878D82A}">
-                    <a16:rowId xmlns:a16="http://schemas.microsoft.com/office/drawing/2014/main" val="10001"/>
+                    <a16:rowId xmlns="" xmlns:a16="http://schemas.microsoft.com/office/drawing/2014/main" val="10001"/>
                   </a:ext>
                 </a:extLst>
               </a:tr>
@@ -38837,7 +38804,7 @@
                 </a:tc>
                 <a:extLst>
                   <a:ext uri="{0D108BD9-81ED-4DB2-BD59-A6C34878D82A}">
-                    <a16:rowId xmlns:a16="http://schemas.microsoft.com/office/drawing/2014/main" val="10002"/>
+                    <a16:rowId xmlns="" xmlns:a16="http://schemas.microsoft.com/office/drawing/2014/main" val="10002"/>
                   </a:ext>
                 </a:extLst>
               </a:tr>
@@ -39789,7 +39756,7 @@
                 </a:tc>
                 <a:extLst>
                   <a:ext uri="{0D108BD9-81ED-4DB2-BD59-A6C34878D82A}">
-                    <a16:rowId xmlns:a16="http://schemas.microsoft.com/office/drawing/2014/main" val="10003"/>
+                    <a16:rowId xmlns="" xmlns:a16="http://schemas.microsoft.com/office/drawing/2014/main" val="10003"/>
                   </a:ext>
                 </a:extLst>
               </a:tr>
@@ -40741,7 +40708,7 @@
                 </a:tc>
                 <a:extLst>
                   <a:ext uri="{0D108BD9-81ED-4DB2-BD59-A6C34878D82A}">
-                    <a16:rowId xmlns:a16="http://schemas.microsoft.com/office/drawing/2014/main" val="10004"/>
+                    <a16:rowId xmlns="" xmlns:a16="http://schemas.microsoft.com/office/drawing/2014/main" val="10004"/>
                   </a:ext>
                 </a:extLst>
               </a:tr>
@@ -41693,7 +41660,7 @@
                 </a:tc>
                 <a:extLst>
                   <a:ext uri="{0D108BD9-81ED-4DB2-BD59-A6C34878D82A}">
-                    <a16:rowId xmlns:a16="http://schemas.microsoft.com/office/drawing/2014/main" val="10005"/>
+                    <a16:rowId xmlns="" xmlns:a16="http://schemas.microsoft.com/office/drawing/2014/main" val="10005"/>
                   </a:ext>
                 </a:extLst>
               </a:tr>
@@ -41709,7 +41676,7 @@
         </p:nvSpPr>
         <p:spPr>
           <a:xfrm>
-            <a:off x="17570475" y="8605550"/>
+            <a:off x="16827537" y="7897664"/>
             <a:ext cx="421910" cy="553998"/>
           </a:xfrm>
           <a:prstGeom prst="rect">
@@ -41972,8 +41939,8 @@
         </p:nvSpPr>
         <p:spPr>
           <a:xfrm>
-            <a:off x="17570475" y="8605550"/>
-            <a:ext cx="523541" cy="758810"/>
+            <a:off x="16309165" y="7325993"/>
+            <a:ext cx="1085700" cy="758810"/>
           </a:xfrm>
           <a:prstGeom prst="rect">
             <a:avLst/>
@@ -42364,35 +42331,35 @@
                 <a:gridCol w="1442720">
                   <a:extLst>
                     <a:ext uri="{9D8B030D-6E8A-4147-A177-3AD203B41FA5}">
-                      <a16:colId xmlns:a16="http://schemas.microsoft.com/office/drawing/2014/main" val="20000"/>
+                      <a16:colId xmlns="" xmlns:a16="http://schemas.microsoft.com/office/drawing/2014/main" val="20000"/>
                     </a:ext>
                   </a:extLst>
                 </a:gridCol>
                 <a:gridCol w="3312160">
                   <a:extLst>
                     <a:ext uri="{9D8B030D-6E8A-4147-A177-3AD203B41FA5}">
-                      <a16:colId xmlns:a16="http://schemas.microsoft.com/office/drawing/2014/main" val="20001"/>
+                      <a16:colId xmlns="" xmlns:a16="http://schemas.microsoft.com/office/drawing/2014/main" val="20001"/>
                     </a:ext>
                   </a:extLst>
                 </a:gridCol>
                 <a:gridCol w="3759200">
                   <a:extLst>
                     <a:ext uri="{9D8B030D-6E8A-4147-A177-3AD203B41FA5}">
-                      <a16:colId xmlns:a16="http://schemas.microsoft.com/office/drawing/2014/main" val="20002"/>
+                      <a16:colId xmlns="" xmlns:a16="http://schemas.microsoft.com/office/drawing/2014/main" val="20002"/>
                     </a:ext>
                   </a:extLst>
                 </a:gridCol>
                 <a:gridCol w="2519680">
                   <a:extLst>
                     <a:ext uri="{9D8B030D-6E8A-4147-A177-3AD203B41FA5}">
-                      <a16:colId xmlns:a16="http://schemas.microsoft.com/office/drawing/2014/main" val="20003"/>
+                      <a16:colId xmlns="" xmlns:a16="http://schemas.microsoft.com/office/drawing/2014/main" val="20003"/>
                     </a:ext>
                   </a:extLst>
                 </a:gridCol>
                 <a:gridCol w="2702560">
                   <a:extLst>
                     <a:ext uri="{9D8B030D-6E8A-4147-A177-3AD203B41FA5}">
-                      <a16:colId xmlns:a16="http://schemas.microsoft.com/office/drawing/2014/main" val="20004"/>
+                      <a16:colId xmlns="" xmlns:a16="http://schemas.microsoft.com/office/drawing/2014/main" val="20004"/>
                     </a:ext>
                   </a:extLst>
                 </a:gridCol>
@@ -42753,7 +42720,7 @@
                 </a:tc>
                 <a:extLst>
                   <a:ext uri="{0D108BD9-81ED-4DB2-BD59-A6C34878D82A}">
-                    <a16:rowId xmlns:a16="http://schemas.microsoft.com/office/drawing/2014/main" val="10000"/>
+                    <a16:rowId xmlns="" xmlns:a16="http://schemas.microsoft.com/office/drawing/2014/main" val="10000"/>
                   </a:ext>
                 </a:extLst>
               </a:tr>
@@ -43103,7 +43070,7 @@
                 </a:tc>
                 <a:extLst>
                   <a:ext uri="{0D108BD9-81ED-4DB2-BD59-A6C34878D82A}">
-                    <a16:rowId xmlns:a16="http://schemas.microsoft.com/office/drawing/2014/main" val="10001"/>
+                    <a16:rowId xmlns="" xmlns:a16="http://schemas.microsoft.com/office/drawing/2014/main" val="10001"/>
                   </a:ext>
                 </a:extLst>
               </a:tr>
@@ -43410,7 +43377,7 @@
                 </a:tc>
                 <a:extLst>
                   <a:ext uri="{0D108BD9-81ED-4DB2-BD59-A6C34878D82A}">
-                    <a16:rowId xmlns:a16="http://schemas.microsoft.com/office/drawing/2014/main" val="10002"/>
+                    <a16:rowId xmlns="" xmlns:a16="http://schemas.microsoft.com/office/drawing/2014/main" val="10002"/>
                   </a:ext>
                 </a:extLst>
               </a:tr>
@@ -43880,7 +43847,7 @@
         </p:nvSpPr>
         <p:spPr>
           <a:xfrm>
-            <a:off x="17570475" y="8605550"/>
+            <a:off x="16875775" y="7228178"/>
             <a:ext cx="423514" cy="553998"/>
           </a:xfrm>
           <a:prstGeom prst="rect">
@@ -44235,7 +44202,7 @@
         </p:nvSpPr>
         <p:spPr>
           <a:xfrm>
-            <a:off x="17574500" y="9170507"/>
+            <a:off x="16564399" y="8138129"/>
             <a:ext cx="554019" cy="553998"/>
           </a:xfrm>
           <a:prstGeom prst="rect">

--- a/Diplom/10_10/Prezent.pptx
+++ b/Diplom/10_10/Prezent.pptx
@@ -39,7 +39,7 @@
   <p:notesSz cx="6858000" cy="9144000"/>
   <p:embeddedFontLst>
     <p:embeddedFont>
-      <p:font typeface="Proxima Nova" panose="020B0604020202020204" charset="0"/>
+      <p:font typeface="Proxima Nova Semibold" panose="02000506030000020004" charset="0"/>
       <p:regular r:id="rId29"/>
       <p:bold r:id="rId30"/>
       <p:italic r:id="rId31"/>
@@ -55,14 +55,14 @@
       <p:bold r:id="rId35"/>
     </p:embeddedFont>
     <p:embeddedFont>
-      <p:font typeface="Calibri" panose="020F0502020204030204" pitchFamily="34" charset="0"/>
+      <p:font typeface="Proxima Nova" panose="020B0604020202020204" charset="0"/>
       <p:regular r:id="rId36"/>
       <p:bold r:id="rId37"/>
       <p:italic r:id="rId38"/>
       <p:boldItalic r:id="rId39"/>
     </p:embeddedFont>
     <p:embeddedFont>
-      <p:font typeface="Proxima Nova Semibold" panose="02000506030000020004" charset="0"/>
+      <p:font typeface="Calibri" panose="020F0502020204030204" pitchFamily="34" charset="0"/>
       <p:regular r:id="rId40"/>
       <p:bold r:id="rId41"/>
       <p:italic r:id="rId42"/>
@@ -12803,8 +12803,8 @@
         </p:nvSpPr>
         <p:spPr>
           <a:xfrm>
-            <a:off x="16956699" y="8178425"/>
-            <a:ext cx="899456" cy="620403"/>
+            <a:off x="17247685" y="9136775"/>
+            <a:ext cx="858715" cy="687422"/>
           </a:xfrm>
           <a:prstGeom prst="rect">
             <a:avLst/>
@@ -14686,7 +14686,7 @@
         </p:nvSpPr>
         <p:spPr>
           <a:xfrm>
-            <a:off x="17037538" y="8567388"/>
+            <a:off x="17393952" y="9205285"/>
             <a:ext cx="566181" cy="553998"/>
           </a:xfrm>
           <a:prstGeom prst="rect">
@@ -15081,7 +15081,7 @@
         </p:nvSpPr>
         <p:spPr>
           <a:xfrm>
-            <a:off x="17320246" y="7533980"/>
+            <a:off x="17491363" y="8605550"/>
             <a:ext cx="603050" cy="553998"/>
           </a:xfrm>
           <a:prstGeom prst="rect">
@@ -15557,8 +15557,8 @@
         </p:nvSpPr>
         <p:spPr>
           <a:xfrm>
-            <a:off x="17404513" y="7874566"/>
-            <a:ext cx="603050" cy="553998"/>
+            <a:off x="17268950" y="8748425"/>
+            <a:ext cx="604653" cy="553998"/>
           </a:xfrm>
           <a:prstGeom prst="rect">
             <a:avLst/>
@@ -15571,12 +15571,16 @@
           <a:lstStyle/>
           <a:p>
             <a:r>
-              <a:rPr lang="ru-RU" sz="3000" dirty="0">
+              <a:rPr lang="ru-RU" sz="3000" dirty="0" smtClean="0">
                 <a:latin typeface="Golos Text Medium" panose="020B0604020202020204" charset="-52"/>
                 <a:cs typeface="Golos Text Medium" panose="020B0604020202020204" charset="-52"/>
               </a:rPr>
-              <a:t>12</a:t>
+              <a:t>13</a:t>
             </a:r>
+            <a:endParaRPr lang="ru-RU" sz="3000" dirty="0">
+              <a:latin typeface="Golos Text Medium" panose="020B0604020202020204" charset="-52"/>
+              <a:cs typeface="Golos Text Medium" panose="020B0604020202020204" charset="-52"/>
+            </a:endParaRPr>
           </a:p>
         </p:txBody>
       </p:sp>
@@ -15975,8 +15979,8 @@
         </p:nvSpPr>
         <p:spPr>
           <a:xfrm>
-            <a:off x="17174158" y="7674541"/>
-            <a:ext cx="604653" cy="553998"/>
+            <a:off x="17462996" y="8605550"/>
+            <a:ext cx="612668" cy="553998"/>
           </a:xfrm>
           <a:prstGeom prst="rect">
             <a:avLst/>
@@ -15993,7 +15997,7 @@
                 <a:latin typeface="Golos Text Medium" panose="020B0604020202020204" charset="-52"/>
                 <a:cs typeface="Golos Text Medium" panose="020B0604020202020204" charset="-52"/>
               </a:rPr>
-              <a:t>13</a:t>
+              <a:t>14</a:t>
             </a:r>
             <a:endParaRPr lang="ru-RU" sz="3000" dirty="0">
               <a:latin typeface="Golos Text Medium" panose="020B0604020202020204" charset="-52"/>
@@ -16427,8 +16431,8 @@
         </p:nvSpPr>
         <p:spPr>
           <a:xfrm>
-            <a:off x="17378756" y="7848722"/>
-            <a:ext cx="604653" cy="553998"/>
+            <a:off x="17534847" y="8570549"/>
+            <a:ext cx="603050" cy="553998"/>
           </a:xfrm>
           <a:prstGeom prst="rect">
             <a:avLst/>
@@ -16441,12 +16445,16 @@
           <a:lstStyle/>
           <a:p>
             <a:r>
-              <a:rPr lang="ru-RU" sz="3000" dirty="0">
+              <a:rPr lang="ru-RU" sz="3000" dirty="0" smtClean="0">
                 <a:latin typeface="Golos Text Medium" panose="020B0604020202020204" charset="-52"/>
                 <a:cs typeface="Golos Text Medium" panose="020B0604020202020204" charset="-52"/>
               </a:rPr>
-              <a:t>13</a:t>
+              <a:t>15</a:t>
             </a:r>
+            <a:endParaRPr lang="ru-RU" sz="3000" dirty="0">
+              <a:latin typeface="Golos Text Medium" panose="020B0604020202020204" charset="-52"/>
+              <a:cs typeface="Golos Text Medium" panose="020B0604020202020204" charset="-52"/>
+            </a:endParaRPr>
           </a:p>
         </p:txBody>
       </p:sp>
@@ -16940,7 +16948,7 @@
         <p:spPr>
           <a:xfrm>
             <a:off x="17563287" y="8730445"/>
-            <a:ext cx="611065" cy="553998"/>
+            <a:ext cx="612668" cy="553998"/>
           </a:xfrm>
           <a:prstGeom prst="rect">
             <a:avLst/>
@@ -16953,12 +16961,16 @@
           <a:lstStyle/>
           <a:p>
             <a:r>
-              <a:rPr lang="ru-RU" sz="3000" dirty="0">
+              <a:rPr lang="ru-RU" sz="3000" dirty="0" smtClean="0">
                 <a:latin typeface="Golos Text Medium" panose="020B0604020202020204" charset="-52"/>
                 <a:cs typeface="Golos Text Medium" panose="020B0604020202020204" charset="-52"/>
               </a:rPr>
-              <a:t>13</a:t>
+              <a:t>16</a:t>
             </a:r>
+            <a:endParaRPr lang="ru-RU" sz="3000" dirty="0">
+              <a:latin typeface="Golos Text Medium" panose="020B0604020202020204" charset="-52"/>
+              <a:cs typeface="Golos Text Medium" panose="020B0604020202020204" charset="-52"/>
+            </a:endParaRPr>
           </a:p>
         </p:txBody>
       </p:sp>
@@ -17434,7 +17446,7 @@
         <p:spPr>
           <a:xfrm>
             <a:off x="17373600" y="8691275"/>
-            <a:ext cx="612668" cy="553998"/>
+            <a:ext cx="580608" cy="553998"/>
           </a:xfrm>
           <a:prstGeom prst="rect">
             <a:avLst/>
@@ -17451,7 +17463,7 @@
                 <a:latin typeface="Golos Text Medium" panose="020B0604020202020204" charset="-52"/>
                 <a:cs typeface="Golos Text Medium" panose="020B0604020202020204" charset="-52"/>
               </a:rPr>
-              <a:t>14</a:t>
+              <a:t>17</a:t>
             </a:r>
             <a:endParaRPr lang="ru-RU" sz="3000" dirty="0">
               <a:latin typeface="Golos Text Medium" panose="020B0604020202020204" charset="-52"/>
@@ -17932,7 +17944,7 @@
         <p:spPr>
           <a:xfrm>
             <a:off x="17373600" y="8706182"/>
-            <a:ext cx="603050" cy="553998"/>
+            <a:ext cx="614271" cy="553998"/>
           </a:xfrm>
           <a:prstGeom prst="rect">
             <a:avLst/>
@@ -17949,7 +17961,7 @@
                 <a:latin typeface="Golos Text Medium" panose="020B0604020202020204" charset="-52"/>
                 <a:cs typeface="Golos Text Medium" panose="020B0604020202020204" charset="-52"/>
               </a:rPr>
-              <a:t>15</a:t>
+              <a:t>18</a:t>
             </a:r>
             <a:endParaRPr lang="ru-RU" sz="3000" dirty="0">
               <a:latin typeface="Golos Text Medium" panose="020B0604020202020204" charset="-52"/>
@@ -18401,7 +18413,7 @@
                 <a:latin typeface="Golos Text Medium" panose="020B0604020202020204" charset="-52"/>
                 <a:cs typeface="Golos Text Medium" panose="020B0604020202020204" charset="-52"/>
               </a:rPr>
-              <a:t>16</a:t>
+              <a:t>19</a:t>
             </a:r>
             <a:endParaRPr lang="ru-RU" sz="3000" dirty="0">
               <a:latin typeface="Golos Text Medium" panose="020B0604020202020204" charset="-52"/>
@@ -18571,7 +18583,7 @@
                   <a:cs typeface="Golos Text" panose="020B0503020202020204" pitchFamily="34" charset="0"/>
                   <a:sym typeface="Proxima Nova Semibold"/>
                 </a:rPr>
-                <a:t>2</a:t>
+                <a:t>3</a:t>
               </a:r>
               <a:endParaRPr sz="3200" dirty="0">
                 <a:latin typeface="Golos Text" panose="020B0503020202020204" pitchFamily="34" charset="0"/>
@@ -19046,7 +19058,7 @@
                   <a:cs typeface="Golos Text" panose="020B0503020202020204" pitchFamily="34" charset="0"/>
                   <a:sym typeface="Proxima Nova Semibold"/>
                 </a:rPr>
-                <a:t>3</a:t>
+                <a:t>8</a:t>
               </a:r>
               <a:endParaRPr sz="3200" dirty="0">
                 <a:latin typeface="Golos Text" panose="020B0503020202020204" pitchFamily="34" charset="0"/>
@@ -19157,13 +19169,13 @@
                 <a:buNone/>
               </a:pPr>
               <a:r>
-                <a:rPr lang="ru" sz="3200" dirty="0">
+                <a:rPr lang="ru" sz="3200" dirty="0" smtClean="0">
                   <a:latin typeface="Golos Text" panose="020B0503020202020204" pitchFamily="34" charset="0"/>
                   <a:ea typeface="Proxima Nova Semibold"/>
                   <a:cs typeface="Golos Text" panose="020B0503020202020204" pitchFamily="34" charset="0"/>
                   <a:sym typeface="Proxima Nova Semibold"/>
                 </a:rPr>
-                <a:t>4</a:t>
+                <a:t>12</a:t>
               </a:r>
               <a:endParaRPr sz="3200" dirty="0">
                 <a:latin typeface="Golos Text" panose="020B0503020202020204" pitchFamily="34" charset="0"/>
@@ -19274,13 +19286,13 @@
                 <a:buNone/>
               </a:pPr>
               <a:r>
-                <a:rPr lang="ru" sz="3200" dirty="0">
+                <a:rPr lang="ru" sz="3200" dirty="0" smtClean="0">
                   <a:latin typeface="Golos Text" panose="020B0503020202020204" pitchFamily="34" charset="0"/>
                   <a:ea typeface="Proxima Nova Semibold"/>
                   <a:cs typeface="Golos Text" panose="020B0503020202020204" pitchFamily="34" charset="0"/>
                   <a:sym typeface="Proxima Nova Semibold"/>
                 </a:rPr>
-                <a:t>5</a:t>
+                <a:t>21</a:t>
               </a:r>
               <a:endParaRPr sz="3200" dirty="0">
                 <a:latin typeface="Golos Text" panose="020B0503020202020204" pitchFamily="34" charset="0"/>
@@ -19391,13 +19403,13 @@
                 <a:buNone/>
               </a:pPr>
               <a:r>
-                <a:rPr lang="ru" sz="3200" dirty="0">
+                <a:rPr lang="ru" sz="3200" dirty="0" smtClean="0">
                   <a:latin typeface="Golos Text" panose="020B0503020202020204" pitchFamily="34" charset="0"/>
                   <a:ea typeface="Proxima Nova Semibold"/>
                   <a:cs typeface="Golos Text" panose="020B0503020202020204" pitchFamily="34" charset="0"/>
                   <a:sym typeface="Proxima Nova Semibold"/>
                 </a:rPr>
-                <a:t>6</a:t>
+                <a:t>25</a:t>
               </a:r>
               <a:endParaRPr sz="3200" dirty="0">
                 <a:latin typeface="Golos Text" panose="020B0503020202020204" pitchFamily="34" charset="0"/>
@@ -19574,7 +19586,7 @@
         </p:nvSpPr>
         <p:spPr>
           <a:xfrm>
-            <a:off x="17082719" y="8545689"/>
+            <a:off x="17263023" y="9154967"/>
             <a:ext cx="412292" cy="553998"/>
           </a:xfrm>
           <a:prstGeom prst="rect">
@@ -20064,7 +20076,7 @@
         <p:spPr>
           <a:xfrm>
             <a:off x="17458449" y="8648413"/>
-            <a:ext cx="580608" cy="553998"/>
+            <a:ext cx="654346" cy="553998"/>
           </a:xfrm>
           <a:prstGeom prst="rect">
             <a:avLst/>
@@ -20081,7 +20093,7 @@
                 <a:latin typeface="Golos Text Medium" panose="020B0604020202020204" charset="-52"/>
                 <a:cs typeface="Golos Text Medium" panose="020B0604020202020204" charset="-52"/>
               </a:rPr>
-              <a:t>17</a:t>
+              <a:t>20</a:t>
             </a:r>
             <a:endParaRPr lang="ru-RU" sz="3000" dirty="0">
               <a:latin typeface="Golos Text Medium" panose="020B0604020202020204" charset="-52"/>
@@ -21186,7 +21198,7 @@
                 <a:latin typeface="Golos Text Medium" panose="020B0604020202020204" charset="-52"/>
                 <a:cs typeface="Golos Text Medium" panose="020B0604020202020204" charset="-52"/>
               </a:rPr>
-              <a:t>18</a:t>
+              <a:t>21</a:t>
             </a:r>
             <a:endParaRPr lang="ru-RU" sz="3000" dirty="0">
               <a:latin typeface="Golos Text Medium" panose="020B0604020202020204" charset="-52"/>
@@ -22247,7 +22259,7 @@
         <p:spPr>
           <a:xfrm>
             <a:off x="17354293" y="8605550"/>
-            <a:ext cx="612668" cy="553998"/>
+            <a:ext cx="639919" cy="553998"/>
           </a:xfrm>
           <a:prstGeom prst="rect">
             <a:avLst/>
@@ -22264,7 +22276,7 @@
                 <a:latin typeface="Golos Text Medium" panose="020B0604020202020204" charset="-52"/>
                 <a:cs typeface="Golos Text Medium" panose="020B0604020202020204" charset="-52"/>
               </a:rPr>
-              <a:t>19</a:t>
+              <a:t>22</a:t>
             </a:r>
           </a:p>
         </p:txBody>
@@ -22538,7 +22550,7 @@
                 <a:cs typeface="Golos Text Medium" panose="020B0503020202020204" pitchFamily="34" charset="0"/>
                 <a:sym typeface="Proxima Nova Semibold"/>
               </a:rPr>
-              <a:t>20</a:t>
+              <a:t>23</a:t>
             </a:r>
             <a:endParaRPr lang="ru-RU" sz="3000" dirty="0">
               <a:latin typeface="Golos Text Medium" panose="020B0503020202020204" pitchFamily="34" charset="0"/>
@@ -23482,16 +23494,7 @@
                 <a:cs typeface="Golos Text Medium" panose="020B0503020202020204" pitchFamily="34" charset="0"/>
                 <a:sym typeface="Proxima Nova Semibold"/>
               </a:rPr>
-              <a:t>2</a:t>
-            </a:r>
-            <a:r>
-              <a:rPr lang="en-US" sz="3000" dirty="0" smtClean="0">
-                <a:latin typeface="Golos Text Medium" panose="020B0503020202020204" pitchFamily="34" charset="0"/>
-                <a:ea typeface="Proxima Nova Semibold"/>
-                <a:cs typeface="Golos Text Medium" panose="020B0503020202020204" pitchFamily="34" charset="0"/>
-                <a:sym typeface="Proxima Nova Semibold"/>
-              </a:rPr>
-              <a:t>1</a:t>
+              <a:t>24</a:t>
             </a:r>
             <a:endParaRPr lang="ru-RU" sz="3000" dirty="0">
               <a:latin typeface="Golos Text Medium" panose="020B0503020202020204" pitchFamily="34" charset="0"/>
@@ -23541,12 +23544,6 @@
               </a:rPr>
               <a:t>Сводная таблица результатов при построении различных моделей</a:t>
             </a:r>
-            <a:endParaRPr lang="ru-RU" sz="4000" dirty="0" smtClean="0">
-              <a:latin typeface="Golos Text Medium" panose="020B0503020202020204" pitchFamily="34" charset="0"/>
-              <a:ea typeface="Proxima Nova Semibold"/>
-              <a:cs typeface="Golos Text Medium" panose="020B0503020202020204" pitchFamily="34" charset="0"/>
-              <a:sym typeface="Proxima Nova Semibold"/>
-            </a:endParaRPr>
           </a:p>
           <a:p>
             <a:pPr marL="0" lvl="0" indent="0" algn="l" rtl="0">
@@ -23722,10 +23719,34 @@
                 <a:tableStyleId>{5940675A-B579-460E-94D1-54222C63F5DA}</a:tableStyleId>
               </a:tblPr>
               <a:tblGrid>
-                <a:gridCol w="2813538"/>
-                <a:gridCol w="4360984"/>
-                <a:gridCol w="3329354"/>
-                <a:gridCol w="5964628"/>
+                <a:gridCol w="2813538">
+                  <a:extLst>
+                    <a:ext uri="{9D8B030D-6E8A-4147-A177-3AD203B41FA5}">
+                      <a16:colId xmlns="" xmlns:a16="http://schemas.microsoft.com/office/drawing/2014/main" val="20000"/>
+                    </a:ext>
+                  </a:extLst>
+                </a:gridCol>
+                <a:gridCol w="4360984">
+                  <a:extLst>
+                    <a:ext uri="{9D8B030D-6E8A-4147-A177-3AD203B41FA5}">
+                      <a16:colId xmlns="" xmlns:a16="http://schemas.microsoft.com/office/drawing/2014/main" val="20001"/>
+                    </a:ext>
+                  </a:extLst>
+                </a:gridCol>
+                <a:gridCol w="3329354">
+                  <a:extLst>
+                    <a:ext uri="{9D8B030D-6E8A-4147-A177-3AD203B41FA5}">
+                      <a16:colId xmlns="" xmlns:a16="http://schemas.microsoft.com/office/drawing/2014/main" val="20002"/>
+                    </a:ext>
+                  </a:extLst>
+                </a:gridCol>
+                <a:gridCol w="5964628">
+                  <a:extLst>
+                    <a:ext uri="{9D8B030D-6E8A-4147-A177-3AD203B41FA5}">
+                      <a16:colId xmlns="" xmlns:a16="http://schemas.microsoft.com/office/drawing/2014/main" val="20003"/>
+                    </a:ext>
+                  </a:extLst>
+                </a:gridCol>
               </a:tblGrid>
               <a:tr h="888525">
                 <a:tc>
@@ -23854,6 +23875,11 @@
                     </a:solidFill>
                   </a:tcPr>
                 </a:tc>
+                <a:extLst>
+                  <a:ext uri="{0D108BD9-81ED-4DB2-BD59-A6C34878D82A}">
+                    <a16:rowId xmlns="" xmlns:a16="http://schemas.microsoft.com/office/drawing/2014/main" val="10000"/>
+                  </a:ext>
+                </a:extLst>
               </a:tr>
               <a:tr h="888525">
                 <a:tc>
@@ -23980,6 +24006,11 @@
                     </a:solidFill>
                   </a:tcPr>
                 </a:tc>
+                <a:extLst>
+                  <a:ext uri="{0D108BD9-81ED-4DB2-BD59-A6C34878D82A}">
+                    <a16:rowId xmlns="" xmlns:a16="http://schemas.microsoft.com/office/drawing/2014/main" val="10001"/>
+                  </a:ext>
+                </a:extLst>
               </a:tr>
               <a:tr h="888525">
                 <a:tc>
@@ -24099,6 +24130,11 @@
                     </a:solidFill>
                   </a:tcPr>
                 </a:tc>
+                <a:extLst>
+                  <a:ext uri="{0D108BD9-81ED-4DB2-BD59-A6C34878D82A}">
+                    <a16:rowId xmlns="" xmlns:a16="http://schemas.microsoft.com/office/drawing/2014/main" val="10002"/>
+                  </a:ext>
+                </a:extLst>
               </a:tr>
             </a:tbl>
           </a:graphicData>
@@ -24607,11 +24643,11 @@
               <a:t>2</a:t>
             </a:r>
             <a:r>
-              <a:rPr lang="en-US" sz="3000" dirty="0" smtClean="0">
+              <a:rPr lang="ru-RU" sz="3000" dirty="0">
                 <a:latin typeface="Golos Text Medium" panose="020B0604020202020204" charset="-52"/>
                 <a:cs typeface="Golos Text Medium" panose="020B0604020202020204" charset="-52"/>
               </a:rPr>
-              <a:t>2</a:t>
+              <a:t>5</a:t>
             </a:r>
             <a:endParaRPr lang="ru-RU" sz="3000" dirty="0" smtClean="0">
               <a:latin typeface="Golos Text Medium" panose="020B0604020202020204" charset="-52"/>
@@ -25165,7 +25201,7 @@
         <p:spPr>
           <a:xfrm>
             <a:off x="17085777" y="9157203"/>
-            <a:ext cx="641522" cy="553998"/>
+            <a:ext cx="649537" cy="553998"/>
           </a:xfrm>
           <a:prstGeom prst="rect">
             <a:avLst/>
@@ -25185,16 +25221,12 @@
               <a:t>2</a:t>
             </a:r>
             <a:r>
-              <a:rPr lang="en-US" sz="3000" dirty="0" smtClean="0">
+              <a:rPr lang="ru-RU" sz="3000" dirty="0">
                 <a:latin typeface="Golos Text Medium" panose="020B0604020202020204" charset="-52"/>
                 <a:cs typeface="Golos Text Medium" panose="020B0604020202020204" charset="-52"/>
               </a:rPr>
-              <a:t>3</a:t>
+              <a:t>6</a:t>
             </a:r>
-            <a:endParaRPr lang="ru-RU" sz="3000" dirty="0">
-              <a:latin typeface="Golos Text Medium" panose="020B0604020202020204" charset="-52"/>
-              <a:cs typeface="Golos Text Medium" panose="020B0604020202020204" charset="-52"/>
-            </a:endParaRPr>
           </a:p>
         </p:txBody>
       </p:sp>
@@ -25438,8 +25470,8 @@
         </p:nvSpPr>
         <p:spPr>
           <a:xfrm>
-            <a:off x="16607083" y="7348250"/>
-            <a:ext cx="1532417" cy="711229"/>
+            <a:off x="17457090" y="8643565"/>
+            <a:ext cx="521818" cy="711229"/>
           </a:xfrm>
           <a:prstGeom prst="rect">
             <a:avLst/>
@@ -28033,8 +28065,8 @@
         </p:nvSpPr>
         <p:spPr>
           <a:xfrm>
-            <a:off x="17108518" y="7829532"/>
-            <a:ext cx="923913" cy="690295"/>
+            <a:off x="17570475" y="8728206"/>
+            <a:ext cx="599933" cy="690295"/>
           </a:xfrm>
           <a:prstGeom prst="rect">
             <a:avLst/>
@@ -35291,7 +35323,7 @@
         </p:nvSpPr>
         <p:spPr>
           <a:xfrm>
-            <a:off x="17018923" y="7775342"/>
+            <a:off x="17570475" y="8605550"/>
             <a:ext cx="412292" cy="553998"/>
           </a:xfrm>
           <a:prstGeom prst="rect">
@@ -41676,7 +41708,7 @@
         </p:nvSpPr>
         <p:spPr>
           <a:xfrm>
-            <a:off x="16827537" y="7897664"/>
+            <a:off x="17570475" y="8605550"/>
             <a:ext cx="421910" cy="553998"/>
           </a:xfrm>
           <a:prstGeom prst="rect">
@@ -41939,8 +41971,8 @@
         </p:nvSpPr>
         <p:spPr>
           <a:xfrm>
-            <a:off x="16309165" y="7325993"/>
-            <a:ext cx="1085700" cy="758810"/>
+            <a:off x="17570475" y="8605550"/>
+            <a:ext cx="523541" cy="758810"/>
           </a:xfrm>
           <a:prstGeom prst="rect">
             <a:avLst/>
@@ -43847,7 +43879,7 @@
         </p:nvSpPr>
         <p:spPr>
           <a:xfrm>
-            <a:off x="16875775" y="7228178"/>
+            <a:off x="17570475" y="8605550"/>
             <a:ext cx="423514" cy="553998"/>
           </a:xfrm>
           <a:prstGeom prst="rect">
@@ -44202,7 +44234,7 @@
         </p:nvSpPr>
         <p:spPr>
           <a:xfrm>
-            <a:off x="16564399" y="8138129"/>
+            <a:off x="17574500" y="9170507"/>
             <a:ext cx="554019" cy="553998"/>
           </a:xfrm>
           <a:prstGeom prst="rect">
